--- a/Retrospective/Sprint 3 - Retrospective.pptx
+++ b/Retrospective/Sprint 3 - Retrospective.pptx
@@ -185,7 +185,7 @@
           <a:noFill/>
           <a:extLst>
             <a:ext uri="{909E8E84-426E-40dd-AFC4-6F175D3DCCD1}">
-              <a14:hiddenFill xmlns="" xmlns:a14="http://schemas.microsoft.com/office/drawing/2010/main">
+              <a14:hiddenFill xmlns:a14="http://schemas.microsoft.com/office/drawing/2010/main" xmlns="">
                 <a:solidFill>
                   <a:srgbClr val="FFFFFF"/>
                 </a:solidFill>
@@ -244,7 +244,7 @@
             </a:ln>
             <a:extLst>
               <a:ext uri="{91240B29-F687-4f45-9708-019B960494DF}">
-                <a14:hiddenLine xmlns="" xmlns:a14="http://schemas.microsoft.com/office/drawing/2010/main" w="9525">
+                <a14:hiddenLine xmlns:a14="http://schemas.microsoft.com/office/drawing/2010/main" xmlns="" w="9525">
                   <a:solidFill>
                     <a:srgbClr val="000000"/>
                   </a:solidFill>
@@ -334,7 +334,7 @@
             </a:ln>
             <a:extLst>
               <a:ext uri="{91240B29-F687-4f45-9708-019B960494DF}">
-                <a14:hiddenLine xmlns="" xmlns:a14="http://schemas.microsoft.com/office/drawing/2010/main" w="9525">
+                <a14:hiddenLine xmlns:a14="http://schemas.microsoft.com/office/drawing/2010/main" xmlns="" w="9525">
                   <a:solidFill>
                     <a:srgbClr val="000000"/>
                   </a:solidFill>
@@ -424,7 +424,7 @@
             </a:ln>
             <a:extLst>
               <a:ext uri="{91240B29-F687-4f45-9708-019B960494DF}">
-                <a14:hiddenLine xmlns="" xmlns:a14="http://schemas.microsoft.com/office/drawing/2010/main" w="9525">
+                <a14:hiddenLine xmlns:a14="http://schemas.microsoft.com/office/drawing/2010/main" xmlns="" w="9525">
                   <a:solidFill>
                     <a:srgbClr val="000000"/>
                   </a:solidFill>
@@ -458,7 +458,7 @@
             </a:ln>
             <a:extLst>
               <a:ext uri="{91240B29-F687-4f45-9708-019B960494DF}">
-                <a14:hiddenLine xmlns="" xmlns:a14="http://schemas.microsoft.com/office/drawing/2010/main" w="9525">
+                <a14:hiddenLine xmlns:a14="http://schemas.microsoft.com/office/drawing/2010/main" xmlns="" w="9525">
                   <a:solidFill>
                     <a:srgbClr val="000000"/>
                   </a:solidFill>
@@ -548,7 +548,7 @@
             </a:ln>
             <a:extLst>
               <a:ext uri="{91240B29-F687-4f45-9708-019B960494DF}">
-                <a14:hiddenLine xmlns="" xmlns:a14="http://schemas.microsoft.com/office/drawing/2010/main" w="9525">
+                <a14:hiddenLine xmlns:a14="http://schemas.microsoft.com/office/drawing/2010/main" xmlns="" w="9525">
                   <a:solidFill>
                     <a:srgbClr val="000000"/>
                   </a:solidFill>
@@ -610,7 +610,7 @@
             </a:ln>
             <a:extLst>
               <a:ext uri="{91240B29-F687-4f45-9708-019B960494DF}">
-                <a14:hiddenLine xmlns="" xmlns:a14="http://schemas.microsoft.com/office/drawing/2010/main" w="9525">
+                <a14:hiddenLine xmlns:a14="http://schemas.microsoft.com/office/drawing/2010/main" xmlns="" w="9525">
                   <a:solidFill>
                     <a:srgbClr val="000000"/>
                   </a:solidFill>
@@ -672,7 +672,7 @@
             </a:ln>
             <a:extLst>
               <a:ext uri="{91240B29-F687-4f45-9708-019B960494DF}">
-                <a14:hiddenLine xmlns="" xmlns:a14="http://schemas.microsoft.com/office/drawing/2010/main" w="9525">
+                <a14:hiddenLine xmlns:a14="http://schemas.microsoft.com/office/drawing/2010/main" xmlns="" w="9525">
                   <a:solidFill>
                     <a:srgbClr val="000000"/>
                   </a:solidFill>
@@ -762,7 +762,7 @@
             </a:ln>
             <a:extLst>
               <a:ext uri="{91240B29-F687-4f45-9708-019B960494DF}">
-                <a14:hiddenLine xmlns="" xmlns:a14="http://schemas.microsoft.com/office/drawing/2010/main" w="9525">
+                <a14:hiddenLine xmlns:a14="http://schemas.microsoft.com/office/drawing/2010/main" xmlns="" w="9525">
                   <a:solidFill>
                     <a:srgbClr val="000000"/>
                   </a:solidFill>
@@ -824,7 +824,7 @@
             </a:ln>
             <a:extLst>
               <a:ext uri="{91240B29-F687-4f45-9708-019B960494DF}">
-                <a14:hiddenLine xmlns="" xmlns:a14="http://schemas.microsoft.com/office/drawing/2010/main" w="9525">
+                <a14:hiddenLine xmlns:a14="http://schemas.microsoft.com/office/drawing/2010/main" xmlns="" w="9525">
                   <a:solidFill>
                     <a:srgbClr val="000000"/>
                   </a:solidFill>
@@ -886,7 +886,7 @@
             </a:ln>
             <a:extLst>
               <a:ext uri="{91240B29-F687-4f45-9708-019B960494DF}">
-                <a14:hiddenLine xmlns="" xmlns:a14="http://schemas.microsoft.com/office/drawing/2010/main" w="9525">
+                <a14:hiddenLine xmlns:a14="http://schemas.microsoft.com/office/drawing/2010/main" xmlns="" w="9525">
                   <a:solidFill>
                     <a:srgbClr val="000000"/>
                   </a:solidFill>
@@ -976,7 +976,7 @@
             </a:ln>
             <a:extLst>
               <a:ext uri="{91240B29-F687-4f45-9708-019B960494DF}">
-                <a14:hiddenLine xmlns="" xmlns:a14="http://schemas.microsoft.com/office/drawing/2010/main" w="9525">
+                <a14:hiddenLine xmlns:a14="http://schemas.microsoft.com/office/drawing/2010/main" xmlns="" w="9525">
                   <a:solidFill>
                     <a:srgbClr val="000000"/>
                   </a:solidFill>
@@ -1066,7 +1066,7 @@
             </a:ln>
             <a:extLst>
               <a:ext uri="{91240B29-F687-4f45-9708-019B960494DF}">
-                <a14:hiddenLine xmlns="" xmlns:a14="http://schemas.microsoft.com/office/drawing/2010/main" w="9525">
+                <a14:hiddenLine xmlns:a14="http://schemas.microsoft.com/office/drawing/2010/main" xmlns="" w="9525">
                   <a:solidFill>
                     <a:srgbClr val="000000"/>
                   </a:solidFill>
@@ -1128,7 +1128,7 @@
             </a:ln>
             <a:extLst>
               <a:ext uri="{91240B29-F687-4f45-9708-019B960494DF}">
-                <a14:hiddenLine xmlns="" xmlns:a14="http://schemas.microsoft.com/office/drawing/2010/main" w="9525">
+                <a14:hiddenLine xmlns:a14="http://schemas.microsoft.com/office/drawing/2010/main" xmlns="" w="9525">
                   <a:solidFill>
                     <a:srgbClr val="000000"/>
                   </a:solidFill>
@@ -1238,7 +1238,7 @@
             </a:ln>
             <a:extLst>
               <a:ext uri="{91240B29-F687-4f45-9708-019B960494DF}">
-                <a14:hiddenLine xmlns="" xmlns:a14="http://schemas.microsoft.com/office/drawing/2010/main" w="9525">
+                <a14:hiddenLine xmlns:a14="http://schemas.microsoft.com/office/drawing/2010/main" xmlns="" w="9525">
                   <a:solidFill>
                     <a:srgbClr val="000000"/>
                   </a:solidFill>
@@ -1300,7 +1300,7 @@
             </a:ln>
             <a:extLst>
               <a:ext uri="{91240B29-F687-4f45-9708-019B960494DF}">
-                <a14:hiddenLine xmlns="" xmlns:a14="http://schemas.microsoft.com/office/drawing/2010/main" w="9525">
+                <a14:hiddenLine xmlns:a14="http://schemas.microsoft.com/office/drawing/2010/main" xmlns="" w="9525">
                   <a:solidFill>
                     <a:srgbClr val="000000"/>
                   </a:solidFill>
@@ -1390,7 +1390,7 @@
             </a:ln>
             <a:extLst>
               <a:ext uri="{91240B29-F687-4f45-9708-019B960494DF}">
-                <a14:hiddenLine xmlns="" xmlns:a14="http://schemas.microsoft.com/office/drawing/2010/main" w="9525">
+                <a14:hiddenLine xmlns:a14="http://schemas.microsoft.com/office/drawing/2010/main" xmlns="" w="9525">
                   <a:solidFill>
                     <a:srgbClr val="000000"/>
                   </a:solidFill>
@@ -1480,7 +1480,7 @@
             </a:ln>
             <a:extLst>
               <a:ext uri="{91240B29-F687-4f45-9708-019B960494DF}">
-                <a14:hiddenLine xmlns="" xmlns:a14="http://schemas.microsoft.com/office/drawing/2010/main" w="9525">
+                <a14:hiddenLine xmlns:a14="http://schemas.microsoft.com/office/drawing/2010/main" xmlns="" w="9525">
                   <a:solidFill>
                     <a:srgbClr val="000000"/>
                   </a:solidFill>
@@ -1542,7 +1542,7 @@
             </a:ln>
             <a:extLst>
               <a:ext uri="{91240B29-F687-4f45-9708-019B960494DF}">
-                <a14:hiddenLine xmlns="" xmlns:a14="http://schemas.microsoft.com/office/drawing/2010/main" w="9525">
+                <a14:hiddenLine xmlns:a14="http://schemas.microsoft.com/office/drawing/2010/main" xmlns="" w="9525">
                   <a:solidFill>
                     <a:srgbClr val="000000"/>
                   </a:solidFill>
@@ -1632,7 +1632,7 @@
             </a:ln>
             <a:extLst>
               <a:ext uri="{91240B29-F687-4f45-9708-019B960494DF}">
-                <a14:hiddenLine xmlns="" xmlns:a14="http://schemas.microsoft.com/office/drawing/2010/main" w="9525">
+                <a14:hiddenLine xmlns:a14="http://schemas.microsoft.com/office/drawing/2010/main" xmlns="" w="9525">
                   <a:solidFill>
                     <a:srgbClr val="000000"/>
                   </a:solidFill>
@@ -1722,7 +1722,7 @@
             </a:ln>
             <a:extLst>
               <a:ext uri="{91240B29-F687-4f45-9708-019B960494DF}">
-                <a14:hiddenLine xmlns="" xmlns:a14="http://schemas.microsoft.com/office/drawing/2010/main" w="9525">
+                <a14:hiddenLine xmlns:a14="http://schemas.microsoft.com/office/drawing/2010/main" xmlns="" w="9525">
                   <a:solidFill>
                     <a:srgbClr val="000000"/>
                   </a:solidFill>
@@ -1778,7 +1778,7 @@
             </a:ln>
             <a:extLst>
               <a:ext uri="{91240B29-F687-4f45-9708-019B960494DF}">
-                <a14:hiddenLine xmlns="" xmlns:a14="http://schemas.microsoft.com/office/drawing/2010/main" w="9525">
+                <a14:hiddenLine xmlns:a14="http://schemas.microsoft.com/office/drawing/2010/main" xmlns="" w="9525">
                   <a:solidFill>
                     <a:srgbClr val="000000"/>
                   </a:solidFill>
@@ -1868,7 +1868,7 @@
             </a:ln>
             <a:extLst>
               <a:ext uri="{91240B29-F687-4f45-9708-019B960494DF}">
-                <a14:hiddenLine xmlns="" xmlns:a14="http://schemas.microsoft.com/office/drawing/2010/main" w="9525">
+                <a14:hiddenLine xmlns:a14="http://schemas.microsoft.com/office/drawing/2010/main" xmlns="" w="9525">
                   <a:solidFill>
                     <a:srgbClr val="000000"/>
                   </a:solidFill>
@@ -1924,7 +1924,7 @@
             </a:ln>
             <a:extLst>
               <a:ext uri="{91240B29-F687-4f45-9708-019B960494DF}">
-                <a14:hiddenLine xmlns="" xmlns:a14="http://schemas.microsoft.com/office/drawing/2010/main" w="9525">
+                <a14:hiddenLine xmlns:a14="http://schemas.microsoft.com/office/drawing/2010/main" xmlns="" w="9525">
                   <a:solidFill>
                     <a:srgbClr val="000000"/>
                   </a:solidFill>
@@ -2014,7 +2014,7 @@
             </a:ln>
             <a:extLst>
               <a:ext uri="{91240B29-F687-4f45-9708-019B960494DF}">
-                <a14:hiddenLine xmlns="" xmlns:a14="http://schemas.microsoft.com/office/drawing/2010/main" w="9525">
+                <a14:hiddenLine xmlns:a14="http://schemas.microsoft.com/office/drawing/2010/main" xmlns="" w="9525">
                   <a:solidFill>
                     <a:srgbClr val="000000"/>
                   </a:solidFill>
@@ -2082,7 +2082,7 @@
             </a:ln>
             <a:extLst>
               <a:ext uri="{91240B29-F687-4f45-9708-019B960494DF}">
-                <a14:hiddenLine xmlns="" xmlns:a14="http://schemas.microsoft.com/office/drawing/2010/main" w="9525">
+                <a14:hiddenLine xmlns:a14="http://schemas.microsoft.com/office/drawing/2010/main" xmlns="" w="9525">
                   <a:solidFill>
                     <a:srgbClr val="000000"/>
                   </a:solidFill>
@@ -2172,7 +2172,7 @@
             </a:ln>
             <a:extLst>
               <a:ext uri="{91240B29-F687-4f45-9708-019B960494DF}">
-                <a14:hiddenLine xmlns="" xmlns:a14="http://schemas.microsoft.com/office/drawing/2010/main" w="9525">
+                <a14:hiddenLine xmlns:a14="http://schemas.microsoft.com/office/drawing/2010/main" xmlns="" w="9525">
                   <a:solidFill>
                     <a:srgbClr val="000000"/>
                   </a:solidFill>
@@ -2240,7 +2240,7 @@
             </a:ln>
             <a:extLst>
               <a:ext uri="{91240B29-F687-4f45-9708-019B960494DF}">
-                <a14:hiddenLine xmlns="" xmlns:a14="http://schemas.microsoft.com/office/drawing/2010/main" w="9525">
+                <a14:hiddenLine xmlns:a14="http://schemas.microsoft.com/office/drawing/2010/main" xmlns="" w="9525">
                   <a:solidFill>
                     <a:srgbClr val="000000"/>
                   </a:solidFill>
@@ -2330,7 +2330,7 @@
             </a:ln>
             <a:extLst>
               <a:ext uri="{91240B29-F687-4f45-9708-019B960494DF}">
-                <a14:hiddenLine xmlns="" xmlns:a14="http://schemas.microsoft.com/office/drawing/2010/main" w="9525">
+                <a14:hiddenLine xmlns:a14="http://schemas.microsoft.com/office/drawing/2010/main" xmlns="" w="9525">
                   <a:solidFill>
                     <a:srgbClr val="000000"/>
                   </a:solidFill>
@@ -2364,7 +2364,7 @@
             </a:ln>
             <a:extLst>
               <a:ext uri="{91240B29-F687-4f45-9708-019B960494DF}">
-                <a14:hiddenLine xmlns="" xmlns:a14="http://schemas.microsoft.com/office/drawing/2010/main" w="9525">
+                <a14:hiddenLine xmlns:a14="http://schemas.microsoft.com/office/drawing/2010/main" xmlns="" w="9525">
                   <a:solidFill>
                     <a:srgbClr val="000000"/>
                   </a:solidFill>
@@ -2454,7 +2454,7 @@
             </a:ln>
             <a:extLst>
               <a:ext uri="{91240B29-F687-4f45-9708-019B960494DF}">
-                <a14:hiddenLine xmlns="" xmlns:a14="http://schemas.microsoft.com/office/drawing/2010/main" w="9525">
+                <a14:hiddenLine xmlns:a14="http://schemas.microsoft.com/office/drawing/2010/main" xmlns="" w="9525">
                   <a:solidFill>
                     <a:srgbClr val="000000"/>
                   </a:solidFill>
@@ -2516,7 +2516,7 @@
             </a:ln>
             <a:extLst>
               <a:ext uri="{91240B29-F687-4f45-9708-019B960494DF}">
-                <a14:hiddenLine xmlns="" xmlns:a14="http://schemas.microsoft.com/office/drawing/2010/main" w="9525">
+                <a14:hiddenLine xmlns:a14="http://schemas.microsoft.com/office/drawing/2010/main" xmlns="" w="9525">
                   <a:solidFill>
                     <a:srgbClr val="000000"/>
                   </a:solidFill>
@@ -2578,7 +2578,7 @@
             </a:ln>
             <a:extLst>
               <a:ext uri="{91240B29-F687-4f45-9708-019B960494DF}">
-                <a14:hiddenLine xmlns="" xmlns:a14="http://schemas.microsoft.com/office/drawing/2010/main" w="9525">
+                <a14:hiddenLine xmlns:a14="http://schemas.microsoft.com/office/drawing/2010/main" xmlns="" w="9525">
                   <a:solidFill>
                     <a:srgbClr val="000000"/>
                   </a:solidFill>
@@ -2668,7 +2668,7 @@
             </a:ln>
             <a:extLst>
               <a:ext uri="{91240B29-F687-4f45-9708-019B960494DF}">
-                <a14:hiddenLine xmlns="" xmlns:a14="http://schemas.microsoft.com/office/drawing/2010/main" w="9525">
+                <a14:hiddenLine xmlns:a14="http://schemas.microsoft.com/office/drawing/2010/main" xmlns="" w="9525">
                   <a:solidFill>
                     <a:srgbClr val="000000"/>
                   </a:solidFill>
@@ -2736,7 +2736,7 @@
             </a:ln>
             <a:extLst>
               <a:ext uri="{91240B29-F687-4f45-9708-019B960494DF}">
-                <a14:hiddenLine xmlns="" xmlns:a14="http://schemas.microsoft.com/office/drawing/2010/main" w="9525">
+                <a14:hiddenLine xmlns:a14="http://schemas.microsoft.com/office/drawing/2010/main" xmlns="" w="9525">
                   <a:solidFill>
                     <a:srgbClr val="000000"/>
                   </a:solidFill>
@@ -2798,7 +2798,7 @@
             </a:ln>
             <a:extLst>
               <a:ext uri="{91240B29-F687-4f45-9708-019B960494DF}">
-                <a14:hiddenLine xmlns="" xmlns:a14="http://schemas.microsoft.com/office/drawing/2010/main" w="9525">
+                <a14:hiddenLine xmlns:a14="http://schemas.microsoft.com/office/drawing/2010/main" xmlns="" w="9525">
                   <a:solidFill>
                     <a:srgbClr val="000000"/>
                   </a:solidFill>
@@ -2888,7 +2888,7 @@
             </a:ln>
             <a:extLst>
               <a:ext uri="{91240B29-F687-4f45-9708-019B960494DF}">
-                <a14:hiddenLine xmlns="" xmlns:a14="http://schemas.microsoft.com/office/drawing/2010/main" w="9525">
+                <a14:hiddenLine xmlns:a14="http://schemas.microsoft.com/office/drawing/2010/main" xmlns="" w="9525">
                   <a:solidFill>
                     <a:srgbClr val="000000"/>
                   </a:solidFill>
@@ -2950,7 +2950,7 @@
             </a:ln>
             <a:extLst>
               <a:ext uri="{91240B29-F687-4f45-9708-019B960494DF}">
-                <a14:hiddenLine xmlns="" xmlns:a14="http://schemas.microsoft.com/office/drawing/2010/main" w="9525">
+                <a14:hiddenLine xmlns:a14="http://schemas.microsoft.com/office/drawing/2010/main" xmlns="" w="9525">
                   <a:solidFill>
                     <a:srgbClr val="000000"/>
                   </a:solidFill>
@@ -3040,7 +3040,7 @@
             </a:ln>
             <a:extLst>
               <a:ext uri="{91240B29-F687-4f45-9708-019B960494DF}">
-                <a14:hiddenLine xmlns="" xmlns:a14="http://schemas.microsoft.com/office/drawing/2010/main" w="9525">
+                <a14:hiddenLine xmlns:a14="http://schemas.microsoft.com/office/drawing/2010/main" xmlns="" w="9525">
                   <a:solidFill>
                     <a:srgbClr val="000000"/>
                   </a:solidFill>
@@ -3102,7 +3102,7 @@
             </a:ln>
             <a:extLst>
               <a:ext uri="{91240B29-F687-4f45-9708-019B960494DF}">
-                <a14:hiddenLine xmlns="" xmlns:a14="http://schemas.microsoft.com/office/drawing/2010/main" w="9525">
+                <a14:hiddenLine xmlns:a14="http://schemas.microsoft.com/office/drawing/2010/main" xmlns="" w="9525">
                   <a:solidFill>
                     <a:srgbClr val="000000"/>
                   </a:solidFill>
@@ -3192,7 +3192,7 @@
             </a:ln>
             <a:extLst>
               <a:ext uri="{91240B29-F687-4f45-9708-019B960494DF}">
-                <a14:hiddenLine xmlns="" xmlns:a14="http://schemas.microsoft.com/office/drawing/2010/main" w="9525">
+                <a14:hiddenLine xmlns:a14="http://schemas.microsoft.com/office/drawing/2010/main" xmlns="" w="9525">
                   <a:solidFill>
                     <a:srgbClr val="000000"/>
                   </a:solidFill>
@@ -3226,7 +3226,7 @@
             </a:ln>
             <a:extLst>
               <a:ext uri="{91240B29-F687-4f45-9708-019B960494DF}">
-                <a14:hiddenLine xmlns="" xmlns:a14="http://schemas.microsoft.com/office/drawing/2010/main" w="9525">
+                <a14:hiddenLine xmlns:a14="http://schemas.microsoft.com/office/drawing/2010/main" xmlns="" w="9525">
                   <a:solidFill>
                     <a:srgbClr val="000000"/>
                   </a:solidFill>
@@ -3291,7 +3291,7 @@
             </a:ln>
             <a:extLst>
               <a:ext uri="{91240B29-F687-4f45-9708-019B960494DF}">
-                <a14:hiddenLine xmlns="" xmlns:a14="http://schemas.microsoft.com/office/drawing/2010/main" w="9525">
+                <a14:hiddenLine xmlns:a14="http://schemas.microsoft.com/office/drawing/2010/main" xmlns="" w="9525">
                   <a:solidFill>
                     <a:srgbClr val="000000"/>
                   </a:solidFill>
@@ -3381,7 +3381,7 @@
             </a:ln>
             <a:extLst>
               <a:ext uri="{91240B29-F687-4f45-9708-019B960494DF}">
-                <a14:hiddenLine xmlns="" xmlns:a14="http://schemas.microsoft.com/office/drawing/2010/main" w="9525">
+                <a14:hiddenLine xmlns:a14="http://schemas.microsoft.com/office/drawing/2010/main" xmlns="" w="9525">
                   <a:solidFill>
                     <a:srgbClr val="000000"/>
                   </a:solidFill>
@@ -3443,7 +3443,7 @@
             </a:ln>
             <a:extLst>
               <a:ext uri="{91240B29-F687-4f45-9708-019B960494DF}">
-                <a14:hiddenLine xmlns="" xmlns:a14="http://schemas.microsoft.com/office/drawing/2010/main" w="9525">
+                <a14:hiddenLine xmlns:a14="http://schemas.microsoft.com/office/drawing/2010/main" xmlns="" w="9525">
                   <a:solidFill>
                     <a:srgbClr val="000000"/>
                   </a:solidFill>
@@ -3533,7 +3533,7 @@
             </a:ln>
             <a:extLst>
               <a:ext uri="{91240B29-F687-4f45-9708-019B960494DF}">
-                <a14:hiddenLine xmlns="" xmlns:a14="http://schemas.microsoft.com/office/drawing/2010/main" w="9525">
+                <a14:hiddenLine xmlns:a14="http://schemas.microsoft.com/office/drawing/2010/main" xmlns="" w="9525">
                   <a:solidFill>
                     <a:srgbClr val="000000"/>
                   </a:solidFill>
@@ -3623,7 +3623,7 @@
             </a:ln>
             <a:extLst>
               <a:ext uri="{91240B29-F687-4f45-9708-019B960494DF}">
-                <a14:hiddenLine xmlns="" xmlns:a14="http://schemas.microsoft.com/office/drawing/2010/main" w="9525">
+                <a14:hiddenLine xmlns:a14="http://schemas.microsoft.com/office/drawing/2010/main" xmlns="" w="9525">
                   <a:solidFill>
                     <a:srgbClr val="000000"/>
                   </a:solidFill>
@@ -3688,7 +3688,7 @@
             </a:ln>
             <a:extLst>
               <a:ext uri="{91240B29-F687-4f45-9708-019B960494DF}">
-                <a14:hiddenLine xmlns="" xmlns:a14="http://schemas.microsoft.com/office/drawing/2010/main" w="9525">
+                <a14:hiddenLine xmlns:a14="http://schemas.microsoft.com/office/drawing/2010/main" xmlns="" w="9525">
                   <a:solidFill>
                     <a:srgbClr val="000000"/>
                   </a:solidFill>
@@ -3750,7 +3750,7 @@
             </a:ln>
             <a:extLst>
               <a:ext uri="{91240B29-F687-4f45-9708-019B960494DF}">
-                <a14:hiddenLine xmlns="" xmlns:a14="http://schemas.microsoft.com/office/drawing/2010/main" w="9525">
+                <a14:hiddenLine xmlns:a14="http://schemas.microsoft.com/office/drawing/2010/main" xmlns="" w="9525">
                   <a:solidFill>
                     <a:srgbClr val="000000"/>
                   </a:solidFill>
@@ -3840,7 +3840,7 @@
             </a:ln>
             <a:extLst>
               <a:ext uri="{91240B29-F687-4f45-9708-019B960494DF}">
-                <a14:hiddenLine xmlns="" xmlns:a14="http://schemas.microsoft.com/office/drawing/2010/main" w="9525">
+                <a14:hiddenLine xmlns:a14="http://schemas.microsoft.com/office/drawing/2010/main" xmlns="" w="9525">
                   <a:solidFill>
                     <a:srgbClr val="000000"/>
                   </a:solidFill>
@@ -3930,7 +3930,7 @@
             </a:ln>
             <a:extLst>
               <a:ext uri="{91240B29-F687-4f45-9708-019B960494DF}">
-                <a14:hiddenLine xmlns="" xmlns:a14="http://schemas.microsoft.com/office/drawing/2010/main" w="9525">
+                <a14:hiddenLine xmlns:a14="http://schemas.microsoft.com/office/drawing/2010/main" xmlns="" w="9525">
                   <a:solidFill>
                     <a:srgbClr val="000000"/>
                   </a:solidFill>
@@ -3992,7 +3992,7 @@
             </a:ln>
             <a:extLst>
               <a:ext uri="{91240B29-F687-4f45-9708-019B960494DF}">
-                <a14:hiddenLine xmlns="" xmlns:a14="http://schemas.microsoft.com/office/drawing/2010/main" w="9525">
+                <a14:hiddenLine xmlns:a14="http://schemas.microsoft.com/office/drawing/2010/main" xmlns="" w="9525">
                   <a:solidFill>
                     <a:srgbClr val="000000"/>
                   </a:solidFill>
@@ -4112,7 +4112,7 @@
             </a:ln>
             <a:extLst>
               <a:ext uri="{91240B29-F687-4f45-9708-019B960494DF}">
-                <a14:hiddenLine xmlns="" xmlns:a14="http://schemas.microsoft.com/office/drawing/2010/main" w="9525">
+                <a14:hiddenLine xmlns:a14="http://schemas.microsoft.com/office/drawing/2010/main" xmlns="" w="9525">
                   <a:solidFill>
                     <a:srgbClr val="000000"/>
                   </a:solidFill>
@@ -4180,7 +4180,7 @@
             </a:ln>
             <a:extLst>
               <a:ext uri="{91240B29-F687-4f45-9708-019B960494DF}">
-                <a14:hiddenLine xmlns="" xmlns:a14="http://schemas.microsoft.com/office/drawing/2010/main" w="9525">
+                <a14:hiddenLine xmlns:a14="http://schemas.microsoft.com/office/drawing/2010/main" xmlns="" w="9525">
                   <a:solidFill>
                     <a:srgbClr val="000000"/>
                   </a:solidFill>
@@ -4270,7 +4270,7 @@
             </a:ln>
             <a:extLst>
               <a:ext uri="{91240B29-F687-4f45-9708-019B960494DF}">
-                <a14:hiddenLine xmlns="" xmlns:a14="http://schemas.microsoft.com/office/drawing/2010/main" w="9525">
+                <a14:hiddenLine xmlns:a14="http://schemas.microsoft.com/office/drawing/2010/main" xmlns="" w="9525">
                   <a:solidFill>
                     <a:srgbClr val="000000"/>
                   </a:solidFill>
@@ -8999,7 +8999,7 @@
           <a:noFill/>
           <a:extLst>
             <a:ext uri="{909E8E84-426E-40dd-AFC4-6F175D3DCCD1}">
-              <a14:hiddenFill xmlns="" xmlns:a14="http://schemas.microsoft.com/office/drawing/2010/main">
+              <a14:hiddenFill xmlns:a14="http://schemas.microsoft.com/office/drawing/2010/main" xmlns="">
                 <a:solidFill>
                   <a:srgbClr val="FFFFFF"/>
                 </a:solidFill>
@@ -9073,7 +9073,7 @@
               </a:ln>
               <a:extLst>
                 <a:ext uri="{91240B29-F687-4f45-9708-019B960494DF}">
-                  <a14:hiddenLine xmlns="" xmlns:a14="http://schemas.microsoft.com/office/drawing/2010/main" w="9525">
+                  <a14:hiddenLine xmlns:a14="http://schemas.microsoft.com/office/drawing/2010/main" xmlns="" w="9525">
                     <a:solidFill>
                       <a:srgbClr val="000000"/>
                     </a:solidFill>
@@ -9163,7 +9163,7 @@
               </a:ln>
               <a:extLst>
                 <a:ext uri="{91240B29-F687-4f45-9708-019B960494DF}">
-                  <a14:hiddenLine xmlns="" xmlns:a14="http://schemas.microsoft.com/office/drawing/2010/main" w="9525">
+                  <a14:hiddenLine xmlns:a14="http://schemas.microsoft.com/office/drawing/2010/main" xmlns="" w="9525">
                     <a:solidFill>
                       <a:srgbClr val="000000"/>
                     </a:solidFill>
@@ -9253,7 +9253,7 @@
               </a:ln>
               <a:extLst>
                 <a:ext uri="{91240B29-F687-4f45-9708-019B960494DF}">
-                  <a14:hiddenLine xmlns="" xmlns:a14="http://schemas.microsoft.com/office/drawing/2010/main" w="9525">
+                  <a14:hiddenLine xmlns:a14="http://schemas.microsoft.com/office/drawing/2010/main" xmlns="" w="9525">
                     <a:solidFill>
                       <a:srgbClr val="000000"/>
                     </a:solidFill>
@@ -9315,7 +9315,7 @@
               </a:ln>
               <a:extLst>
                 <a:ext uri="{91240B29-F687-4f45-9708-019B960494DF}">
-                  <a14:hiddenLine xmlns="" xmlns:a14="http://schemas.microsoft.com/office/drawing/2010/main" w="9525">
+                  <a14:hiddenLine xmlns:a14="http://schemas.microsoft.com/office/drawing/2010/main" xmlns="" w="9525">
                     <a:solidFill>
                       <a:srgbClr val="000000"/>
                     </a:solidFill>
@@ -9405,7 +9405,7 @@
               </a:ln>
               <a:extLst>
                 <a:ext uri="{91240B29-F687-4f45-9708-019B960494DF}">
-                  <a14:hiddenLine xmlns="" xmlns:a14="http://schemas.microsoft.com/office/drawing/2010/main" w="9525">
+                  <a14:hiddenLine xmlns:a14="http://schemas.microsoft.com/office/drawing/2010/main" xmlns="" w="9525">
                     <a:solidFill>
                       <a:srgbClr val="000000"/>
                     </a:solidFill>
@@ -9467,7 +9467,7 @@
               </a:ln>
               <a:extLst>
                 <a:ext uri="{91240B29-F687-4f45-9708-019B960494DF}">
-                  <a14:hiddenLine xmlns="" xmlns:a14="http://schemas.microsoft.com/office/drawing/2010/main" w="9525">
+                  <a14:hiddenLine xmlns:a14="http://schemas.microsoft.com/office/drawing/2010/main" xmlns="" w="9525">
                     <a:solidFill>
                       <a:srgbClr val="000000"/>
                     </a:solidFill>
@@ -9529,7 +9529,7 @@
               </a:ln>
               <a:extLst>
                 <a:ext uri="{91240B29-F687-4f45-9708-019B960494DF}">
-                  <a14:hiddenLine xmlns="" xmlns:a14="http://schemas.microsoft.com/office/drawing/2010/main" w="9525">
+                  <a14:hiddenLine xmlns:a14="http://schemas.microsoft.com/office/drawing/2010/main" xmlns="" w="9525">
                     <a:solidFill>
                       <a:srgbClr val="000000"/>
                     </a:solidFill>
@@ -9619,7 +9619,7 @@
               </a:ln>
               <a:extLst>
                 <a:ext uri="{91240B29-F687-4f45-9708-019B960494DF}">
-                  <a14:hiddenLine xmlns="" xmlns:a14="http://schemas.microsoft.com/office/drawing/2010/main" w="9525">
+                  <a14:hiddenLine xmlns:a14="http://schemas.microsoft.com/office/drawing/2010/main" xmlns="" w="9525">
                     <a:solidFill>
                       <a:srgbClr val="000000"/>
                     </a:solidFill>
@@ -9709,7 +9709,7 @@
               </a:ln>
               <a:extLst>
                 <a:ext uri="{91240B29-F687-4f45-9708-019B960494DF}">
-                  <a14:hiddenLine xmlns="" xmlns:a14="http://schemas.microsoft.com/office/drawing/2010/main" w="9525">
+                  <a14:hiddenLine xmlns:a14="http://schemas.microsoft.com/office/drawing/2010/main" xmlns="" w="9525">
                     <a:solidFill>
                       <a:srgbClr val="000000"/>
                     </a:solidFill>
@@ -9771,7 +9771,7 @@
               </a:ln>
               <a:extLst>
                 <a:ext uri="{91240B29-F687-4f45-9708-019B960494DF}">
-                  <a14:hiddenLine xmlns="" xmlns:a14="http://schemas.microsoft.com/office/drawing/2010/main" w="9525">
+                  <a14:hiddenLine xmlns:a14="http://schemas.microsoft.com/office/drawing/2010/main" xmlns="" w="9525">
                     <a:solidFill>
                       <a:srgbClr val="000000"/>
                     </a:solidFill>
@@ -9881,7 +9881,7 @@
               </a:ln>
               <a:extLst>
                 <a:ext uri="{91240B29-F687-4f45-9708-019B960494DF}">
-                  <a14:hiddenLine xmlns="" xmlns:a14="http://schemas.microsoft.com/office/drawing/2010/main" w="9525">
+                  <a14:hiddenLine xmlns:a14="http://schemas.microsoft.com/office/drawing/2010/main" xmlns="" w="9525">
                     <a:solidFill>
                       <a:srgbClr val="000000"/>
                     </a:solidFill>
@@ -9965,7 +9965,7 @@
               </a:ln>
               <a:extLst>
                 <a:ext uri="{91240B29-F687-4f45-9708-019B960494DF}">
-                  <a14:hiddenLine xmlns="" xmlns:a14="http://schemas.microsoft.com/office/drawing/2010/main" w="9525">
+                  <a14:hiddenLine xmlns:a14="http://schemas.microsoft.com/office/drawing/2010/main" xmlns="" w="9525">
                     <a:solidFill>
                       <a:srgbClr val="000000"/>
                     </a:solidFill>
@@ -10027,7 +10027,7 @@
               </a:ln>
               <a:extLst>
                 <a:ext uri="{91240B29-F687-4f45-9708-019B960494DF}">
-                  <a14:hiddenLine xmlns="" xmlns:a14="http://schemas.microsoft.com/office/drawing/2010/main" w="9525">
+                  <a14:hiddenLine xmlns:a14="http://schemas.microsoft.com/office/drawing/2010/main" xmlns="" w="9525">
                     <a:solidFill>
                       <a:srgbClr val="000000"/>
                     </a:solidFill>
@@ -10089,7 +10089,7 @@
               </a:ln>
               <a:extLst>
                 <a:ext uri="{91240B29-F687-4f45-9708-019B960494DF}">
-                  <a14:hiddenLine xmlns="" xmlns:a14="http://schemas.microsoft.com/office/drawing/2010/main" w="9525">
+                  <a14:hiddenLine xmlns:a14="http://schemas.microsoft.com/office/drawing/2010/main" xmlns="" w="9525">
                     <a:solidFill>
                       <a:srgbClr val="000000"/>
                     </a:solidFill>
@@ -10179,7 +10179,7 @@
               </a:ln>
               <a:extLst>
                 <a:ext uri="{91240B29-F687-4f45-9708-019B960494DF}">
-                  <a14:hiddenLine xmlns="" xmlns:a14="http://schemas.microsoft.com/office/drawing/2010/main" w="9525">
+                  <a14:hiddenLine xmlns:a14="http://schemas.microsoft.com/office/drawing/2010/main" xmlns="" w="9525">
                     <a:solidFill>
                       <a:srgbClr val="000000"/>
                     </a:solidFill>
@@ -10213,7 +10213,7 @@
               </a:ln>
               <a:extLst>
                 <a:ext uri="{91240B29-F687-4f45-9708-019B960494DF}">
-                  <a14:hiddenLine xmlns="" xmlns:a14="http://schemas.microsoft.com/office/drawing/2010/main" w="9525">
+                  <a14:hiddenLine xmlns:a14="http://schemas.microsoft.com/office/drawing/2010/main" xmlns="" w="9525">
                     <a:solidFill>
                       <a:srgbClr val="000000"/>
                     </a:solidFill>
@@ -10278,7 +10278,7 @@
               </a:ln>
               <a:extLst>
                 <a:ext uri="{91240B29-F687-4f45-9708-019B960494DF}">
-                  <a14:hiddenLine xmlns="" xmlns:a14="http://schemas.microsoft.com/office/drawing/2010/main" w="9525">
+                  <a14:hiddenLine xmlns:a14="http://schemas.microsoft.com/office/drawing/2010/main" xmlns="" w="9525">
                     <a:solidFill>
                       <a:srgbClr val="000000"/>
                     </a:solidFill>
@@ -10368,7 +10368,7 @@
               </a:ln>
               <a:extLst>
                 <a:ext uri="{91240B29-F687-4f45-9708-019B960494DF}">
-                  <a14:hiddenLine xmlns="" xmlns:a14="http://schemas.microsoft.com/office/drawing/2010/main" w="9525">
+                  <a14:hiddenLine xmlns:a14="http://schemas.microsoft.com/office/drawing/2010/main" xmlns="" w="9525">
                     <a:solidFill>
                       <a:srgbClr val="000000"/>
                     </a:solidFill>
@@ -10430,7 +10430,7 @@
               </a:ln>
               <a:extLst>
                 <a:ext uri="{91240B29-F687-4f45-9708-019B960494DF}">
-                  <a14:hiddenLine xmlns="" xmlns:a14="http://schemas.microsoft.com/office/drawing/2010/main" w="9525">
+                  <a14:hiddenLine xmlns:a14="http://schemas.microsoft.com/office/drawing/2010/main" xmlns="" w="9525">
                     <a:solidFill>
                       <a:srgbClr val="000000"/>
                     </a:solidFill>
@@ -10520,7 +10520,7 @@
               </a:ln>
               <a:extLst>
                 <a:ext uri="{91240B29-F687-4f45-9708-019B960494DF}">
-                  <a14:hiddenLine xmlns="" xmlns:a14="http://schemas.microsoft.com/office/drawing/2010/main" w="9525">
+                  <a14:hiddenLine xmlns:a14="http://schemas.microsoft.com/office/drawing/2010/main" xmlns="" w="9525">
                     <a:solidFill>
                       <a:srgbClr val="000000"/>
                     </a:solidFill>
@@ -10585,7 +10585,7 @@
               </a:ln>
               <a:extLst>
                 <a:ext uri="{91240B29-F687-4f45-9708-019B960494DF}">
-                  <a14:hiddenLine xmlns="" xmlns:a14="http://schemas.microsoft.com/office/drawing/2010/main" w="9525">
+                  <a14:hiddenLine xmlns:a14="http://schemas.microsoft.com/office/drawing/2010/main" xmlns="" w="9525">
                     <a:solidFill>
                       <a:srgbClr val="000000"/>
                     </a:solidFill>
@@ -10647,7 +10647,7 @@
               </a:ln>
               <a:extLst>
                 <a:ext uri="{91240B29-F687-4f45-9708-019B960494DF}">
-                  <a14:hiddenLine xmlns="" xmlns:a14="http://schemas.microsoft.com/office/drawing/2010/main" w="9525">
+                  <a14:hiddenLine xmlns:a14="http://schemas.microsoft.com/office/drawing/2010/main" xmlns="" w="9525">
                     <a:solidFill>
                       <a:srgbClr val="000000"/>
                     </a:solidFill>
@@ -10737,7 +10737,7 @@
               </a:ln>
               <a:extLst>
                 <a:ext uri="{91240B29-F687-4f45-9708-019B960494DF}">
-                  <a14:hiddenLine xmlns="" xmlns:a14="http://schemas.microsoft.com/office/drawing/2010/main" w="9525">
+                  <a14:hiddenLine xmlns:a14="http://schemas.microsoft.com/office/drawing/2010/main" xmlns="" w="9525">
                     <a:solidFill>
                       <a:srgbClr val="000000"/>
                     </a:solidFill>
@@ -10827,7 +10827,7 @@
               </a:ln>
               <a:extLst>
                 <a:ext uri="{91240B29-F687-4f45-9708-019B960494DF}">
-                  <a14:hiddenLine xmlns="" xmlns:a14="http://schemas.microsoft.com/office/drawing/2010/main" w="9525">
+                  <a14:hiddenLine xmlns:a14="http://schemas.microsoft.com/office/drawing/2010/main" xmlns="" w="9525">
                     <a:solidFill>
                       <a:srgbClr val="000000"/>
                     </a:solidFill>
@@ -10892,7 +10892,7 @@
               </a:ln>
               <a:extLst>
                 <a:ext uri="{91240B29-F687-4f45-9708-019B960494DF}">
-                  <a14:hiddenLine xmlns="" xmlns:a14="http://schemas.microsoft.com/office/drawing/2010/main" w="9525">
+                  <a14:hiddenLine xmlns:a14="http://schemas.microsoft.com/office/drawing/2010/main" xmlns="" w="9525">
                     <a:solidFill>
                       <a:srgbClr val="000000"/>
                     </a:solidFill>
@@ -11012,7 +11012,7 @@
               </a:ln>
               <a:extLst>
                 <a:ext uri="{91240B29-F687-4f45-9708-019B960494DF}">
-                  <a14:hiddenLine xmlns="" xmlns:a14="http://schemas.microsoft.com/office/drawing/2010/main" w="9525">
+                  <a14:hiddenLine xmlns:a14="http://schemas.microsoft.com/office/drawing/2010/main" xmlns="" w="9525">
                     <a:solidFill>
                       <a:srgbClr val="000000"/>
                     </a:solidFill>
@@ -11093,7 +11093,7 @@
               </a:ln>
               <a:extLst>
                 <a:ext uri="{91240B29-F687-4f45-9708-019B960494DF}">
-                  <a14:hiddenLine xmlns="" xmlns:a14="http://schemas.microsoft.com/office/drawing/2010/main" w="9525">
+                  <a14:hiddenLine xmlns:a14="http://schemas.microsoft.com/office/drawing/2010/main" xmlns="" w="9525">
                     <a:solidFill>
                       <a:srgbClr val="000000"/>
                     </a:solidFill>
@@ -11208,7 +11208,7 @@
               </a:ln>
               <a:extLst>
                 <a:ext uri="{91240B29-F687-4f45-9708-019B960494DF}">
-                  <a14:hiddenLine xmlns="" xmlns:a14="http://schemas.microsoft.com/office/drawing/2010/main" w="9525">
+                  <a14:hiddenLine xmlns:a14="http://schemas.microsoft.com/office/drawing/2010/main" xmlns="" w="9525">
                     <a:solidFill>
                       <a:srgbClr val="000000"/>
                     </a:solidFill>
@@ -11298,7 +11298,7 @@
               </a:ln>
               <a:extLst>
                 <a:ext uri="{91240B29-F687-4f45-9708-019B960494DF}">
-                  <a14:hiddenLine xmlns="" xmlns:a14="http://schemas.microsoft.com/office/drawing/2010/main" w="9525">
+                  <a14:hiddenLine xmlns:a14="http://schemas.microsoft.com/office/drawing/2010/main" xmlns="" w="9525">
                     <a:solidFill>
                       <a:srgbClr val="000000"/>
                     </a:solidFill>
@@ -11363,7 +11363,7 @@
               </a:ln>
               <a:extLst>
                 <a:ext uri="{91240B29-F687-4f45-9708-019B960494DF}">
-                  <a14:hiddenLine xmlns="" xmlns:a14="http://schemas.microsoft.com/office/drawing/2010/main" w="9525">
+                  <a14:hiddenLine xmlns:a14="http://schemas.microsoft.com/office/drawing/2010/main" xmlns="" w="9525">
                     <a:solidFill>
                       <a:srgbClr val="000000"/>
                     </a:solidFill>
@@ -11453,7 +11453,7 @@
               </a:ln>
               <a:extLst>
                 <a:ext uri="{91240B29-F687-4f45-9708-019B960494DF}">
-                  <a14:hiddenLine xmlns="" xmlns:a14="http://schemas.microsoft.com/office/drawing/2010/main" w="9525">
+                  <a14:hiddenLine xmlns:a14="http://schemas.microsoft.com/office/drawing/2010/main" xmlns="" w="9525">
                     <a:solidFill>
                       <a:srgbClr val="000000"/>
                     </a:solidFill>
@@ -11521,7 +11521,7 @@
               </a:ln>
               <a:extLst>
                 <a:ext uri="{91240B29-F687-4f45-9708-019B960494DF}">
-                  <a14:hiddenLine xmlns="" xmlns:a14="http://schemas.microsoft.com/office/drawing/2010/main" w="9525">
+                  <a14:hiddenLine xmlns:a14="http://schemas.microsoft.com/office/drawing/2010/main" xmlns="" w="9525">
                     <a:solidFill>
                       <a:srgbClr val="000000"/>
                     </a:solidFill>
@@ -11611,7 +11611,7 @@
               </a:ln>
               <a:extLst>
                 <a:ext uri="{91240B29-F687-4f45-9708-019B960494DF}">
-                  <a14:hiddenLine xmlns="" xmlns:a14="http://schemas.microsoft.com/office/drawing/2010/main" w="9525">
+                  <a14:hiddenLine xmlns:a14="http://schemas.microsoft.com/office/drawing/2010/main" xmlns="" w="9525">
                     <a:solidFill>
                       <a:srgbClr val="000000"/>
                     </a:solidFill>
@@ -11679,7 +11679,7 @@
               </a:ln>
               <a:extLst>
                 <a:ext uri="{91240B29-F687-4f45-9708-019B960494DF}">
-                  <a14:hiddenLine xmlns="" xmlns:a14="http://schemas.microsoft.com/office/drawing/2010/main" w="9525">
+                  <a14:hiddenLine xmlns:a14="http://schemas.microsoft.com/office/drawing/2010/main" xmlns="" w="9525">
                     <a:solidFill>
                       <a:srgbClr val="000000"/>
                     </a:solidFill>
@@ -11769,7 +11769,7 @@
               </a:ln>
               <a:extLst>
                 <a:ext uri="{91240B29-F687-4f45-9708-019B960494DF}">
-                  <a14:hiddenLine xmlns="" xmlns:a14="http://schemas.microsoft.com/office/drawing/2010/main" w="9525">
+                  <a14:hiddenLine xmlns:a14="http://schemas.microsoft.com/office/drawing/2010/main" xmlns="" w="9525">
                     <a:solidFill>
                       <a:srgbClr val="000000"/>
                     </a:solidFill>
@@ -11803,7 +11803,7 @@
               </a:ln>
               <a:extLst>
                 <a:ext uri="{91240B29-F687-4f45-9708-019B960494DF}">
-                  <a14:hiddenLine xmlns="" xmlns:a14="http://schemas.microsoft.com/office/drawing/2010/main" w="9525">
+                  <a14:hiddenLine xmlns:a14="http://schemas.microsoft.com/office/drawing/2010/main" xmlns="" w="9525">
                     <a:solidFill>
                       <a:srgbClr val="000000"/>
                     </a:solidFill>
@@ -12734,7 +12734,7 @@
                 <a:effectLst/>
                 <a:latin typeface="-apple-system"/>
               </a:rPr>
-              <a:t>Total hours estimated: 10h 30m</a:t>
+              <a:t>Total hours estimated: 1d 2h 30m</a:t>
             </a:r>
           </a:p>
           <a:p>
@@ -12750,24 +12750,8 @@
                 <a:effectLst/>
                 <a:latin typeface="-apple-system"/>
               </a:rPr>
-              <a:t>Total hours spent: 8</a:t>
-            </a:r>
-            <a:r>
-              <a:rPr lang="en-US" dirty="0">
-                <a:solidFill>
-                  <a:srgbClr val="C9D1D9"/>
-                </a:solidFill>
-                <a:latin typeface="-apple-system"/>
-              </a:rPr>
-              <a:t>h</a:t>
-            </a:r>
-            <a:endParaRPr lang="en-US" b="0" i="0" dirty="0">
-              <a:solidFill>
-                <a:srgbClr val="C9D1D9"/>
-              </a:solidFill>
-              <a:effectLst/>
-              <a:latin typeface="-apple-system"/>
-            </a:endParaRPr>
+              <a:t>Total hours spent: 1d</a:t>
+            </a:r>
           </a:p>
           <a:p>
             <a:pPr algn="l">
@@ -12800,13 +12784,10 @@
           <a:p>
             <a:r>
               <a:rPr lang="en-US" b="0" i="0" dirty="0">
-                <a:solidFill>
-                  <a:srgbClr val="FF0000"/>
-                </a:solidFill>
                 <a:effectLst/>
                 <a:latin typeface="-apple-system"/>
               </a:rPr>
-              <a:t>Hours spent on remediation: 6h</a:t>
+              <a:t>Hours spent on remediation: 1d 2h 30m</a:t>
             </a:r>
           </a:p>
           <a:p>
@@ -12822,7 +12803,7 @@
                 <a:effectLst/>
                 <a:latin typeface="-apple-system"/>
               </a:rPr>
-              <a:t>debt ratio (as reported by SonarQube under "Measures-Maintainability"): 0.5%</a:t>
+              <a:t>debt ratio (as reported by SonarQube under "Measures-Maintainability"): 0.3%</a:t>
             </a:r>
             <a:endParaRPr lang="en-US" b="1" i="0" dirty="0">
               <a:solidFill>
@@ -13040,46 +13021,8 @@
                 <a:effectLst/>
                 <a:latin typeface="-apple-system"/>
               </a:rPr>
-              <a:t>FE development time was underestimated. We ended up reallocating time from the BE tasks to deliver a good UI for the tasks.</a:t>
-            </a:r>
-          </a:p>
-          <a:p>
-            <a:pPr marL="457200" indent="-457200" algn="l">
-              <a:buFont typeface="+mj-lt"/>
-              <a:buAutoNum type="arabicPeriod"/>
-            </a:pPr>
-            <a:r>
-              <a:rPr lang="en-US" sz="2000" b="0" i="0" dirty="0">
-                <a:solidFill>
-                  <a:srgbClr val="C9D1D9"/>
-                </a:solidFill>
-                <a:effectLst/>
-                <a:latin typeface="-apple-system"/>
-              </a:rPr>
-              <a:t>We lost some time in interpreting the meaning of some stories and estimate correctly the time to implement them.</a:t>
-            </a:r>
-          </a:p>
-          <a:p>
-            <a:pPr marL="457200" indent="-457200" algn="l">
-              <a:buFont typeface="+mj-lt"/>
-              <a:buAutoNum type="arabicPeriod"/>
-            </a:pPr>
-            <a:r>
-              <a:rPr lang="en-US" sz="2000" dirty="0">
-                <a:solidFill>
-                  <a:srgbClr val="C9D1D9"/>
-                </a:solidFill>
-                <a:latin typeface="-apple-system"/>
-              </a:rPr>
-              <a:t>We underestimated the time needed to update the database with the correct tables and columns to support the stories.</a:t>
-            </a:r>
-            <a:endParaRPr lang="en-US" sz="2000" b="0" i="0" dirty="0">
-              <a:solidFill>
-                <a:srgbClr val="C9D1D9"/>
-              </a:solidFill>
-              <a:effectLst/>
-              <a:latin typeface="-apple-system"/>
-            </a:endParaRPr>
+              <a:t>Reviewing globally the app and controlling that every story is correctly connected to the others</a:t>
+            </a:r>
           </a:p>
         </p:txBody>
       </p:sp>
@@ -13369,7 +13312,7 @@
                 <a:effectLst/>
                 <a:latin typeface="-apple-system"/>
               </a:rPr>
-              <a:t>We allocated more time for implementing tests.</a:t>
+              <a:t>We have cured more the design of our application and made all the pages responsive</a:t>
             </a:r>
           </a:p>
           <a:p>
@@ -13383,15 +13326,26 @@
                 </a:solidFill>
                 <a:latin typeface="-apple-system"/>
               </a:rPr>
-              <a:t>Remediation effort on new code decreased considerably since we had the chance to learn from SonarCloud how to write better code.</a:t>
-            </a:r>
-            <a:endParaRPr lang="en-US" sz="2000" b="0" i="0" dirty="0">
-              <a:solidFill>
-                <a:srgbClr val="C9D1D9"/>
-              </a:solidFill>
-              <a:effectLst/>
-              <a:latin typeface="-apple-system"/>
-            </a:endParaRPr>
+              <a:t>We have added to the read.me file </a:t>
+            </a:r>
+            <a:r>
+              <a:rPr lang="en-US" sz="2000" dirty="0" err="1">
+                <a:solidFill>
+                  <a:srgbClr val="C9D1D9"/>
+                </a:solidFill>
+                <a:latin typeface="-apple-system"/>
+              </a:rPr>
+              <a:t>api</a:t>
+            </a:r>
+            <a:r>
+              <a:rPr lang="en-US" sz="2000" dirty="0">
+                <a:solidFill>
+                  <a:srgbClr val="C9D1D9"/>
+                </a:solidFill>
+                <a:latin typeface="-apple-system"/>
+              </a:rPr>
+              <a:t> calls explanations </a:t>
+            </a:r>
           </a:p>
           <a:p>
             <a:pPr marL="457200" indent="-457200" algn="l">
@@ -13405,27 +13359,8 @@
                 <a:effectLst/>
                 <a:latin typeface="-apple-system"/>
               </a:rPr>
-              <a:t>We created an appropriate task for the Technical debt remediation and the result was much better in terms of remediation efforts needed on new code.</a:t>
-            </a:r>
-            <a:endParaRPr lang="en-US" b="0" i="0" dirty="0">
-              <a:solidFill>
-                <a:srgbClr val="C9D1D9"/>
-              </a:solidFill>
-              <a:effectLst/>
-              <a:latin typeface="-apple-system"/>
-            </a:endParaRPr>
-          </a:p>
-          <a:p>
-            <a:pPr marL="0" indent="0" algn="l">
-              <a:buNone/>
-            </a:pPr>
-            <a:endParaRPr lang="en-US" b="0" i="0" dirty="0">
-              <a:solidFill>
-                <a:srgbClr val="C9D1D9"/>
-              </a:solidFill>
-              <a:effectLst/>
-              <a:latin typeface="-apple-system"/>
-            </a:endParaRPr>
+              <a:t>We have fixed all the past and new issues and the stories left from previous sprint</a:t>
+            </a:r>
           </a:p>
         </p:txBody>
       </p:sp>
@@ -15252,7 +15187,7 @@
             </a:pPr>
             <a:r>
               <a:rPr lang="en-US" sz="2800" dirty="0"/>
-              <a:t>Standard deviation: ---------------------------</a:t>
+              <a:t>Standard deviation: 0.54</a:t>
             </a:r>
           </a:p>
           <a:p>

--- a/Retrospective/Sprint 3 - Retrospective.pptx
+++ b/Retrospective/Sprint 3 - Retrospective.pptx
@@ -185,7 +185,7 @@
           <a:noFill/>
           <a:extLst>
             <a:ext uri="{909E8E84-426E-40dd-AFC4-6F175D3DCCD1}">
-              <a14:hiddenFill xmlns:a14="http://schemas.microsoft.com/office/drawing/2010/main" xmlns="">
+              <a14:hiddenFill xmlns="" xmlns:a14="http://schemas.microsoft.com/office/drawing/2010/main">
                 <a:solidFill>
                   <a:srgbClr val="FFFFFF"/>
                 </a:solidFill>
@@ -244,7 +244,7 @@
             </a:ln>
             <a:extLst>
               <a:ext uri="{91240B29-F687-4f45-9708-019B960494DF}">
-                <a14:hiddenLine xmlns:a14="http://schemas.microsoft.com/office/drawing/2010/main" xmlns="" w="9525">
+                <a14:hiddenLine xmlns="" xmlns:a14="http://schemas.microsoft.com/office/drawing/2010/main" w="9525">
                   <a:solidFill>
                     <a:srgbClr val="000000"/>
                   </a:solidFill>
@@ -334,7 +334,7 @@
             </a:ln>
             <a:extLst>
               <a:ext uri="{91240B29-F687-4f45-9708-019B960494DF}">
-                <a14:hiddenLine xmlns:a14="http://schemas.microsoft.com/office/drawing/2010/main" xmlns="" w="9525">
+                <a14:hiddenLine xmlns="" xmlns:a14="http://schemas.microsoft.com/office/drawing/2010/main" w="9525">
                   <a:solidFill>
                     <a:srgbClr val="000000"/>
                   </a:solidFill>
@@ -424,7 +424,7 @@
             </a:ln>
             <a:extLst>
               <a:ext uri="{91240B29-F687-4f45-9708-019B960494DF}">
-                <a14:hiddenLine xmlns:a14="http://schemas.microsoft.com/office/drawing/2010/main" xmlns="" w="9525">
+                <a14:hiddenLine xmlns="" xmlns:a14="http://schemas.microsoft.com/office/drawing/2010/main" w="9525">
                   <a:solidFill>
                     <a:srgbClr val="000000"/>
                   </a:solidFill>
@@ -458,7 +458,7 @@
             </a:ln>
             <a:extLst>
               <a:ext uri="{91240B29-F687-4f45-9708-019B960494DF}">
-                <a14:hiddenLine xmlns:a14="http://schemas.microsoft.com/office/drawing/2010/main" xmlns="" w="9525">
+                <a14:hiddenLine xmlns="" xmlns:a14="http://schemas.microsoft.com/office/drawing/2010/main" w="9525">
                   <a:solidFill>
                     <a:srgbClr val="000000"/>
                   </a:solidFill>
@@ -548,7 +548,7 @@
             </a:ln>
             <a:extLst>
               <a:ext uri="{91240B29-F687-4f45-9708-019B960494DF}">
-                <a14:hiddenLine xmlns:a14="http://schemas.microsoft.com/office/drawing/2010/main" xmlns="" w="9525">
+                <a14:hiddenLine xmlns="" xmlns:a14="http://schemas.microsoft.com/office/drawing/2010/main" w="9525">
                   <a:solidFill>
                     <a:srgbClr val="000000"/>
                   </a:solidFill>
@@ -610,7 +610,7 @@
             </a:ln>
             <a:extLst>
               <a:ext uri="{91240B29-F687-4f45-9708-019B960494DF}">
-                <a14:hiddenLine xmlns:a14="http://schemas.microsoft.com/office/drawing/2010/main" xmlns="" w="9525">
+                <a14:hiddenLine xmlns="" xmlns:a14="http://schemas.microsoft.com/office/drawing/2010/main" w="9525">
                   <a:solidFill>
                     <a:srgbClr val="000000"/>
                   </a:solidFill>
@@ -672,7 +672,7 @@
             </a:ln>
             <a:extLst>
               <a:ext uri="{91240B29-F687-4f45-9708-019B960494DF}">
-                <a14:hiddenLine xmlns:a14="http://schemas.microsoft.com/office/drawing/2010/main" xmlns="" w="9525">
+                <a14:hiddenLine xmlns="" xmlns:a14="http://schemas.microsoft.com/office/drawing/2010/main" w="9525">
                   <a:solidFill>
                     <a:srgbClr val="000000"/>
                   </a:solidFill>
@@ -762,7 +762,7 @@
             </a:ln>
             <a:extLst>
               <a:ext uri="{91240B29-F687-4f45-9708-019B960494DF}">
-                <a14:hiddenLine xmlns:a14="http://schemas.microsoft.com/office/drawing/2010/main" xmlns="" w="9525">
+                <a14:hiddenLine xmlns="" xmlns:a14="http://schemas.microsoft.com/office/drawing/2010/main" w="9525">
                   <a:solidFill>
                     <a:srgbClr val="000000"/>
                   </a:solidFill>
@@ -824,7 +824,7 @@
             </a:ln>
             <a:extLst>
               <a:ext uri="{91240B29-F687-4f45-9708-019B960494DF}">
-                <a14:hiddenLine xmlns:a14="http://schemas.microsoft.com/office/drawing/2010/main" xmlns="" w="9525">
+                <a14:hiddenLine xmlns="" xmlns:a14="http://schemas.microsoft.com/office/drawing/2010/main" w="9525">
                   <a:solidFill>
                     <a:srgbClr val="000000"/>
                   </a:solidFill>
@@ -886,7 +886,7 @@
             </a:ln>
             <a:extLst>
               <a:ext uri="{91240B29-F687-4f45-9708-019B960494DF}">
-                <a14:hiddenLine xmlns:a14="http://schemas.microsoft.com/office/drawing/2010/main" xmlns="" w="9525">
+                <a14:hiddenLine xmlns="" xmlns:a14="http://schemas.microsoft.com/office/drawing/2010/main" w="9525">
                   <a:solidFill>
                     <a:srgbClr val="000000"/>
                   </a:solidFill>
@@ -976,7 +976,7 @@
             </a:ln>
             <a:extLst>
               <a:ext uri="{91240B29-F687-4f45-9708-019B960494DF}">
-                <a14:hiddenLine xmlns:a14="http://schemas.microsoft.com/office/drawing/2010/main" xmlns="" w="9525">
+                <a14:hiddenLine xmlns="" xmlns:a14="http://schemas.microsoft.com/office/drawing/2010/main" w="9525">
                   <a:solidFill>
                     <a:srgbClr val="000000"/>
                   </a:solidFill>
@@ -1066,7 +1066,7 @@
             </a:ln>
             <a:extLst>
               <a:ext uri="{91240B29-F687-4f45-9708-019B960494DF}">
-                <a14:hiddenLine xmlns:a14="http://schemas.microsoft.com/office/drawing/2010/main" xmlns="" w="9525">
+                <a14:hiddenLine xmlns="" xmlns:a14="http://schemas.microsoft.com/office/drawing/2010/main" w="9525">
                   <a:solidFill>
                     <a:srgbClr val="000000"/>
                   </a:solidFill>
@@ -1128,7 +1128,7 @@
             </a:ln>
             <a:extLst>
               <a:ext uri="{91240B29-F687-4f45-9708-019B960494DF}">
-                <a14:hiddenLine xmlns:a14="http://schemas.microsoft.com/office/drawing/2010/main" xmlns="" w="9525">
+                <a14:hiddenLine xmlns="" xmlns:a14="http://schemas.microsoft.com/office/drawing/2010/main" w="9525">
                   <a:solidFill>
                     <a:srgbClr val="000000"/>
                   </a:solidFill>
@@ -1238,7 +1238,7 @@
             </a:ln>
             <a:extLst>
               <a:ext uri="{91240B29-F687-4f45-9708-019B960494DF}">
-                <a14:hiddenLine xmlns:a14="http://schemas.microsoft.com/office/drawing/2010/main" xmlns="" w="9525">
+                <a14:hiddenLine xmlns="" xmlns:a14="http://schemas.microsoft.com/office/drawing/2010/main" w="9525">
                   <a:solidFill>
                     <a:srgbClr val="000000"/>
                   </a:solidFill>
@@ -1300,7 +1300,7 @@
             </a:ln>
             <a:extLst>
               <a:ext uri="{91240B29-F687-4f45-9708-019B960494DF}">
-                <a14:hiddenLine xmlns:a14="http://schemas.microsoft.com/office/drawing/2010/main" xmlns="" w="9525">
+                <a14:hiddenLine xmlns="" xmlns:a14="http://schemas.microsoft.com/office/drawing/2010/main" w="9525">
                   <a:solidFill>
                     <a:srgbClr val="000000"/>
                   </a:solidFill>
@@ -1390,7 +1390,7 @@
             </a:ln>
             <a:extLst>
               <a:ext uri="{91240B29-F687-4f45-9708-019B960494DF}">
-                <a14:hiddenLine xmlns:a14="http://schemas.microsoft.com/office/drawing/2010/main" xmlns="" w="9525">
+                <a14:hiddenLine xmlns="" xmlns:a14="http://schemas.microsoft.com/office/drawing/2010/main" w="9525">
                   <a:solidFill>
                     <a:srgbClr val="000000"/>
                   </a:solidFill>
@@ -1480,7 +1480,7 @@
             </a:ln>
             <a:extLst>
               <a:ext uri="{91240B29-F687-4f45-9708-019B960494DF}">
-                <a14:hiddenLine xmlns:a14="http://schemas.microsoft.com/office/drawing/2010/main" xmlns="" w="9525">
+                <a14:hiddenLine xmlns="" xmlns:a14="http://schemas.microsoft.com/office/drawing/2010/main" w="9525">
                   <a:solidFill>
                     <a:srgbClr val="000000"/>
                   </a:solidFill>
@@ -1542,7 +1542,7 @@
             </a:ln>
             <a:extLst>
               <a:ext uri="{91240B29-F687-4f45-9708-019B960494DF}">
-                <a14:hiddenLine xmlns:a14="http://schemas.microsoft.com/office/drawing/2010/main" xmlns="" w="9525">
+                <a14:hiddenLine xmlns="" xmlns:a14="http://schemas.microsoft.com/office/drawing/2010/main" w="9525">
                   <a:solidFill>
                     <a:srgbClr val="000000"/>
                   </a:solidFill>
@@ -1632,7 +1632,7 @@
             </a:ln>
             <a:extLst>
               <a:ext uri="{91240B29-F687-4f45-9708-019B960494DF}">
-                <a14:hiddenLine xmlns:a14="http://schemas.microsoft.com/office/drawing/2010/main" xmlns="" w="9525">
+                <a14:hiddenLine xmlns="" xmlns:a14="http://schemas.microsoft.com/office/drawing/2010/main" w="9525">
                   <a:solidFill>
                     <a:srgbClr val="000000"/>
                   </a:solidFill>
@@ -1722,7 +1722,7 @@
             </a:ln>
             <a:extLst>
               <a:ext uri="{91240B29-F687-4f45-9708-019B960494DF}">
-                <a14:hiddenLine xmlns:a14="http://schemas.microsoft.com/office/drawing/2010/main" xmlns="" w="9525">
+                <a14:hiddenLine xmlns="" xmlns:a14="http://schemas.microsoft.com/office/drawing/2010/main" w="9525">
                   <a:solidFill>
                     <a:srgbClr val="000000"/>
                   </a:solidFill>
@@ -1778,7 +1778,7 @@
             </a:ln>
             <a:extLst>
               <a:ext uri="{91240B29-F687-4f45-9708-019B960494DF}">
-                <a14:hiddenLine xmlns:a14="http://schemas.microsoft.com/office/drawing/2010/main" xmlns="" w="9525">
+                <a14:hiddenLine xmlns="" xmlns:a14="http://schemas.microsoft.com/office/drawing/2010/main" w="9525">
                   <a:solidFill>
                     <a:srgbClr val="000000"/>
                   </a:solidFill>
@@ -1868,7 +1868,7 @@
             </a:ln>
             <a:extLst>
               <a:ext uri="{91240B29-F687-4f45-9708-019B960494DF}">
-                <a14:hiddenLine xmlns:a14="http://schemas.microsoft.com/office/drawing/2010/main" xmlns="" w="9525">
+                <a14:hiddenLine xmlns="" xmlns:a14="http://schemas.microsoft.com/office/drawing/2010/main" w="9525">
                   <a:solidFill>
                     <a:srgbClr val="000000"/>
                   </a:solidFill>
@@ -1924,7 +1924,7 @@
             </a:ln>
             <a:extLst>
               <a:ext uri="{91240B29-F687-4f45-9708-019B960494DF}">
-                <a14:hiddenLine xmlns:a14="http://schemas.microsoft.com/office/drawing/2010/main" xmlns="" w="9525">
+                <a14:hiddenLine xmlns="" xmlns:a14="http://schemas.microsoft.com/office/drawing/2010/main" w="9525">
                   <a:solidFill>
                     <a:srgbClr val="000000"/>
                   </a:solidFill>
@@ -2014,7 +2014,7 @@
             </a:ln>
             <a:extLst>
               <a:ext uri="{91240B29-F687-4f45-9708-019B960494DF}">
-                <a14:hiddenLine xmlns:a14="http://schemas.microsoft.com/office/drawing/2010/main" xmlns="" w="9525">
+                <a14:hiddenLine xmlns="" xmlns:a14="http://schemas.microsoft.com/office/drawing/2010/main" w="9525">
                   <a:solidFill>
                     <a:srgbClr val="000000"/>
                   </a:solidFill>
@@ -2082,7 +2082,7 @@
             </a:ln>
             <a:extLst>
               <a:ext uri="{91240B29-F687-4f45-9708-019B960494DF}">
-                <a14:hiddenLine xmlns:a14="http://schemas.microsoft.com/office/drawing/2010/main" xmlns="" w="9525">
+                <a14:hiddenLine xmlns="" xmlns:a14="http://schemas.microsoft.com/office/drawing/2010/main" w="9525">
                   <a:solidFill>
                     <a:srgbClr val="000000"/>
                   </a:solidFill>
@@ -2172,7 +2172,7 @@
             </a:ln>
             <a:extLst>
               <a:ext uri="{91240B29-F687-4f45-9708-019B960494DF}">
-                <a14:hiddenLine xmlns:a14="http://schemas.microsoft.com/office/drawing/2010/main" xmlns="" w="9525">
+                <a14:hiddenLine xmlns="" xmlns:a14="http://schemas.microsoft.com/office/drawing/2010/main" w="9525">
                   <a:solidFill>
                     <a:srgbClr val="000000"/>
                   </a:solidFill>
@@ -2240,7 +2240,7 @@
             </a:ln>
             <a:extLst>
               <a:ext uri="{91240B29-F687-4f45-9708-019B960494DF}">
-                <a14:hiddenLine xmlns:a14="http://schemas.microsoft.com/office/drawing/2010/main" xmlns="" w="9525">
+                <a14:hiddenLine xmlns="" xmlns:a14="http://schemas.microsoft.com/office/drawing/2010/main" w="9525">
                   <a:solidFill>
                     <a:srgbClr val="000000"/>
                   </a:solidFill>
@@ -2330,7 +2330,7 @@
             </a:ln>
             <a:extLst>
               <a:ext uri="{91240B29-F687-4f45-9708-019B960494DF}">
-                <a14:hiddenLine xmlns:a14="http://schemas.microsoft.com/office/drawing/2010/main" xmlns="" w="9525">
+                <a14:hiddenLine xmlns="" xmlns:a14="http://schemas.microsoft.com/office/drawing/2010/main" w="9525">
                   <a:solidFill>
                     <a:srgbClr val="000000"/>
                   </a:solidFill>
@@ -2364,7 +2364,7 @@
             </a:ln>
             <a:extLst>
               <a:ext uri="{91240B29-F687-4f45-9708-019B960494DF}">
-                <a14:hiddenLine xmlns:a14="http://schemas.microsoft.com/office/drawing/2010/main" xmlns="" w="9525">
+                <a14:hiddenLine xmlns="" xmlns:a14="http://schemas.microsoft.com/office/drawing/2010/main" w="9525">
                   <a:solidFill>
                     <a:srgbClr val="000000"/>
                   </a:solidFill>
@@ -2454,7 +2454,7 @@
             </a:ln>
             <a:extLst>
               <a:ext uri="{91240B29-F687-4f45-9708-019B960494DF}">
-                <a14:hiddenLine xmlns:a14="http://schemas.microsoft.com/office/drawing/2010/main" xmlns="" w="9525">
+                <a14:hiddenLine xmlns="" xmlns:a14="http://schemas.microsoft.com/office/drawing/2010/main" w="9525">
                   <a:solidFill>
                     <a:srgbClr val="000000"/>
                   </a:solidFill>
@@ -2516,7 +2516,7 @@
             </a:ln>
             <a:extLst>
               <a:ext uri="{91240B29-F687-4f45-9708-019B960494DF}">
-                <a14:hiddenLine xmlns:a14="http://schemas.microsoft.com/office/drawing/2010/main" xmlns="" w="9525">
+                <a14:hiddenLine xmlns="" xmlns:a14="http://schemas.microsoft.com/office/drawing/2010/main" w="9525">
                   <a:solidFill>
                     <a:srgbClr val="000000"/>
                   </a:solidFill>
@@ -2578,7 +2578,7 @@
             </a:ln>
             <a:extLst>
               <a:ext uri="{91240B29-F687-4f45-9708-019B960494DF}">
-                <a14:hiddenLine xmlns:a14="http://schemas.microsoft.com/office/drawing/2010/main" xmlns="" w="9525">
+                <a14:hiddenLine xmlns="" xmlns:a14="http://schemas.microsoft.com/office/drawing/2010/main" w="9525">
                   <a:solidFill>
                     <a:srgbClr val="000000"/>
                   </a:solidFill>
@@ -2668,7 +2668,7 @@
             </a:ln>
             <a:extLst>
               <a:ext uri="{91240B29-F687-4f45-9708-019B960494DF}">
-                <a14:hiddenLine xmlns:a14="http://schemas.microsoft.com/office/drawing/2010/main" xmlns="" w="9525">
+                <a14:hiddenLine xmlns="" xmlns:a14="http://schemas.microsoft.com/office/drawing/2010/main" w="9525">
                   <a:solidFill>
                     <a:srgbClr val="000000"/>
                   </a:solidFill>
@@ -2736,7 +2736,7 @@
             </a:ln>
             <a:extLst>
               <a:ext uri="{91240B29-F687-4f45-9708-019B960494DF}">
-                <a14:hiddenLine xmlns:a14="http://schemas.microsoft.com/office/drawing/2010/main" xmlns="" w="9525">
+                <a14:hiddenLine xmlns="" xmlns:a14="http://schemas.microsoft.com/office/drawing/2010/main" w="9525">
                   <a:solidFill>
                     <a:srgbClr val="000000"/>
                   </a:solidFill>
@@ -2798,7 +2798,7 @@
             </a:ln>
             <a:extLst>
               <a:ext uri="{91240B29-F687-4f45-9708-019B960494DF}">
-                <a14:hiddenLine xmlns:a14="http://schemas.microsoft.com/office/drawing/2010/main" xmlns="" w="9525">
+                <a14:hiddenLine xmlns="" xmlns:a14="http://schemas.microsoft.com/office/drawing/2010/main" w="9525">
                   <a:solidFill>
                     <a:srgbClr val="000000"/>
                   </a:solidFill>
@@ -2888,7 +2888,7 @@
             </a:ln>
             <a:extLst>
               <a:ext uri="{91240B29-F687-4f45-9708-019B960494DF}">
-                <a14:hiddenLine xmlns:a14="http://schemas.microsoft.com/office/drawing/2010/main" xmlns="" w="9525">
+                <a14:hiddenLine xmlns="" xmlns:a14="http://schemas.microsoft.com/office/drawing/2010/main" w="9525">
                   <a:solidFill>
                     <a:srgbClr val="000000"/>
                   </a:solidFill>
@@ -2950,7 +2950,7 @@
             </a:ln>
             <a:extLst>
               <a:ext uri="{91240B29-F687-4f45-9708-019B960494DF}">
-                <a14:hiddenLine xmlns:a14="http://schemas.microsoft.com/office/drawing/2010/main" xmlns="" w="9525">
+                <a14:hiddenLine xmlns="" xmlns:a14="http://schemas.microsoft.com/office/drawing/2010/main" w="9525">
                   <a:solidFill>
                     <a:srgbClr val="000000"/>
                   </a:solidFill>
@@ -3040,7 +3040,7 @@
             </a:ln>
             <a:extLst>
               <a:ext uri="{91240B29-F687-4f45-9708-019B960494DF}">
-                <a14:hiddenLine xmlns:a14="http://schemas.microsoft.com/office/drawing/2010/main" xmlns="" w="9525">
+                <a14:hiddenLine xmlns="" xmlns:a14="http://schemas.microsoft.com/office/drawing/2010/main" w="9525">
                   <a:solidFill>
                     <a:srgbClr val="000000"/>
                   </a:solidFill>
@@ -3102,7 +3102,7 @@
             </a:ln>
             <a:extLst>
               <a:ext uri="{91240B29-F687-4f45-9708-019B960494DF}">
-                <a14:hiddenLine xmlns:a14="http://schemas.microsoft.com/office/drawing/2010/main" xmlns="" w="9525">
+                <a14:hiddenLine xmlns="" xmlns:a14="http://schemas.microsoft.com/office/drawing/2010/main" w="9525">
                   <a:solidFill>
                     <a:srgbClr val="000000"/>
                   </a:solidFill>
@@ -3192,7 +3192,7 @@
             </a:ln>
             <a:extLst>
               <a:ext uri="{91240B29-F687-4f45-9708-019B960494DF}">
-                <a14:hiddenLine xmlns:a14="http://schemas.microsoft.com/office/drawing/2010/main" xmlns="" w="9525">
+                <a14:hiddenLine xmlns="" xmlns:a14="http://schemas.microsoft.com/office/drawing/2010/main" w="9525">
                   <a:solidFill>
                     <a:srgbClr val="000000"/>
                   </a:solidFill>
@@ -3226,7 +3226,7 @@
             </a:ln>
             <a:extLst>
               <a:ext uri="{91240B29-F687-4f45-9708-019B960494DF}">
-                <a14:hiddenLine xmlns:a14="http://schemas.microsoft.com/office/drawing/2010/main" xmlns="" w="9525">
+                <a14:hiddenLine xmlns="" xmlns:a14="http://schemas.microsoft.com/office/drawing/2010/main" w="9525">
                   <a:solidFill>
                     <a:srgbClr val="000000"/>
                   </a:solidFill>
@@ -3291,7 +3291,7 @@
             </a:ln>
             <a:extLst>
               <a:ext uri="{91240B29-F687-4f45-9708-019B960494DF}">
-                <a14:hiddenLine xmlns:a14="http://schemas.microsoft.com/office/drawing/2010/main" xmlns="" w="9525">
+                <a14:hiddenLine xmlns="" xmlns:a14="http://schemas.microsoft.com/office/drawing/2010/main" w="9525">
                   <a:solidFill>
                     <a:srgbClr val="000000"/>
                   </a:solidFill>
@@ -3381,7 +3381,7 @@
             </a:ln>
             <a:extLst>
               <a:ext uri="{91240B29-F687-4f45-9708-019B960494DF}">
-                <a14:hiddenLine xmlns:a14="http://schemas.microsoft.com/office/drawing/2010/main" xmlns="" w="9525">
+                <a14:hiddenLine xmlns="" xmlns:a14="http://schemas.microsoft.com/office/drawing/2010/main" w="9525">
                   <a:solidFill>
                     <a:srgbClr val="000000"/>
                   </a:solidFill>
@@ -3443,7 +3443,7 @@
             </a:ln>
             <a:extLst>
               <a:ext uri="{91240B29-F687-4f45-9708-019B960494DF}">
-                <a14:hiddenLine xmlns:a14="http://schemas.microsoft.com/office/drawing/2010/main" xmlns="" w="9525">
+                <a14:hiddenLine xmlns="" xmlns:a14="http://schemas.microsoft.com/office/drawing/2010/main" w="9525">
                   <a:solidFill>
                     <a:srgbClr val="000000"/>
                   </a:solidFill>
@@ -3533,7 +3533,7 @@
             </a:ln>
             <a:extLst>
               <a:ext uri="{91240B29-F687-4f45-9708-019B960494DF}">
-                <a14:hiddenLine xmlns:a14="http://schemas.microsoft.com/office/drawing/2010/main" xmlns="" w="9525">
+                <a14:hiddenLine xmlns="" xmlns:a14="http://schemas.microsoft.com/office/drawing/2010/main" w="9525">
                   <a:solidFill>
                     <a:srgbClr val="000000"/>
                   </a:solidFill>
@@ -3623,7 +3623,7 @@
             </a:ln>
             <a:extLst>
               <a:ext uri="{91240B29-F687-4f45-9708-019B960494DF}">
-                <a14:hiddenLine xmlns:a14="http://schemas.microsoft.com/office/drawing/2010/main" xmlns="" w="9525">
+                <a14:hiddenLine xmlns="" xmlns:a14="http://schemas.microsoft.com/office/drawing/2010/main" w="9525">
                   <a:solidFill>
                     <a:srgbClr val="000000"/>
                   </a:solidFill>
@@ -3688,7 +3688,7 @@
             </a:ln>
             <a:extLst>
               <a:ext uri="{91240B29-F687-4f45-9708-019B960494DF}">
-                <a14:hiddenLine xmlns:a14="http://schemas.microsoft.com/office/drawing/2010/main" xmlns="" w="9525">
+                <a14:hiddenLine xmlns="" xmlns:a14="http://schemas.microsoft.com/office/drawing/2010/main" w="9525">
                   <a:solidFill>
                     <a:srgbClr val="000000"/>
                   </a:solidFill>
@@ -3750,7 +3750,7 @@
             </a:ln>
             <a:extLst>
               <a:ext uri="{91240B29-F687-4f45-9708-019B960494DF}">
-                <a14:hiddenLine xmlns:a14="http://schemas.microsoft.com/office/drawing/2010/main" xmlns="" w="9525">
+                <a14:hiddenLine xmlns="" xmlns:a14="http://schemas.microsoft.com/office/drawing/2010/main" w="9525">
                   <a:solidFill>
                     <a:srgbClr val="000000"/>
                   </a:solidFill>
@@ -3840,7 +3840,7 @@
             </a:ln>
             <a:extLst>
               <a:ext uri="{91240B29-F687-4f45-9708-019B960494DF}">
-                <a14:hiddenLine xmlns:a14="http://schemas.microsoft.com/office/drawing/2010/main" xmlns="" w="9525">
+                <a14:hiddenLine xmlns="" xmlns:a14="http://schemas.microsoft.com/office/drawing/2010/main" w="9525">
                   <a:solidFill>
                     <a:srgbClr val="000000"/>
                   </a:solidFill>
@@ -3930,7 +3930,7 @@
             </a:ln>
             <a:extLst>
               <a:ext uri="{91240B29-F687-4f45-9708-019B960494DF}">
-                <a14:hiddenLine xmlns:a14="http://schemas.microsoft.com/office/drawing/2010/main" xmlns="" w="9525">
+                <a14:hiddenLine xmlns="" xmlns:a14="http://schemas.microsoft.com/office/drawing/2010/main" w="9525">
                   <a:solidFill>
                     <a:srgbClr val="000000"/>
                   </a:solidFill>
@@ -3992,7 +3992,7 @@
             </a:ln>
             <a:extLst>
               <a:ext uri="{91240B29-F687-4f45-9708-019B960494DF}">
-                <a14:hiddenLine xmlns:a14="http://schemas.microsoft.com/office/drawing/2010/main" xmlns="" w="9525">
+                <a14:hiddenLine xmlns="" xmlns:a14="http://schemas.microsoft.com/office/drawing/2010/main" w="9525">
                   <a:solidFill>
                     <a:srgbClr val="000000"/>
                   </a:solidFill>
@@ -4112,7 +4112,7 @@
             </a:ln>
             <a:extLst>
               <a:ext uri="{91240B29-F687-4f45-9708-019B960494DF}">
-                <a14:hiddenLine xmlns:a14="http://schemas.microsoft.com/office/drawing/2010/main" xmlns="" w="9525">
+                <a14:hiddenLine xmlns="" xmlns:a14="http://schemas.microsoft.com/office/drawing/2010/main" w="9525">
                   <a:solidFill>
                     <a:srgbClr val="000000"/>
                   </a:solidFill>
@@ -4180,7 +4180,7 @@
             </a:ln>
             <a:extLst>
               <a:ext uri="{91240B29-F687-4f45-9708-019B960494DF}">
-                <a14:hiddenLine xmlns:a14="http://schemas.microsoft.com/office/drawing/2010/main" xmlns="" w="9525">
+                <a14:hiddenLine xmlns="" xmlns:a14="http://schemas.microsoft.com/office/drawing/2010/main" w="9525">
                   <a:solidFill>
                     <a:srgbClr val="000000"/>
                   </a:solidFill>
@@ -4270,7 +4270,7 @@
             </a:ln>
             <a:extLst>
               <a:ext uri="{91240B29-F687-4f45-9708-019B960494DF}">
-                <a14:hiddenLine xmlns:a14="http://schemas.microsoft.com/office/drawing/2010/main" xmlns="" w="9525">
+                <a14:hiddenLine xmlns="" xmlns:a14="http://schemas.microsoft.com/office/drawing/2010/main" w="9525">
                   <a:solidFill>
                     <a:srgbClr val="000000"/>
                   </a:solidFill>
@@ -8999,7 +8999,7 @@
           <a:noFill/>
           <a:extLst>
             <a:ext uri="{909E8E84-426E-40dd-AFC4-6F175D3DCCD1}">
-              <a14:hiddenFill xmlns:a14="http://schemas.microsoft.com/office/drawing/2010/main" xmlns="">
+              <a14:hiddenFill xmlns="" xmlns:a14="http://schemas.microsoft.com/office/drawing/2010/main">
                 <a:solidFill>
                   <a:srgbClr val="FFFFFF"/>
                 </a:solidFill>
@@ -9073,7 +9073,7 @@
               </a:ln>
               <a:extLst>
                 <a:ext uri="{91240B29-F687-4f45-9708-019B960494DF}">
-                  <a14:hiddenLine xmlns:a14="http://schemas.microsoft.com/office/drawing/2010/main" xmlns="" w="9525">
+                  <a14:hiddenLine xmlns="" xmlns:a14="http://schemas.microsoft.com/office/drawing/2010/main" w="9525">
                     <a:solidFill>
                       <a:srgbClr val="000000"/>
                     </a:solidFill>
@@ -9163,7 +9163,7 @@
               </a:ln>
               <a:extLst>
                 <a:ext uri="{91240B29-F687-4f45-9708-019B960494DF}">
-                  <a14:hiddenLine xmlns:a14="http://schemas.microsoft.com/office/drawing/2010/main" xmlns="" w="9525">
+                  <a14:hiddenLine xmlns="" xmlns:a14="http://schemas.microsoft.com/office/drawing/2010/main" w="9525">
                     <a:solidFill>
                       <a:srgbClr val="000000"/>
                     </a:solidFill>
@@ -9253,7 +9253,7 @@
               </a:ln>
               <a:extLst>
                 <a:ext uri="{91240B29-F687-4f45-9708-019B960494DF}">
-                  <a14:hiddenLine xmlns:a14="http://schemas.microsoft.com/office/drawing/2010/main" xmlns="" w="9525">
+                  <a14:hiddenLine xmlns="" xmlns:a14="http://schemas.microsoft.com/office/drawing/2010/main" w="9525">
                     <a:solidFill>
                       <a:srgbClr val="000000"/>
                     </a:solidFill>
@@ -9315,7 +9315,7 @@
               </a:ln>
               <a:extLst>
                 <a:ext uri="{91240B29-F687-4f45-9708-019B960494DF}">
-                  <a14:hiddenLine xmlns:a14="http://schemas.microsoft.com/office/drawing/2010/main" xmlns="" w="9525">
+                  <a14:hiddenLine xmlns="" xmlns:a14="http://schemas.microsoft.com/office/drawing/2010/main" w="9525">
                     <a:solidFill>
                       <a:srgbClr val="000000"/>
                     </a:solidFill>
@@ -9405,7 +9405,7 @@
               </a:ln>
               <a:extLst>
                 <a:ext uri="{91240B29-F687-4f45-9708-019B960494DF}">
-                  <a14:hiddenLine xmlns:a14="http://schemas.microsoft.com/office/drawing/2010/main" xmlns="" w="9525">
+                  <a14:hiddenLine xmlns="" xmlns:a14="http://schemas.microsoft.com/office/drawing/2010/main" w="9525">
                     <a:solidFill>
                       <a:srgbClr val="000000"/>
                     </a:solidFill>
@@ -9467,7 +9467,7 @@
               </a:ln>
               <a:extLst>
                 <a:ext uri="{91240B29-F687-4f45-9708-019B960494DF}">
-                  <a14:hiddenLine xmlns:a14="http://schemas.microsoft.com/office/drawing/2010/main" xmlns="" w="9525">
+                  <a14:hiddenLine xmlns="" xmlns:a14="http://schemas.microsoft.com/office/drawing/2010/main" w="9525">
                     <a:solidFill>
                       <a:srgbClr val="000000"/>
                     </a:solidFill>
@@ -9529,7 +9529,7 @@
               </a:ln>
               <a:extLst>
                 <a:ext uri="{91240B29-F687-4f45-9708-019B960494DF}">
-                  <a14:hiddenLine xmlns:a14="http://schemas.microsoft.com/office/drawing/2010/main" xmlns="" w="9525">
+                  <a14:hiddenLine xmlns="" xmlns:a14="http://schemas.microsoft.com/office/drawing/2010/main" w="9525">
                     <a:solidFill>
                       <a:srgbClr val="000000"/>
                     </a:solidFill>
@@ -9619,7 +9619,7 @@
               </a:ln>
               <a:extLst>
                 <a:ext uri="{91240B29-F687-4f45-9708-019B960494DF}">
-                  <a14:hiddenLine xmlns:a14="http://schemas.microsoft.com/office/drawing/2010/main" xmlns="" w="9525">
+                  <a14:hiddenLine xmlns="" xmlns:a14="http://schemas.microsoft.com/office/drawing/2010/main" w="9525">
                     <a:solidFill>
                       <a:srgbClr val="000000"/>
                     </a:solidFill>
@@ -9709,7 +9709,7 @@
               </a:ln>
               <a:extLst>
                 <a:ext uri="{91240B29-F687-4f45-9708-019B960494DF}">
-                  <a14:hiddenLine xmlns:a14="http://schemas.microsoft.com/office/drawing/2010/main" xmlns="" w="9525">
+                  <a14:hiddenLine xmlns="" xmlns:a14="http://schemas.microsoft.com/office/drawing/2010/main" w="9525">
                     <a:solidFill>
                       <a:srgbClr val="000000"/>
                     </a:solidFill>
@@ -9771,7 +9771,7 @@
               </a:ln>
               <a:extLst>
                 <a:ext uri="{91240B29-F687-4f45-9708-019B960494DF}">
-                  <a14:hiddenLine xmlns:a14="http://schemas.microsoft.com/office/drawing/2010/main" xmlns="" w="9525">
+                  <a14:hiddenLine xmlns="" xmlns:a14="http://schemas.microsoft.com/office/drawing/2010/main" w="9525">
                     <a:solidFill>
                       <a:srgbClr val="000000"/>
                     </a:solidFill>
@@ -9881,7 +9881,7 @@
               </a:ln>
               <a:extLst>
                 <a:ext uri="{91240B29-F687-4f45-9708-019B960494DF}">
-                  <a14:hiddenLine xmlns:a14="http://schemas.microsoft.com/office/drawing/2010/main" xmlns="" w="9525">
+                  <a14:hiddenLine xmlns="" xmlns:a14="http://schemas.microsoft.com/office/drawing/2010/main" w="9525">
                     <a:solidFill>
                       <a:srgbClr val="000000"/>
                     </a:solidFill>
@@ -9965,7 +9965,7 @@
               </a:ln>
               <a:extLst>
                 <a:ext uri="{91240B29-F687-4f45-9708-019B960494DF}">
-                  <a14:hiddenLine xmlns:a14="http://schemas.microsoft.com/office/drawing/2010/main" xmlns="" w="9525">
+                  <a14:hiddenLine xmlns="" xmlns:a14="http://schemas.microsoft.com/office/drawing/2010/main" w="9525">
                     <a:solidFill>
                       <a:srgbClr val="000000"/>
                     </a:solidFill>
@@ -10027,7 +10027,7 @@
               </a:ln>
               <a:extLst>
                 <a:ext uri="{91240B29-F687-4f45-9708-019B960494DF}">
-                  <a14:hiddenLine xmlns:a14="http://schemas.microsoft.com/office/drawing/2010/main" xmlns="" w="9525">
+                  <a14:hiddenLine xmlns="" xmlns:a14="http://schemas.microsoft.com/office/drawing/2010/main" w="9525">
                     <a:solidFill>
                       <a:srgbClr val="000000"/>
                     </a:solidFill>
@@ -10089,7 +10089,7 @@
               </a:ln>
               <a:extLst>
                 <a:ext uri="{91240B29-F687-4f45-9708-019B960494DF}">
-                  <a14:hiddenLine xmlns:a14="http://schemas.microsoft.com/office/drawing/2010/main" xmlns="" w="9525">
+                  <a14:hiddenLine xmlns="" xmlns:a14="http://schemas.microsoft.com/office/drawing/2010/main" w="9525">
                     <a:solidFill>
                       <a:srgbClr val="000000"/>
                     </a:solidFill>
@@ -10179,7 +10179,7 @@
               </a:ln>
               <a:extLst>
                 <a:ext uri="{91240B29-F687-4f45-9708-019B960494DF}">
-                  <a14:hiddenLine xmlns:a14="http://schemas.microsoft.com/office/drawing/2010/main" xmlns="" w="9525">
+                  <a14:hiddenLine xmlns="" xmlns:a14="http://schemas.microsoft.com/office/drawing/2010/main" w="9525">
                     <a:solidFill>
                       <a:srgbClr val="000000"/>
                     </a:solidFill>
@@ -10213,7 +10213,7 @@
               </a:ln>
               <a:extLst>
                 <a:ext uri="{91240B29-F687-4f45-9708-019B960494DF}">
-                  <a14:hiddenLine xmlns:a14="http://schemas.microsoft.com/office/drawing/2010/main" xmlns="" w="9525">
+                  <a14:hiddenLine xmlns="" xmlns:a14="http://schemas.microsoft.com/office/drawing/2010/main" w="9525">
                     <a:solidFill>
                       <a:srgbClr val="000000"/>
                     </a:solidFill>
@@ -10278,7 +10278,7 @@
               </a:ln>
               <a:extLst>
                 <a:ext uri="{91240B29-F687-4f45-9708-019B960494DF}">
-                  <a14:hiddenLine xmlns:a14="http://schemas.microsoft.com/office/drawing/2010/main" xmlns="" w="9525">
+                  <a14:hiddenLine xmlns="" xmlns:a14="http://schemas.microsoft.com/office/drawing/2010/main" w="9525">
                     <a:solidFill>
                       <a:srgbClr val="000000"/>
                     </a:solidFill>
@@ -10368,7 +10368,7 @@
               </a:ln>
               <a:extLst>
                 <a:ext uri="{91240B29-F687-4f45-9708-019B960494DF}">
-                  <a14:hiddenLine xmlns:a14="http://schemas.microsoft.com/office/drawing/2010/main" xmlns="" w="9525">
+                  <a14:hiddenLine xmlns="" xmlns:a14="http://schemas.microsoft.com/office/drawing/2010/main" w="9525">
                     <a:solidFill>
                       <a:srgbClr val="000000"/>
                     </a:solidFill>
@@ -10430,7 +10430,7 @@
               </a:ln>
               <a:extLst>
                 <a:ext uri="{91240B29-F687-4f45-9708-019B960494DF}">
-                  <a14:hiddenLine xmlns:a14="http://schemas.microsoft.com/office/drawing/2010/main" xmlns="" w="9525">
+                  <a14:hiddenLine xmlns="" xmlns:a14="http://schemas.microsoft.com/office/drawing/2010/main" w="9525">
                     <a:solidFill>
                       <a:srgbClr val="000000"/>
                     </a:solidFill>
@@ -10520,7 +10520,7 @@
               </a:ln>
               <a:extLst>
                 <a:ext uri="{91240B29-F687-4f45-9708-019B960494DF}">
-                  <a14:hiddenLine xmlns:a14="http://schemas.microsoft.com/office/drawing/2010/main" xmlns="" w="9525">
+                  <a14:hiddenLine xmlns="" xmlns:a14="http://schemas.microsoft.com/office/drawing/2010/main" w="9525">
                     <a:solidFill>
                       <a:srgbClr val="000000"/>
                     </a:solidFill>
@@ -10585,7 +10585,7 @@
               </a:ln>
               <a:extLst>
                 <a:ext uri="{91240B29-F687-4f45-9708-019B960494DF}">
-                  <a14:hiddenLine xmlns:a14="http://schemas.microsoft.com/office/drawing/2010/main" xmlns="" w="9525">
+                  <a14:hiddenLine xmlns="" xmlns:a14="http://schemas.microsoft.com/office/drawing/2010/main" w="9525">
                     <a:solidFill>
                       <a:srgbClr val="000000"/>
                     </a:solidFill>
@@ -10647,7 +10647,7 @@
               </a:ln>
               <a:extLst>
                 <a:ext uri="{91240B29-F687-4f45-9708-019B960494DF}">
-                  <a14:hiddenLine xmlns:a14="http://schemas.microsoft.com/office/drawing/2010/main" xmlns="" w="9525">
+                  <a14:hiddenLine xmlns="" xmlns:a14="http://schemas.microsoft.com/office/drawing/2010/main" w="9525">
                     <a:solidFill>
                       <a:srgbClr val="000000"/>
                     </a:solidFill>
@@ -10737,7 +10737,7 @@
               </a:ln>
               <a:extLst>
                 <a:ext uri="{91240B29-F687-4f45-9708-019B960494DF}">
-                  <a14:hiddenLine xmlns:a14="http://schemas.microsoft.com/office/drawing/2010/main" xmlns="" w="9525">
+                  <a14:hiddenLine xmlns="" xmlns:a14="http://schemas.microsoft.com/office/drawing/2010/main" w="9525">
                     <a:solidFill>
                       <a:srgbClr val="000000"/>
                     </a:solidFill>
@@ -10827,7 +10827,7 @@
               </a:ln>
               <a:extLst>
                 <a:ext uri="{91240B29-F687-4f45-9708-019B960494DF}">
-                  <a14:hiddenLine xmlns:a14="http://schemas.microsoft.com/office/drawing/2010/main" xmlns="" w="9525">
+                  <a14:hiddenLine xmlns="" xmlns:a14="http://schemas.microsoft.com/office/drawing/2010/main" w="9525">
                     <a:solidFill>
                       <a:srgbClr val="000000"/>
                     </a:solidFill>
@@ -10892,7 +10892,7 @@
               </a:ln>
               <a:extLst>
                 <a:ext uri="{91240B29-F687-4f45-9708-019B960494DF}">
-                  <a14:hiddenLine xmlns:a14="http://schemas.microsoft.com/office/drawing/2010/main" xmlns="" w="9525">
+                  <a14:hiddenLine xmlns="" xmlns:a14="http://schemas.microsoft.com/office/drawing/2010/main" w="9525">
                     <a:solidFill>
                       <a:srgbClr val="000000"/>
                     </a:solidFill>
@@ -11012,7 +11012,7 @@
               </a:ln>
               <a:extLst>
                 <a:ext uri="{91240B29-F687-4f45-9708-019B960494DF}">
-                  <a14:hiddenLine xmlns:a14="http://schemas.microsoft.com/office/drawing/2010/main" xmlns="" w="9525">
+                  <a14:hiddenLine xmlns="" xmlns:a14="http://schemas.microsoft.com/office/drawing/2010/main" w="9525">
                     <a:solidFill>
                       <a:srgbClr val="000000"/>
                     </a:solidFill>
@@ -11093,7 +11093,7 @@
               </a:ln>
               <a:extLst>
                 <a:ext uri="{91240B29-F687-4f45-9708-019B960494DF}">
-                  <a14:hiddenLine xmlns:a14="http://schemas.microsoft.com/office/drawing/2010/main" xmlns="" w="9525">
+                  <a14:hiddenLine xmlns="" xmlns:a14="http://schemas.microsoft.com/office/drawing/2010/main" w="9525">
                     <a:solidFill>
                       <a:srgbClr val="000000"/>
                     </a:solidFill>
@@ -11208,7 +11208,7 @@
               </a:ln>
               <a:extLst>
                 <a:ext uri="{91240B29-F687-4f45-9708-019B960494DF}">
-                  <a14:hiddenLine xmlns:a14="http://schemas.microsoft.com/office/drawing/2010/main" xmlns="" w="9525">
+                  <a14:hiddenLine xmlns="" xmlns:a14="http://schemas.microsoft.com/office/drawing/2010/main" w="9525">
                     <a:solidFill>
                       <a:srgbClr val="000000"/>
                     </a:solidFill>
@@ -11298,7 +11298,7 @@
               </a:ln>
               <a:extLst>
                 <a:ext uri="{91240B29-F687-4f45-9708-019B960494DF}">
-                  <a14:hiddenLine xmlns:a14="http://schemas.microsoft.com/office/drawing/2010/main" xmlns="" w="9525">
+                  <a14:hiddenLine xmlns="" xmlns:a14="http://schemas.microsoft.com/office/drawing/2010/main" w="9525">
                     <a:solidFill>
                       <a:srgbClr val="000000"/>
                     </a:solidFill>
@@ -11363,7 +11363,7 @@
               </a:ln>
               <a:extLst>
                 <a:ext uri="{91240B29-F687-4f45-9708-019B960494DF}">
-                  <a14:hiddenLine xmlns:a14="http://schemas.microsoft.com/office/drawing/2010/main" xmlns="" w="9525">
+                  <a14:hiddenLine xmlns="" xmlns:a14="http://schemas.microsoft.com/office/drawing/2010/main" w="9525">
                     <a:solidFill>
                       <a:srgbClr val="000000"/>
                     </a:solidFill>
@@ -11453,7 +11453,7 @@
               </a:ln>
               <a:extLst>
                 <a:ext uri="{91240B29-F687-4f45-9708-019B960494DF}">
-                  <a14:hiddenLine xmlns:a14="http://schemas.microsoft.com/office/drawing/2010/main" xmlns="" w="9525">
+                  <a14:hiddenLine xmlns="" xmlns:a14="http://schemas.microsoft.com/office/drawing/2010/main" w="9525">
                     <a:solidFill>
                       <a:srgbClr val="000000"/>
                     </a:solidFill>
@@ -11521,7 +11521,7 @@
               </a:ln>
               <a:extLst>
                 <a:ext uri="{91240B29-F687-4f45-9708-019B960494DF}">
-                  <a14:hiddenLine xmlns:a14="http://schemas.microsoft.com/office/drawing/2010/main" xmlns="" w="9525">
+                  <a14:hiddenLine xmlns="" xmlns:a14="http://schemas.microsoft.com/office/drawing/2010/main" w="9525">
                     <a:solidFill>
                       <a:srgbClr val="000000"/>
                     </a:solidFill>
@@ -11611,7 +11611,7 @@
               </a:ln>
               <a:extLst>
                 <a:ext uri="{91240B29-F687-4f45-9708-019B960494DF}">
-                  <a14:hiddenLine xmlns:a14="http://schemas.microsoft.com/office/drawing/2010/main" xmlns="" w="9525">
+                  <a14:hiddenLine xmlns="" xmlns:a14="http://schemas.microsoft.com/office/drawing/2010/main" w="9525">
                     <a:solidFill>
                       <a:srgbClr val="000000"/>
                     </a:solidFill>
@@ -11679,7 +11679,7 @@
               </a:ln>
               <a:extLst>
                 <a:ext uri="{91240B29-F687-4f45-9708-019B960494DF}">
-                  <a14:hiddenLine xmlns:a14="http://schemas.microsoft.com/office/drawing/2010/main" xmlns="" w="9525">
+                  <a14:hiddenLine xmlns="" xmlns:a14="http://schemas.microsoft.com/office/drawing/2010/main" w="9525">
                     <a:solidFill>
                       <a:srgbClr val="000000"/>
                     </a:solidFill>
@@ -11769,7 +11769,7 @@
               </a:ln>
               <a:extLst>
                 <a:ext uri="{91240B29-F687-4f45-9708-019B960494DF}">
-                  <a14:hiddenLine xmlns:a14="http://schemas.microsoft.com/office/drawing/2010/main" xmlns="" w="9525">
+                  <a14:hiddenLine xmlns="" xmlns:a14="http://schemas.microsoft.com/office/drawing/2010/main" w="9525">
                     <a:solidFill>
                       <a:srgbClr val="000000"/>
                     </a:solidFill>
@@ -11803,7 +11803,7 @@
               </a:ln>
               <a:extLst>
                 <a:ext uri="{91240B29-F687-4f45-9708-019B960494DF}">
-                  <a14:hiddenLine xmlns:a14="http://schemas.microsoft.com/office/drawing/2010/main" xmlns="" w="9525">
+                  <a14:hiddenLine xmlns="" xmlns:a14="http://schemas.microsoft.com/office/drawing/2010/main" w="9525">
                     <a:solidFill>
                       <a:srgbClr val="000000"/>
                     </a:solidFill>
@@ -15349,7 +15349,7 @@
                 <a:effectLst/>
                 <a:latin typeface="-apple-system"/>
               </a:rPr>
-              <a:t>Total hours estimated: 30h (30h for implementing tests)</a:t>
+              <a:t>Total hours estimated: 3d 6h (for implementing tests)</a:t>
             </a:r>
           </a:p>
           <a:p>
@@ -15361,7 +15361,7 @@
                 <a:effectLst/>
                 <a:latin typeface="-apple-system"/>
               </a:rPr>
-              <a:t>Total hours spent: 13h (13h of testing)</a:t>
+              <a:t>Total hours spent: 1d 5h (of testing)</a:t>
             </a:r>
           </a:p>
           <a:p>
@@ -15393,7 +15393,7 @@
                 <a:effectLst/>
                 <a:latin typeface="-apple-system"/>
               </a:rPr>
-              <a:t>30 for BE + 42 for FE</a:t>
+              <a:t>for BE +  for FE</a:t>
             </a:r>
             <a:r>
               <a:rPr lang="en-US" b="0" i="0" dirty="0">
@@ -15410,7 +15410,7 @@
                 <a:effectLst/>
                 <a:latin typeface="-apple-system"/>
               </a:rPr>
-              <a:t>72 unit test cases</a:t>
+              <a:t> unit test cases</a:t>
             </a:r>
           </a:p>
           <a:p>

--- a/Retrospective/Sprint 3 - Retrospective.pptx
+++ b/Retrospective/Sprint 3 - Retrospective.pptx
@@ -11,17 +11,18 @@
     <p:sldId id="259" r:id="rId5"/>
     <p:sldId id="260" r:id="rId6"/>
     <p:sldId id="274" r:id="rId7"/>
-    <p:sldId id="272" r:id="rId8"/>
-    <p:sldId id="263" r:id="rId9"/>
-    <p:sldId id="264" r:id="rId10"/>
-    <p:sldId id="273" r:id="rId11"/>
-    <p:sldId id="265" r:id="rId12"/>
-    <p:sldId id="266" r:id="rId13"/>
-    <p:sldId id="267" r:id="rId14"/>
-    <p:sldId id="268" r:id="rId15"/>
-    <p:sldId id="269" r:id="rId16"/>
-    <p:sldId id="270" r:id="rId17"/>
-    <p:sldId id="271" r:id="rId18"/>
+    <p:sldId id="275" r:id="rId8"/>
+    <p:sldId id="272" r:id="rId9"/>
+    <p:sldId id="263" r:id="rId10"/>
+    <p:sldId id="264" r:id="rId11"/>
+    <p:sldId id="273" r:id="rId12"/>
+    <p:sldId id="265" r:id="rId13"/>
+    <p:sldId id="266" r:id="rId14"/>
+    <p:sldId id="267" r:id="rId15"/>
+    <p:sldId id="268" r:id="rId16"/>
+    <p:sldId id="269" r:id="rId17"/>
+    <p:sldId id="270" r:id="rId18"/>
+    <p:sldId id="271" r:id="rId19"/>
   </p:sldIdLst>
   <p:sldSz cx="12192000" cy="6858000"/>
   <p:notesSz cx="6858000" cy="9144000"/>
@@ -185,7 +186,7 @@
           <a:noFill/>
           <a:extLst>
             <a:ext uri="{909E8E84-426E-40dd-AFC4-6F175D3DCCD1}">
-              <a14:hiddenFill xmlns="" xmlns:a14="http://schemas.microsoft.com/office/drawing/2010/main">
+              <a14:hiddenFill xmlns:a14="http://schemas.microsoft.com/office/drawing/2010/main" xmlns="">
                 <a:solidFill>
                   <a:srgbClr val="FFFFFF"/>
                 </a:solidFill>
@@ -244,7 +245,7 @@
             </a:ln>
             <a:extLst>
               <a:ext uri="{91240B29-F687-4f45-9708-019B960494DF}">
-                <a14:hiddenLine xmlns="" xmlns:a14="http://schemas.microsoft.com/office/drawing/2010/main" w="9525">
+                <a14:hiddenLine xmlns:a14="http://schemas.microsoft.com/office/drawing/2010/main" xmlns="" w="9525">
                   <a:solidFill>
                     <a:srgbClr val="000000"/>
                   </a:solidFill>
@@ -334,7 +335,7 @@
             </a:ln>
             <a:extLst>
               <a:ext uri="{91240B29-F687-4f45-9708-019B960494DF}">
-                <a14:hiddenLine xmlns="" xmlns:a14="http://schemas.microsoft.com/office/drawing/2010/main" w="9525">
+                <a14:hiddenLine xmlns:a14="http://schemas.microsoft.com/office/drawing/2010/main" xmlns="" w="9525">
                   <a:solidFill>
                     <a:srgbClr val="000000"/>
                   </a:solidFill>
@@ -424,7 +425,7 @@
             </a:ln>
             <a:extLst>
               <a:ext uri="{91240B29-F687-4f45-9708-019B960494DF}">
-                <a14:hiddenLine xmlns="" xmlns:a14="http://schemas.microsoft.com/office/drawing/2010/main" w="9525">
+                <a14:hiddenLine xmlns:a14="http://schemas.microsoft.com/office/drawing/2010/main" xmlns="" w="9525">
                   <a:solidFill>
                     <a:srgbClr val="000000"/>
                   </a:solidFill>
@@ -458,7 +459,7 @@
             </a:ln>
             <a:extLst>
               <a:ext uri="{91240B29-F687-4f45-9708-019B960494DF}">
-                <a14:hiddenLine xmlns="" xmlns:a14="http://schemas.microsoft.com/office/drawing/2010/main" w="9525">
+                <a14:hiddenLine xmlns:a14="http://schemas.microsoft.com/office/drawing/2010/main" xmlns="" w="9525">
                   <a:solidFill>
                     <a:srgbClr val="000000"/>
                   </a:solidFill>
@@ -548,7 +549,7 @@
             </a:ln>
             <a:extLst>
               <a:ext uri="{91240B29-F687-4f45-9708-019B960494DF}">
-                <a14:hiddenLine xmlns="" xmlns:a14="http://schemas.microsoft.com/office/drawing/2010/main" w="9525">
+                <a14:hiddenLine xmlns:a14="http://schemas.microsoft.com/office/drawing/2010/main" xmlns="" w="9525">
                   <a:solidFill>
                     <a:srgbClr val="000000"/>
                   </a:solidFill>
@@ -610,7 +611,7 @@
             </a:ln>
             <a:extLst>
               <a:ext uri="{91240B29-F687-4f45-9708-019B960494DF}">
-                <a14:hiddenLine xmlns="" xmlns:a14="http://schemas.microsoft.com/office/drawing/2010/main" w="9525">
+                <a14:hiddenLine xmlns:a14="http://schemas.microsoft.com/office/drawing/2010/main" xmlns="" w="9525">
                   <a:solidFill>
                     <a:srgbClr val="000000"/>
                   </a:solidFill>
@@ -672,7 +673,7 @@
             </a:ln>
             <a:extLst>
               <a:ext uri="{91240B29-F687-4f45-9708-019B960494DF}">
-                <a14:hiddenLine xmlns="" xmlns:a14="http://schemas.microsoft.com/office/drawing/2010/main" w="9525">
+                <a14:hiddenLine xmlns:a14="http://schemas.microsoft.com/office/drawing/2010/main" xmlns="" w="9525">
                   <a:solidFill>
                     <a:srgbClr val="000000"/>
                   </a:solidFill>
@@ -762,7 +763,7 @@
             </a:ln>
             <a:extLst>
               <a:ext uri="{91240B29-F687-4f45-9708-019B960494DF}">
-                <a14:hiddenLine xmlns="" xmlns:a14="http://schemas.microsoft.com/office/drawing/2010/main" w="9525">
+                <a14:hiddenLine xmlns:a14="http://schemas.microsoft.com/office/drawing/2010/main" xmlns="" w="9525">
                   <a:solidFill>
                     <a:srgbClr val="000000"/>
                   </a:solidFill>
@@ -824,7 +825,7 @@
             </a:ln>
             <a:extLst>
               <a:ext uri="{91240B29-F687-4f45-9708-019B960494DF}">
-                <a14:hiddenLine xmlns="" xmlns:a14="http://schemas.microsoft.com/office/drawing/2010/main" w="9525">
+                <a14:hiddenLine xmlns:a14="http://schemas.microsoft.com/office/drawing/2010/main" xmlns="" w="9525">
                   <a:solidFill>
                     <a:srgbClr val="000000"/>
                   </a:solidFill>
@@ -886,7 +887,7 @@
             </a:ln>
             <a:extLst>
               <a:ext uri="{91240B29-F687-4f45-9708-019B960494DF}">
-                <a14:hiddenLine xmlns="" xmlns:a14="http://schemas.microsoft.com/office/drawing/2010/main" w="9525">
+                <a14:hiddenLine xmlns:a14="http://schemas.microsoft.com/office/drawing/2010/main" xmlns="" w="9525">
                   <a:solidFill>
                     <a:srgbClr val="000000"/>
                   </a:solidFill>
@@ -976,7 +977,7 @@
             </a:ln>
             <a:extLst>
               <a:ext uri="{91240B29-F687-4f45-9708-019B960494DF}">
-                <a14:hiddenLine xmlns="" xmlns:a14="http://schemas.microsoft.com/office/drawing/2010/main" w="9525">
+                <a14:hiddenLine xmlns:a14="http://schemas.microsoft.com/office/drawing/2010/main" xmlns="" w="9525">
                   <a:solidFill>
                     <a:srgbClr val="000000"/>
                   </a:solidFill>
@@ -1066,7 +1067,7 @@
             </a:ln>
             <a:extLst>
               <a:ext uri="{91240B29-F687-4f45-9708-019B960494DF}">
-                <a14:hiddenLine xmlns="" xmlns:a14="http://schemas.microsoft.com/office/drawing/2010/main" w="9525">
+                <a14:hiddenLine xmlns:a14="http://schemas.microsoft.com/office/drawing/2010/main" xmlns="" w="9525">
                   <a:solidFill>
                     <a:srgbClr val="000000"/>
                   </a:solidFill>
@@ -1128,7 +1129,7 @@
             </a:ln>
             <a:extLst>
               <a:ext uri="{91240B29-F687-4f45-9708-019B960494DF}">
-                <a14:hiddenLine xmlns="" xmlns:a14="http://schemas.microsoft.com/office/drawing/2010/main" w="9525">
+                <a14:hiddenLine xmlns:a14="http://schemas.microsoft.com/office/drawing/2010/main" xmlns="" w="9525">
                   <a:solidFill>
                     <a:srgbClr val="000000"/>
                   </a:solidFill>
@@ -1238,7 +1239,7 @@
             </a:ln>
             <a:extLst>
               <a:ext uri="{91240B29-F687-4f45-9708-019B960494DF}">
-                <a14:hiddenLine xmlns="" xmlns:a14="http://schemas.microsoft.com/office/drawing/2010/main" w="9525">
+                <a14:hiddenLine xmlns:a14="http://schemas.microsoft.com/office/drawing/2010/main" xmlns="" w="9525">
                   <a:solidFill>
                     <a:srgbClr val="000000"/>
                   </a:solidFill>
@@ -1300,7 +1301,7 @@
             </a:ln>
             <a:extLst>
               <a:ext uri="{91240B29-F687-4f45-9708-019B960494DF}">
-                <a14:hiddenLine xmlns="" xmlns:a14="http://schemas.microsoft.com/office/drawing/2010/main" w="9525">
+                <a14:hiddenLine xmlns:a14="http://schemas.microsoft.com/office/drawing/2010/main" xmlns="" w="9525">
                   <a:solidFill>
                     <a:srgbClr val="000000"/>
                   </a:solidFill>
@@ -1390,7 +1391,7 @@
             </a:ln>
             <a:extLst>
               <a:ext uri="{91240B29-F687-4f45-9708-019B960494DF}">
-                <a14:hiddenLine xmlns="" xmlns:a14="http://schemas.microsoft.com/office/drawing/2010/main" w="9525">
+                <a14:hiddenLine xmlns:a14="http://schemas.microsoft.com/office/drawing/2010/main" xmlns="" w="9525">
                   <a:solidFill>
                     <a:srgbClr val="000000"/>
                   </a:solidFill>
@@ -1480,7 +1481,7 @@
             </a:ln>
             <a:extLst>
               <a:ext uri="{91240B29-F687-4f45-9708-019B960494DF}">
-                <a14:hiddenLine xmlns="" xmlns:a14="http://schemas.microsoft.com/office/drawing/2010/main" w="9525">
+                <a14:hiddenLine xmlns:a14="http://schemas.microsoft.com/office/drawing/2010/main" xmlns="" w="9525">
                   <a:solidFill>
                     <a:srgbClr val="000000"/>
                   </a:solidFill>
@@ -1542,7 +1543,7 @@
             </a:ln>
             <a:extLst>
               <a:ext uri="{91240B29-F687-4f45-9708-019B960494DF}">
-                <a14:hiddenLine xmlns="" xmlns:a14="http://schemas.microsoft.com/office/drawing/2010/main" w="9525">
+                <a14:hiddenLine xmlns:a14="http://schemas.microsoft.com/office/drawing/2010/main" xmlns="" w="9525">
                   <a:solidFill>
                     <a:srgbClr val="000000"/>
                   </a:solidFill>
@@ -1632,7 +1633,7 @@
             </a:ln>
             <a:extLst>
               <a:ext uri="{91240B29-F687-4f45-9708-019B960494DF}">
-                <a14:hiddenLine xmlns="" xmlns:a14="http://schemas.microsoft.com/office/drawing/2010/main" w="9525">
+                <a14:hiddenLine xmlns:a14="http://schemas.microsoft.com/office/drawing/2010/main" xmlns="" w="9525">
                   <a:solidFill>
                     <a:srgbClr val="000000"/>
                   </a:solidFill>
@@ -1722,7 +1723,7 @@
             </a:ln>
             <a:extLst>
               <a:ext uri="{91240B29-F687-4f45-9708-019B960494DF}">
-                <a14:hiddenLine xmlns="" xmlns:a14="http://schemas.microsoft.com/office/drawing/2010/main" w="9525">
+                <a14:hiddenLine xmlns:a14="http://schemas.microsoft.com/office/drawing/2010/main" xmlns="" w="9525">
                   <a:solidFill>
                     <a:srgbClr val="000000"/>
                   </a:solidFill>
@@ -1778,7 +1779,7 @@
             </a:ln>
             <a:extLst>
               <a:ext uri="{91240B29-F687-4f45-9708-019B960494DF}">
-                <a14:hiddenLine xmlns="" xmlns:a14="http://schemas.microsoft.com/office/drawing/2010/main" w="9525">
+                <a14:hiddenLine xmlns:a14="http://schemas.microsoft.com/office/drawing/2010/main" xmlns="" w="9525">
                   <a:solidFill>
                     <a:srgbClr val="000000"/>
                   </a:solidFill>
@@ -1868,7 +1869,7 @@
             </a:ln>
             <a:extLst>
               <a:ext uri="{91240B29-F687-4f45-9708-019B960494DF}">
-                <a14:hiddenLine xmlns="" xmlns:a14="http://schemas.microsoft.com/office/drawing/2010/main" w="9525">
+                <a14:hiddenLine xmlns:a14="http://schemas.microsoft.com/office/drawing/2010/main" xmlns="" w="9525">
                   <a:solidFill>
                     <a:srgbClr val="000000"/>
                   </a:solidFill>
@@ -1924,7 +1925,7 @@
             </a:ln>
             <a:extLst>
               <a:ext uri="{91240B29-F687-4f45-9708-019B960494DF}">
-                <a14:hiddenLine xmlns="" xmlns:a14="http://schemas.microsoft.com/office/drawing/2010/main" w="9525">
+                <a14:hiddenLine xmlns:a14="http://schemas.microsoft.com/office/drawing/2010/main" xmlns="" w="9525">
                   <a:solidFill>
                     <a:srgbClr val="000000"/>
                   </a:solidFill>
@@ -2014,7 +2015,7 @@
             </a:ln>
             <a:extLst>
               <a:ext uri="{91240B29-F687-4f45-9708-019B960494DF}">
-                <a14:hiddenLine xmlns="" xmlns:a14="http://schemas.microsoft.com/office/drawing/2010/main" w="9525">
+                <a14:hiddenLine xmlns:a14="http://schemas.microsoft.com/office/drawing/2010/main" xmlns="" w="9525">
                   <a:solidFill>
                     <a:srgbClr val="000000"/>
                   </a:solidFill>
@@ -2082,7 +2083,7 @@
             </a:ln>
             <a:extLst>
               <a:ext uri="{91240B29-F687-4f45-9708-019B960494DF}">
-                <a14:hiddenLine xmlns="" xmlns:a14="http://schemas.microsoft.com/office/drawing/2010/main" w="9525">
+                <a14:hiddenLine xmlns:a14="http://schemas.microsoft.com/office/drawing/2010/main" xmlns="" w="9525">
                   <a:solidFill>
                     <a:srgbClr val="000000"/>
                   </a:solidFill>
@@ -2172,7 +2173,7 @@
             </a:ln>
             <a:extLst>
               <a:ext uri="{91240B29-F687-4f45-9708-019B960494DF}">
-                <a14:hiddenLine xmlns="" xmlns:a14="http://schemas.microsoft.com/office/drawing/2010/main" w="9525">
+                <a14:hiddenLine xmlns:a14="http://schemas.microsoft.com/office/drawing/2010/main" xmlns="" w="9525">
                   <a:solidFill>
                     <a:srgbClr val="000000"/>
                   </a:solidFill>
@@ -2240,7 +2241,7 @@
             </a:ln>
             <a:extLst>
               <a:ext uri="{91240B29-F687-4f45-9708-019B960494DF}">
-                <a14:hiddenLine xmlns="" xmlns:a14="http://schemas.microsoft.com/office/drawing/2010/main" w="9525">
+                <a14:hiddenLine xmlns:a14="http://schemas.microsoft.com/office/drawing/2010/main" xmlns="" w="9525">
                   <a:solidFill>
                     <a:srgbClr val="000000"/>
                   </a:solidFill>
@@ -2330,7 +2331,7 @@
             </a:ln>
             <a:extLst>
               <a:ext uri="{91240B29-F687-4f45-9708-019B960494DF}">
-                <a14:hiddenLine xmlns="" xmlns:a14="http://schemas.microsoft.com/office/drawing/2010/main" w="9525">
+                <a14:hiddenLine xmlns:a14="http://schemas.microsoft.com/office/drawing/2010/main" xmlns="" w="9525">
                   <a:solidFill>
                     <a:srgbClr val="000000"/>
                   </a:solidFill>
@@ -2364,7 +2365,7 @@
             </a:ln>
             <a:extLst>
               <a:ext uri="{91240B29-F687-4f45-9708-019B960494DF}">
-                <a14:hiddenLine xmlns="" xmlns:a14="http://schemas.microsoft.com/office/drawing/2010/main" w="9525">
+                <a14:hiddenLine xmlns:a14="http://schemas.microsoft.com/office/drawing/2010/main" xmlns="" w="9525">
                   <a:solidFill>
                     <a:srgbClr val="000000"/>
                   </a:solidFill>
@@ -2454,7 +2455,7 @@
             </a:ln>
             <a:extLst>
               <a:ext uri="{91240B29-F687-4f45-9708-019B960494DF}">
-                <a14:hiddenLine xmlns="" xmlns:a14="http://schemas.microsoft.com/office/drawing/2010/main" w="9525">
+                <a14:hiddenLine xmlns:a14="http://schemas.microsoft.com/office/drawing/2010/main" xmlns="" w="9525">
                   <a:solidFill>
                     <a:srgbClr val="000000"/>
                   </a:solidFill>
@@ -2516,7 +2517,7 @@
             </a:ln>
             <a:extLst>
               <a:ext uri="{91240B29-F687-4f45-9708-019B960494DF}">
-                <a14:hiddenLine xmlns="" xmlns:a14="http://schemas.microsoft.com/office/drawing/2010/main" w="9525">
+                <a14:hiddenLine xmlns:a14="http://schemas.microsoft.com/office/drawing/2010/main" xmlns="" w="9525">
                   <a:solidFill>
                     <a:srgbClr val="000000"/>
                   </a:solidFill>
@@ -2578,7 +2579,7 @@
             </a:ln>
             <a:extLst>
               <a:ext uri="{91240B29-F687-4f45-9708-019B960494DF}">
-                <a14:hiddenLine xmlns="" xmlns:a14="http://schemas.microsoft.com/office/drawing/2010/main" w="9525">
+                <a14:hiddenLine xmlns:a14="http://schemas.microsoft.com/office/drawing/2010/main" xmlns="" w="9525">
                   <a:solidFill>
                     <a:srgbClr val="000000"/>
                   </a:solidFill>
@@ -2668,7 +2669,7 @@
             </a:ln>
             <a:extLst>
               <a:ext uri="{91240B29-F687-4f45-9708-019B960494DF}">
-                <a14:hiddenLine xmlns="" xmlns:a14="http://schemas.microsoft.com/office/drawing/2010/main" w="9525">
+                <a14:hiddenLine xmlns:a14="http://schemas.microsoft.com/office/drawing/2010/main" xmlns="" w="9525">
                   <a:solidFill>
                     <a:srgbClr val="000000"/>
                   </a:solidFill>
@@ -2736,7 +2737,7 @@
             </a:ln>
             <a:extLst>
               <a:ext uri="{91240B29-F687-4f45-9708-019B960494DF}">
-                <a14:hiddenLine xmlns="" xmlns:a14="http://schemas.microsoft.com/office/drawing/2010/main" w="9525">
+                <a14:hiddenLine xmlns:a14="http://schemas.microsoft.com/office/drawing/2010/main" xmlns="" w="9525">
                   <a:solidFill>
                     <a:srgbClr val="000000"/>
                   </a:solidFill>
@@ -2798,7 +2799,7 @@
             </a:ln>
             <a:extLst>
               <a:ext uri="{91240B29-F687-4f45-9708-019B960494DF}">
-                <a14:hiddenLine xmlns="" xmlns:a14="http://schemas.microsoft.com/office/drawing/2010/main" w="9525">
+                <a14:hiddenLine xmlns:a14="http://schemas.microsoft.com/office/drawing/2010/main" xmlns="" w="9525">
                   <a:solidFill>
                     <a:srgbClr val="000000"/>
                   </a:solidFill>
@@ -2888,7 +2889,7 @@
             </a:ln>
             <a:extLst>
               <a:ext uri="{91240B29-F687-4f45-9708-019B960494DF}">
-                <a14:hiddenLine xmlns="" xmlns:a14="http://schemas.microsoft.com/office/drawing/2010/main" w="9525">
+                <a14:hiddenLine xmlns:a14="http://schemas.microsoft.com/office/drawing/2010/main" xmlns="" w="9525">
                   <a:solidFill>
                     <a:srgbClr val="000000"/>
                   </a:solidFill>
@@ -2950,7 +2951,7 @@
             </a:ln>
             <a:extLst>
               <a:ext uri="{91240B29-F687-4f45-9708-019B960494DF}">
-                <a14:hiddenLine xmlns="" xmlns:a14="http://schemas.microsoft.com/office/drawing/2010/main" w="9525">
+                <a14:hiddenLine xmlns:a14="http://schemas.microsoft.com/office/drawing/2010/main" xmlns="" w="9525">
                   <a:solidFill>
                     <a:srgbClr val="000000"/>
                   </a:solidFill>
@@ -3040,7 +3041,7 @@
             </a:ln>
             <a:extLst>
               <a:ext uri="{91240B29-F687-4f45-9708-019B960494DF}">
-                <a14:hiddenLine xmlns="" xmlns:a14="http://schemas.microsoft.com/office/drawing/2010/main" w="9525">
+                <a14:hiddenLine xmlns:a14="http://schemas.microsoft.com/office/drawing/2010/main" xmlns="" w="9525">
                   <a:solidFill>
                     <a:srgbClr val="000000"/>
                   </a:solidFill>
@@ -3102,7 +3103,7 @@
             </a:ln>
             <a:extLst>
               <a:ext uri="{91240B29-F687-4f45-9708-019B960494DF}">
-                <a14:hiddenLine xmlns="" xmlns:a14="http://schemas.microsoft.com/office/drawing/2010/main" w="9525">
+                <a14:hiddenLine xmlns:a14="http://schemas.microsoft.com/office/drawing/2010/main" xmlns="" w="9525">
                   <a:solidFill>
                     <a:srgbClr val="000000"/>
                   </a:solidFill>
@@ -3192,7 +3193,7 @@
             </a:ln>
             <a:extLst>
               <a:ext uri="{91240B29-F687-4f45-9708-019B960494DF}">
-                <a14:hiddenLine xmlns="" xmlns:a14="http://schemas.microsoft.com/office/drawing/2010/main" w="9525">
+                <a14:hiddenLine xmlns:a14="http://schemas.microsoft.com/office/drawing/2010/main" xmlns="" w="9525">
                   <a:solidFill>
                     <a:srgbClr val="000000"/>
                   </a:solidFill>
@@ -3226,7 +3227,7 @@
             </a:ln>
             <a:extLst>
               <a:ext uri="{91240B29-F687-4f45-9708-019B960494DF}">
-                <a14:hiddenLine xmlns="" xmlns:a14="http://schemas.microsoft.com/office/drawing/2010/main" w="9525">
+                <a14:hiddenLine xmlns:a14="http://schemas.microsoft.com/office/drawing/2010/main" xmlns="" w="9525">
                   <a:solidFill>
                     <a:srgbClr val="000000"/>
                   </a:solidFill>
@@ -3291,7 +3292,7 @@
             </a:ln>
             <a:extLst>
               <a:ext uri="{91240B29-F687-4f45-9708-019B960494DF}">
-                <a14:hiddenLine xmlns="" xmlns:a14="http://schemas.microsoft.com/office/drawing/2010/main" w="9525">
+                <a14:hiddenLine xmlns:a14="http://schemas.microsoft.com/office/drawing/2010/main" xmlns="" w="9525">
                   <a:solidFill>
                     <a:srgbClr val="000000"/>
                   </a:solidFill>
@@ -3381,7 +3382,7 @@
             </a:ln>
             <a:extLst>
               <a:ext uri="{91240B29-F687-4f45-9708-019B960494DF}">
-                <a14:hiddenLine xmlns="" xmlns:a14="http://schemas.microsoft.com/office/drawing/2010/main" w="9525">
+                <a14:hiddenLine xmlns:a14="http://schemas.microsoft.com/office/drawing/2010/main" xmlns="" w="9525">
                   <a:solidFill>
                     <a:srgbClr val="000000"/>
                   </a:solidFill>
@@ -3443,7 +3444,7 @@
             </a:ln>
             <a:extLst>
               <a:ext uri="{91240B29-F687-4f45-9708-019B960494DF}">
-                <a14:hiddenLine xmlns="" xmlns:a14="http://schemas.microsoft.com/office/drawing/2010/main" w="9525">
+                <a14:hiddenLine xmlns:a14="http://schemas.microsoft.com/office/drawing/2010/main" xmlns="" w="9525">
                   <a:solidFill>
                     <a:srgbClr val="000000"/>
                   </a:solidFill>
@@ -3533,7 +3534,7 @@
             </a:ln>
             <a:extLst>
               <a:ext uri="{91240B29-F687-4f45-9708-019B960494DF}">
-                <a14:hiddenLine xmlns="" xmlns:a14="http://schemas.microsoft.com/office/drawing/2010/main" w="9525">
+                <a14:hiddenLine xmlns:a14="http://schemas.microsoft.com/office/drawing/2010/main" xmlns="" w="9525">
                   <a:solidFill>
                     <a:srgbClr val="000000"/>
                   </a:solidFill>
@@ -3623,7 +3624,7 @@
             </a:ln>
             <a:extLst>
               <a:ext uri="{91240B29-F687-4f45-9708-019B960494DF}">
-                <a14:hiddenLine xmlns="" xmlns:a14="http://schemas.microsoft.com/office/drawing/2010/main" w="9525">
+                <a14:hiddenLine xmlns:a14="http://schemas.microsoft.com/office/drawing/2010/main" xmlns="" w="9525">
                   <a:solidFill>
                     <a:srgbClr val="000000"/>
                   </a:solidFill>
@@ -3688,7 +3689,7 @@
             </a:ln>
             <a:extLst>
               <a:ext uri="{91240B29-F687-4f45-9708-019B960494DF}">
-                <a14:hiddenLine xmlns="" xmlns:a14="http://schemas.microsoft.com/office/drawing/2010/main" w="9525">
+                <a14:hiddenLine xmlns:a14="http://schemas.microsoft.com/office/drawing/2010/main" xmlns="" w="9525">
                   <a:solidFill>
                     <a:srgbClr val="000000"/>
                   </a:solidFill>
@@ -3750,7 +3751,7 @@
             </a:ln>
             <a:extLst>
               <a:ext uri="{91240B29-F687-4f45-9708-019B960494DF}">
-                <a14:hiddenLine xmlns="" xmlns:a14="http://schemas.microsoft.com/office/drawing/2010/main" w="9525">
+                <a14:hiddenLine xmlns:a14="http://schemas.microsoft.com/office/drawing/2010/main" xmlns="" w="9525">
                   <a:solidFill>
                     <a:srgbClr val="000000"/>
                   </a:solidFill>
@@ -3840,7 +3841,7 @@
             </a:ln>
             <a:extLst>
               <a:ext uri="{91240B29-F687-4f45-9708-019B960494DF}">
-                <a14:hiddenLine xmlns="" xmlns:a14="http://schemas.microsoft.com/office/drawing/2010/main" w="9525">
+                <a14:hiddenLine xmlns:a14="http://schemas.microsoft.com/office/drawing/2010/main" xmlns="" w="9525">
                   <a:solidFill>
                     <a:srgbClr val="000000"/>
                   </a:solidFill>
@@ -3930,7 +3931,7 @@
             </a:ln>
             <a:extLst>
               <a:ext uri="{91240B29-F687-4f45-9708-019B960494DF}">
-                <a14:hiddenLine xmlns="" xmlns:a14="http://schemas.microsoft.com/office/drawing/2010/main" w="9525">
+                <a14:hiddenLine xmlns:a14="http://schemas.microsoft.com/office/drawing/2010/main" xmlns="" w="9525">
                   <a:solidFill>
                     <a:srgbClr val="000000"/>
                   </a:solidFill>
@@ -3992,7 +3993,7 @@
             </a:ln>
             <a:extLst>
               <a:ext uri="{91240B29-F687-4f45-9708-019B960494DF}">
-                <a14:hiddenLine xmlns="" xmlns:a14="http://schemas.microsoft.com/office/drawing/2010/main" w="9525">
+                <a14:hiddenLine xmlns:a14="http://schemas.microsoft.com/office/drawing/2010/main" xmlns="" w="9525">
                   <a:solidFill>
                     <a:srgbClr val="000000"/>
                   </a:solidFill>
@@ -4112,7 +4113,7 @@
             </a:ln>
             <a:extLst>
               <a:ext uri="{91240B29-F687-4f45-9708-019B960494DF}">
-                <a14:hiddenLine xmlns="" xmlns:a14="http://schemas.microsoft.com/office/drawing/2010/main" w="9525">
+                <a14:hiddenLine xmlns:a14="http://schemas.microsoft.com/office/drawing/2010/main" xmlns="" w="9525">
                   <a:solidFill>
                     <a:srgbClr val="000000"/>
                   </a:solidFill>
@@ -4180,7 +4181,7 @@
             </a:ln>
             <a:extLst>
               <a:ext uri="{91240B29-F687-4f45-9708-019B960494DF}">
-                <a14:hiddenLine xmlns="" xmlns:a14="http://schemas.microsoft.com/office/drawing/2010/main" w="9525">
+                <a14:hiddenLine xmlns:a14="http://schemas.microsoft.com/office/drawing/2010/main" xmlns="" w="9525">
                   <a:solidFill>
                     <a:srgbClr val="000000"/>
                   </a:solidFill>
@@ -4270,7 +4271,7 @@
             </a:ln>
             <a:extLst>
               <a:ext uri="{91240B29-F687-4f45-9708-019B960494DF}">
-                <a14:hiddenLine xmlns="" xmlns:a14="http://schemas.microsoft.com/office/drawing/2010/main" w="9525">
+                <a14:hiddenLine xmlns:a14="http://schemas.microsoft.com/office/drawing/2010/main" xmlns="" w="9525">
                   <a:solidFill>
                     <a:srgbClr val="000000"/>
                   </a:solidFill>
@@ -4462,7 +4463,7 @@
           <a:p>
             <a:fld id="{6D22F896-40B5-4ADD-8801-0D06FADFA095}" type="slidenum">
               <a:rPr lang="en-US" dirty="0"/>
-              <a:t>‹N›</a:t>
+              <a:t>‹#›</a:t>
             </a:fld>
             <a:endParaRPr lang="en-US" dirty="0"/>
           </a:p>
@@ -4714,7 +4715,7 @@
           <a:p>
             <a:fld id="{6D22F896-40B5-4ADD-8801-0D06FADFA095}" type="slidenum">
               <a:rPr lang="en-US" dirty="0"/>
-              <a:t>‹N›</a:t>
+              <a:t>‹#›</a:t>
             </a:fld>
             <a:endParaRPr lang="en-US" dirty="0"/>
           </a:p>
@@ -4905,7 +4906,7 @@
           <a:p>
             <a:fld id="{6D22F896-40B5-4ADD-8801-0D06FADFA095}" type="slidenum">
               <a:rPr lang="en-US" dirty="0"/>
-              <a:t>‹N›</a:t>
+              <a:t>‹#›</a:t>
             </a:fld>
             <a:endParaRPr lang="en-US" dirty="0"/>
           </a:p>
@@ -5163,7 +5164,7 @@
           <a:p>
             <a:fld id="{6D22F896-40B5-4ADD-8801-0D06FADFA095}" type="slidenum">
               <a:rPr lang="en-US" dirty="0"/>
-              <a:t>‹N›</a:t>
+              <a:t>‹#›</a:t>
             </a:fld>
             <a:endParaRPr lang="en-US" dirty="0"/>
           </a:p>
@@ -5592,7 +5593,7 @@
           <a:p>
             <a:fld id="{6D22F896-40B5-4ADD-8801-0D06FADFA095}" type="slidenum">
               <a:rPr lang="en-US" dirty="0"/>
-              <a:t>‹N›</a:t>
+              <a:t>‹#›</a:t>
             </a:fld>
             <a:endParaRPr lang="en-US" dirty="0"/>
           </a:p>
@@ -6133,7 +6134,7 @@
           <a:p>
             <a:fld id="{6D22F896-40B5-4ADD-8801-0D06FADFA095}" type="slidenum">
               <a:rPr lang="en-US" dirty="0"/>
-              <a:t>‹N›</a:t>
+              <a:t>‹#›</a:t>
             </a:fld>
             <a:endParaRPr lang="en-US" dirty="0"/>
           </a:p>
@@ -6848,7 +6849,7 @@
           <a:p>
             <a:fld id="{6D22F896-40B5-4ADD-8801-0D06FADFA095}" type="slidenum">
               <a:rPr lang="en-US" dirty="0"/>
-              <a:t>‹N›</a:t>
+              <a:t>‹#›</a:t>
             </a:fld>
             <a:endParaRPr lang="en-US" dirty="0"/>
           </a:p>
@@ -7013,7 +7014,7 @@
           <a:p>
             <a:fld id="{6D22F896-40B5-4ADD-8801-0D06FADFA095}" type="slidenum">
               <a:rPr lang="en-US" dirty="0"/>
-              <a:t>‹N›</a:t>
+              <a:t>‹#›</a:t>
             </a:fld>
             <a:endParaRPr lang="en-US" dirty="0"/>
           </a:p>
@@ -7188,7 +7189,7 @@
           <a:p>
             <a:fld id="{6D22F896-40B5-4ADD-8801-0D06FADFA095}" type="slidenum">
               <a:rPr lang="en-US" dirty="0"/>
-              <a:t>‹N›</a:t>
+              <a:t>‹#›</a:t>
             </a:fld>
             <a:endParaRPr lang="en-US" dirty="0"/>
           </a:p>
@@ -7353,7 +7354,7 @@
           <a:p>
             <a:fld id="{6D22F896-40B5-4ADD-8801-0D06FADFA095}" type="slidenum">
               <a:rPr lang="en-US" dirty="0"/>
-              <a:t>‹N›</a:t>
+              <a:t>‹#›</a:t>
             </a:fld>
             <a:endParaRPr lang="en-US" dirty="0"/>
           </a:p>
@@ -7598,7 +7599,7 @@
           <a:p>
             <a:fld id="{6D22F896-40B5-4ADD-8801-0D06FADFA095}" type="slidenum">
               <a:rPr lang="en-US" dirty="0"/>
-              <a:t>‹N›</a:t>
+              <a:t>‹#›</a:t>
             </a:fld>
             <a:endParaRPr lang="en-US" dirty="0"/>
           </a:p>
@@ -7825,7 +7826,7 @@
           <a:p>
             <a:fld id="{6D22F896-40B5-4ADD-8801-0D06FADFA095}" type="slidenum">
               <a:rPr lang="en-US" dirty="0"/>
-              <a:t>‹N›</a:t>
+              <a:t>‹#›</a:t>
             </a:fld>
             <a:endParaRPr lang="en-US" dirty="0"/>
           </a:p>
@@ -8201,7 +8202,7 @@
           <a:p>
             <a:fld id="{6D22F896-40B5-4ADD-8801-0D06FADFA095}" type="slidenum">
               <a:rPr lang="en-US" dirty="0"/>
-              <a:t>‹N›</a:t>
+              <a:t>‹#›</a:t>
             </a:fld>
             <a:endParaRPr lang="en-US" dirty="0"/>
           </a:p>
@@ -8314,7 +8315,7 @@
           <a:p>
             <a:fld id="{6D22F896-40B5-4ADD-8801-0D06FADFA095}" type="slidenum">
               <a:rPr lang="en-US" dirty="0"/>
-              <a:t>‹N›</a:t>
+              <a:t>‹#›</a:t>
             </a:fld>
             <a:endParaRPr lang="en-US" dirty="0"/>
           </a:p>
@@ -8404,7 +8405,7 @@
           <a:p>
             <a:fld id="{6D22F896-40B5-4ADD-8801-0D06FADFA095}" type="slidenum">
               <a:rPr lang="en-US" dirty="0"/>
-              <a:t>‹N›</a:t>
+              <a:t>‹#›</a:t>
             </a:fld>
             <a:endParaRPr lang="en-US" dirty="0"/>
           </a:p>
@@ -8648,7 +8649,7 @@
           <a:p>
             <a:fld id="{6D22F896-40B5-4ADD-8801-0D06FADFA095}" type="slidenum">
               <a:rPr lang="en-US" dirty="0"/>
-              <a:t>‹N›</a:t>
+              <a:t>‹#›</a:t>
             </a:fld>
             <a:endParaRPr lang="en-US" dirty="0"/>
           </a:p>
@@ -8923,7 +8924,7 @@
           <a:p>
             <a:fld id="{6D22F896-40B5-4ADD-8801-0D06FADFA095}" type="slidenum">
               <a:rPr lang="en-US" dirty="0"/>
-              <a:t>‹N›</a:t>
+              <a:t>‹#›</a:t>
             </a:fld>
             <a:endParaRPr lang="en-US" dirty="0"/>
           </a:p>
@@ -8999,7 +9000,7 @@
           <a:noFill/>
           <a:extLst>
             <a:ext uri="{909E8E84-426E-40dd-AFC4-6F175D3DCCD1}">
-              <a14:hiddenFill xmlns="" xmlns:a14="http://schemas.microsoft.com/office/drawing/2010/main">
+              <a14:hiddenFill xmlns:a14="http://schemas.microsoft.com/office/drawing/2010/main" xmlns="">
                 <a:solidFill>
                   <a:srgbClr val="FFFFFF"/>
                 </a:solidFill>
@@ -9073,7 +9074,7 @@
               </a:ln>
               <a:extLst>
                 <a:ext uri="{91240B29-F687-4f45-9708-019B960494DF}">
-                  <a14:hiddenLine xmlns="" xmlns:a14="http://schemas.microsoft.com/office/drawing/2010/main" w="9525">
+                  <a14:hiddenLine xmlns:a14="http://schemas.microsoft.com/office/drawing/2010/main" xmlns="" w="9525">
                     <a:solidFill>
                       <a:srgbClr val="000000"/>
                     </a:solidFill>
@@ -9163,7 +9164,7 @@
               </a:ln>
               <a:extLst>
                 <a:ext uri="{91240B29-F687-4f45-9708-019B960494DF}">
-                  <a14:hiddenLine xmlns="" xmlns:a14="http://schemas.microsoft.com/office/drawing/2010/main" w="9525">
+                  <a14:hiddenLine xmlns:a14="http://schemas.microsoft.com/office/drawing/2010/main" xmlns="" w="9525">
                     <a:solidFill>
                       <a:srgbClr val="000000"/>
                     </a:solidFill>
@@ -9253,7 +9254,7 @@
               </a:ln>
               <a:extLst>
                 <a:ext uri="{91240B29-F687-4f45-9708-019B960494DF}">
-                  <a14:hiddenLine xmlns="" xmlns:a14="http://schemas.microsoft.com/office/drawing/2010/main" w="9525">
+                  <a14:hiddenLine xmlns:a14="http://schemas.microsoft.com/office/drawing/2010/main" xmlns="" w="9525">
                     <a:solidFill>
                       <a:srgbClr val="000000"/>
                     </a:solidFill>
@@ -9315,7 +9316,7 @@
               </a:ln>
               <a:extLst>
                 <a:ext uri="{91240B29-F687-4f45-9708-019B960494DF}">
-                  <a14:hiddenLine xmlns="" xmlns:a14="http://schemas.microsoft.com/office/drawing/2010/main" w="9525">
+                  <a14:hiddenLine xmlns:a14="http://schemas.microsoft.com/office/drawing/2010/main" xmlns="" w="9525">
                     <a:solidFill>
                       <a:srgbClr val="000000"/>
                     </a:solidFill>
@@ -9405,7 +9406,7 @@
               </a:ln>
               <a:extLst>
                 <a:ext uri="{91240B29-F687-4f45-9708-019B960494DF}">
-                  <a14:hiddenLine xmlns="" xmlns:a14="http://schemas.microsoft.com/office/drawing/2010/main" w="9525">
+                  <a14:hiddenLine xmlns:a14="http://schemas.microsoft.com/office/drawing/2010/main" xmlns="" w="9525">
                     <a:solidFill>
                       <a:srgbClr val="000000"/>
                     </a:solidFill>
@@ -9467,7 +9468,7 @@
               </a:ln>
               <a:extLst>
                 <a:ext uri="{91240B29-F687-4f45-9708-019B960494DF}">
-                  <a14:hiddenLine xmlns="" xmlns:a14="http://schemas.microsoft.com/office/drawing/2010/main" w="9525">
+                  <a14:hiddenLine xmlns:a14="http://schemas.microsoft.com/office/drawing/2010/main" xmlns="" w="9525">
                     <a:solidFill>
                       <a:srgbClr val="000000"/>
                     </a:solidFill>
@@ -9529,7 +9530,7 @@
               </a:ln>
               <a:extLst>
                 <a:ext uri="{91240B29-F687-4f45-9708-019B960494DF}">
-                  <a14:hiddenLine xmlns="" xmlns:a14="http://schemas.microsoft.com/office/drawing/2010/main" w="9525">
+                  <a14:hiddenLine xmlns:a14="http://schemas.microsoft.com/office/drawing/2010/main" xmlns="" w="9525">
                     <a:solidFill>
                       <a:srgbClr val="000000"/>
                     </a:solidFill>
@@ -9619,7 +9620,7 @@
               </a:ln>
               <a:extLst>
                 <a:ext uri="{91240B29-F687-4f45-9708-019B960494DF}">
-                  <a14:hiddenLine xmlns="" xmlns:a14="http://schemas.microsoft.com/office/drawing/2010/main" w="9525">
+                  <a14:hiddenLine xmlns:a14="http://schemas.microsoft.com/office/drawing/2010/main" xmlns="" w="9525">
                     <a:solidFill>
                       <a:srgbClr val="000000"/>
                     </a:solidFill>
@@ -9709,7 +9710,7 @@
               </a:ln>
               <a:extLst>
                 <a:ext uri="{91240B29-F687-4f45-9708-019B960494DF}">
-                  <a14:hiddenLine xmlns="" xmlns:a14="http://schemas.microsoft.com/office/drawing/2010/main" w="9525">
+                  <a14:hiddenLine xmlns:a14="http://schemas.microsoft.com/office/drawing/2010/main" xmlns="" w="9525">
                     <a:solidFill>
                       <a:srgbClr val="000000"/>
                     </a:solidFill>
@@ -9771,7 +9772,7 @@
               </a:ln>
               <a:extLst>
                 <a:ext uri="{91240B29-F687-4f45-9708-019B960494DF}">
-                  <a14:hiddenLine xmlns="" xmlns:a14="http://schemas.microsoft.com/office/drawing/2010/main" w="9525">
+                  <a14:hiddenLine xmlns:a14="http://schemas.microsoft.com/office/drawing/2010/main" xmlns="" w="9525">
                     <a:solidFill>
                       <a:srgbClr val="000000"/>
                     </a:solidFill>
@@ -9881,7 +9882,7 @@
               </a:ln>
               <a:extLst>
                 <a:ext uri="{91240B29-F687-4f45-9708-019B960494DF}">
-                  <a14:hiddenLine xmlns="" xmlns:a14="http://schemas.microsoft.com/office/drawing/2010/main" w="9525">
+                  <a14:hiddenLine xmlns:a14="http://schemas.microsoft.com/office/drawing/2010/main" xmlns="" w="9525">
                     <a:solidFill>
                       <a:srgbClr val="000000"/>
                     </a:solidFill>
@@ -9965,7 +9966,7 @@
               </a:ln>
               <a:extLst>
                 <a:ext uri="{91240B29-F687-4f45-9708-019B960494DF}">
-                  <a14:hiddenLine xmlns="" xmlns:a14="http://schemas.microsoft.com/office/drawing/2010/main" w="9525">
+                  <a14:hiddenLine xmlns:a14="http://schemas.microsoft.com/office/drawing/2010/main" xmlns="" w="9525">
                     <a:solidFill>
                       <a:srgbClr val="000000"/>
                     </a:solidFill>
@@ -10027,7 +10028,7 @@
               </a:ln>
               <a:extLst>
                 <a:ext uri="{91240B29-F687-4f45-9708-019B960494DF}">
-                  <a14:hiddenLine xmlns="" xmlns:a14="http://schemas.microsoft.com/office/drawing/2010/main" w="9525">
+                  <a14:hiddenLine xmlns:a14="http://schemas.microsoft.com/office/drawing/2010/main" xmlns="" w="9525">
                     <a:solidFill>
                       <a:srgbClr val="000000"/>
                     </a:solidFill>
@@ -10089,7 +10090,7 @@
               </a:ln>
               <a:extLst>
                 <a:ext uri="{91240B29-F687-4f45-9708-019B960494DF}">
-                  <a14:hiddenLine xmlns="" xmlns:a14="http://schemas.microsoft.com/office/drawing/2010/main" w="9525">
+                  <a14:hiddenLine xmlns:a14="http://schemas.microsoft.com/office/drawing/2010/main" xmlns="" w="9525">
                     <a:solidFill>
                       <a:srgbClr val="000000"/>
                     </a:solidFill>
@@ -10179,7 +10180,7 @@
               </a:ln>
               <a:extLst>
                 <a:ext uri="{91240B29-F687-4f45-9708-019B960494DF}">
-                  <a14:hiddenLine xmlns="" xmlns:a14="http://schemas.microsoft.com/office/drawing/2010/main" w="9525">
+                  <a14:hiddenLine xmlns:a14="http://schemas.microsoft.com/office/drawing/2010/main" xmlns="" w="9525">
                     <a:solidFill>
                       <a:srgbClr val="000000"/>
                     </a:solidFill>
@@ -10213,7 +10214,7 @@
               </a:ln>
               <a:extLst>
                 <a:ext uri="{91240B29-F687-4f45-9708-019B960494DF}">
-                  <a14:hiddenLine xmlns="" xmlns:a14="http://schemas.microsoft.com/office/drawing/2010/main" w="9525">
+                  <a14:hiddenLine xmlns:a14="http://schemas.microsoft.com/office/drawing/2010/main" xmlns="" w="9525">
                     <a:solidFill>
                       <a:srgbClr val="000000"/>
                     </a:solidFill>
@@ -10278,7 +10279,7 @@
               </a:ln>
               <a:extLst>
                 <a:ext uri="{91240B29-F687-4f45-9708-019B960494DF}">
-                  <a14:hiddenLine xmlns="" xmlns:a14="http://schemas.microsoft.com/office/drawing/2010/main" w="9525">
+                  <a14:hiddenLine xmlns:a14="http://schemas.microsoft.com/office/drawing/2010/main" xmlns="" w="9525">
                     <a:solidFill>
                       <a:srgbClr val="000000"/>
                     </a:solidFill>
@@ -10368,7 +10369,7 @@
               </a:ln>
               <a:extLst>
                 <a:ext uri="{91240B29-F687-4f45-9708-019B960494DF}">
-                  <a14:hiddenLine xmlns="" xmlns:a14="http://schemas.microsoft.com/office/drawing/2010/main" w="9525">
+                  <a14:hiddenLine xmlns:a14="http://schemas.microsoft.com/office/drawing/2010/main" xmlns="" w="9525">
                     <a:solidFill>
                       <a:srgbClr val="000000"/>
                     </a:solidFill>
@@ -10430,7 +10431,7 @@
               </a:ln>
               <a:extLst>
                 <a:ext uri="{91240B29-F687-4f45-9708-019B960494DF}">
-                  <a14:hiddenLine xmlns="" xmlns:a14="http://schemas.microsoft.com/office/drawing/2010/main" w="9525">
+                  <a14:hiddenLine xmlns:a14="http://schemas.microsoft.com/office/drawing/2010/main" xmlns="" w="9525">
                     <a:solidFill>
                       <a:srgbClr val="000000"/>
                     </a:solidFill>
@@ -10520,7 +10521,7 @@
               </a:ln>
               <a:extLst>
                 <a:ext uri="{91240B29-F687-4f45-9708-019B960494DF}">
-                  <a14:hiddenLine xmlns="" xmlns:a14="http://schemas.microsoft.com/office/drawing/2010/main" w="9525">
+                  <a14:hiddenLine xmlns:a14="http://schemas.microsoft.com/office/drawing/2010/main" xmlns="" w="9525">
                     <a:solidFill>
                       <a:srgbClr val="000000"/>
                     </a:solidFill>
@@ -10585,7 +10586,7 @@
               </a:ln>
               <a:extLst>
                 <a:ext uri="{91240B29-F687-4f45-9708-019B960494DF}">
-                  <a14:hiddenLine xmlns="" xmlns:a14="http://schemas.microsoft.com/office/drawing/2010/main" w="9525">
+                  <a14:hiddenLine xmlns:a14="http://schemas.microsoft.com/office/drawing/2010/main" xmlns="" w="9525">
                     <a:solidFill>
                       <a:srgbClr val="000000"/>
                     </a:solidFill>
@@ -10647,7 +10648,7 @@
               </a:ln>
               <a:extLst>
                 <a:ext uri="{91240B29-F687-4f45-9708-019B960494DF}">
-                  <a14:hiddenLine xmlns="" xmlns:a14="http://schemas.microsoft.com/office/drawing/2010/main" w="9525">
+                  <a14:hiddenLine xmlns:a14="http://schemas.microsoft.com/office/drawing/2010/main" xmlns="" w="9525">
                     <a:solidFill>
                       <a:srgbClr val="000000"/>
                     </a:solidFill>
@@ -10737,7 +10738,7 @@
               </a:ln>
               <a:extLst>
                 <a:ext uri="{91240B29-F687-4f45-9708-019B960494DF}">
-                  <a14:hiddenLine xmlns="" xmlns:a14="http://schemas.microsoft.com/office/drawing/2010/main" w="9525">
+                  <a14:hiddenLine xmlns:a14="http://schemas.microsoft.com/office/drawing/2010/main" xmlns="" w="9525">
                     <a:solidFill>
                       <a:srgbClr val="000000"/>
                     </a:solidFill>
@@ -10827,7 +10828,7 @@
               </a:ln>
               <a:extLst>
                 <a:ext uri="{91240B29-F687-4f45-9708-019B960494DF}">
-                  <a14:hiddenLine xmlns="" xmlns:a14="http://schemas.microsoft.com/office/drawing/2010/main" w="9525">
+                  <a14:hiddenLine xmlns:a14="http://schemas.microsoft.com/office/drawing/2010/main" xmlns="" w="9525">
                     <a:solidFill>
                       <a:srgbClr val="000000"/>
                     </a:solidFill>
@@ -10892,7 +10893,7 @@
               </a:ln>
               <a:extLst>
                 <a:ext uri="{91240B29-F687-4f45-9708-019B960494DF}">
-                  <a14:hiddenLine xmlns="" xmlns:a14="http://schemas.microsoft.com/office/drawing/2010/main" w="9525">
+                  <a14:hiddenLine xmlns:a14="http://schemas.microsoft.com/office/drawing/2010/main" xmlns="" w="9525">
                     <a:solidFill>
                       <a:srgbClr val="000000"/>
                     </a:solidFill>
@@ -11012,7 +11013,7 @@
               </a:ln>
               <a:extLst>
                 <a:ext uri="{91240B29-F687-4f45-9708-019B960494DF}">
-                  <a14:hiddenLine xmlns="" xmlns:a14="http://schemas.microsoft.com/office/drawing/2010/main" w="9525">
+                  <a14:hiddenLine xmlns:a14="http://schemas.microsoft.com/office/drawing/2010/main" xmlns="" w="9525">
                     <a:solidFill>
                       <a:srgbClr val="000000"/>
                     </a:solidFill>
@@ -11093,7 +11094,7 @@
               </a:ln>
               <a:extLst>
                 <a:ext uri="{91240B29-F687-4f45-9708-019B960494DF}">
-                  <a14:hiddenLine xmlns="" xmlns:a14="http://schemas.microsoft.com/office/drawing/2010/main" w="9525">
+                  <a14:hiddenLine xmlns:a14="http://schemas.microsoft.com/office/drawing/2010/main" xmlns="" w="9525">
                     <a:solidFill>
                       <a:srgbClr val="000000"/>
                     </a:solidFill>
@@ -11208,7 +11209,7 @@
               </a:ln>
               <a:extLst>
                 <a:ext uri="{91240B29-F687-4f45-9708-019B960494DF}">
-                  <a14:hiddenLine xmlns="" xmlns:a14="http://schemas.microsoft.com/office/drawing/2010/main" w="9525">
+                  <a14:hiddenLine xmlns:a14="http://schemas.microsoft.com/office/drawing/2010/main" xmlns="" w="9525">
                     <a:solidFill>
                       <a:srgbClr val="000000"/>
                     </a:solidFill>
@@ -11298,7 +11299,7 @@
               </a:ln>
               <a:extLst>
                 <a:ext uri="{91240B29-F687-4f45-9708-019B960494DF}">
-                  <a14:hiddenLine xmlns="" xmlns:a14="http://schemas.microsoft.com/office/drawing/2010/main" w="9525">
+                  <a14:hiddenLine xmlns:a14="http://schemas.microsoft.com/office/drawing/2010/main" xmlns="" w="9525">
                     <a:solidFill>
                       <a:srgbClr val="000000"/>
                     </a:solidFill>
@@ -11363,7 +11364,7 @@
               </a:ln>
               <a:extLst>
                 <a:ext uri="{91240B29-F687-4f45-9708-019B960494DF}">
-                  <a14:hiddenLine xmlns="" xmlns:a14="http://schemas.microsoft.com/office/drawing/2010/main" w="9525">
+                  <a14:hiddenLine xmlns:a14="http://schemas.microsoft.com/office/drawing/2010/main" xmlns="" w="9525">
                     <a:solidFill>
                       <a:srgbClr val="000000"/>
                     </a:solidFill>
@@ -11453,7 +11454,7 @@
               </a:ln>
               <a:extLst>
                 <a:ext uri="{91240B29-F687-4f45-9708-019B960494DF}">
-                  <a14:hiddenLine xmlns="" xmlns:a14="http://schemas.microsoft.com/office/drawing/2010/main" w="9525">
+                  <a14:hiddenLine xmlns:a14="http://schemas.microsoft.com/office/drawing/2010/main" xmlns="" w="9525">
                     <a:solidFill>
                       <a:srgbClr val="000000"/>
                     </a:solidFill>
@@ -11521,7 +11522,7 @@
               </a:ln>
               <a:extLst>
                 <a:ext uri="{91240B29-F687-4f45-9708-019B960494DF}">
-                  <a14:hiddenLine xmlns="" xmlns:a14="http://schemas.microsoft.com/office/drawing/2010/main" w="9525">
+                  <a14:hiddenLine xmlns:a14="http://schemas.microsoft.com/office/drawing/2010/main" xmlns="" w="9525">
                     <a:solidFill>
                       <a:srgbClr val="000000"/>
                     </a:solidFill>
@@ -11611,7 +11612,7 @@
               </a:ln>
               <a:extLst>
                 <a:ext uri="{91240B29-F687-4f45-9708-019B960494DF}">
-                  <a14:hiddenLine xmlns="" xmlns:a14="http://schemas.microsoft.com/office/drawing/2010/main" w="9525">
+                  <a14:hiddenLine xmlns:a14="http://schemas.microsoft.com/office/drawing/2010/main" xmlns="" w="9525">
                     <a:solidFill>
                       <a:srgbClr val="000000"/>
                     </a:solidFill>
@@ -11679,7 +11680,7 @@
               </a:ln>
               <a:extLst>
                 <a:ext uri="{91240B29-F687-4f45-9708-019B960494DF}">
-                  <a14:hiddenLine xmlns="" xmlns:a14="http://schemas.microsoft.com/office/drawing/2010/main" w="9525">
+                  <a14:hiddenLine xmlns:a14="http://schemas.microsoft.com/office/drawing/2010/main" xmlns="" w="9525">
                     <a:solidFill>
                       <a:srgbClr val="000000"/>
                     </a:solidFill>
@@ -11769,7 +11770,7 @@
               </a:ln>
               <a:extLst>
                 <a:ext uri="{91240B29-F687-4f45-9708-019B960494DF}">
-                  <a14:hiddenLine xmlns="" xmlns:a14="http://schemas.microsoft.com/office/drawing/2010/main" w="9525">
+                  <a14:hiddenLine xmlns:a14="http://schemas.microsoft.com/office/drawing/2010/main" xmlns="" w="9525">
                     <a:solidFill>
                       <a:srgbClr val="000000"/>
                     </a:solidFill>
@@ -11803,7 +11804,7 @@
               </a:ln>
               <a:extLst>
                 <a:ext uri="{91240B29-F687-4f45-9708-019B960494DF}">
-                  <a14:hiddenLine xmlns="" xmlns:a14="http://schemas.microsoft.com/office/drawing/2010/main" w="9525">
+                  <a14:hiddenLine xmlns:a14="http://schemas.microsoft.com/office/drawing/2010/main" xmlns="" w="9525">
                     <a:solidFill>
                       <a:srgbClr val="000000"/>
                     </a:solidFill>
@@ -12023,7 +12024,7 @@
             <a:fld id="{6D22F896-40B5-4ADD-8801-0D06FADFA095}" type="slidenum">
               <a:rPr lang="en-US" dirty="0"/>
               <a:pPr/>
-              <a:t>‹N›</a:t>
+              <a:t>‹#›</a:t>
             </a:fld>
             <a:endParaRPr lang="en-US" dirty="0"/>
           </a:p>
@@ -12527,7 +12528,7 @@
             </a:br>
             <a:r>
               <a:rPr lang="en-US" sz="2800" dirty="0"/>
-              <a:t>Code review</a:t>
+              <a:t>E2e testing</a:t>
             </a:r>
             <a:endParaRPr lang="en-US" dirty="0"/>
           </a:p>
@@ -12612,7 +12613,7 @@
     </p:spTree>
     <p:extLst>
       <p:ext uri="{BB962C8B-B14F-4D97-AF65-F5344CB8AC3E}">
-        <p14:creationId xmlns:p14="http://schemas.microsoft.com/office/powerpoint/2010/main" val="1472056932"/>
+        <p14:creationId xmlns:p14="http://schemas.microsoft.com/office/powerpoint/2010/main" val="3411864294"/>
       </p:ext>
     </p:extLst>
   </p:cSld>
@@ -12688,7 +12689,7 @@
             </a:br>
             <a:r>
               <a:rPr lang="en-US" sz="2800" dirty="0"/>
-              <a:t>Technical debt management</a:t>
+              <a:t>Code review</a:t>
             </a:r>
             <a:endParaRPr lang="en-US" dirty="0"/>
           </a:p>
@@ -12712,14 +12713,12 @@
         </p:nvSpPr>
         <p:spPr>
           <a:xfrm>
-            <a:off x="1141412" y="1748118"/>
-            <a:ext cx="9905999" cy="4924145"/>
+            <a:off x="1141412" y="2413000"/>
+            <a:ext cx="9905999" cy="3378201"/>
           </a:xfrm>
         </p:spPr>
         <p:txBody>
-          <a:bodyPr>
-            <a:normAutofit fontScale="85000" lnSpcReduction="20000"/>
-          </a:bodyPr>
+          <a:bodyPr/>
           <a:lstStyle/>
           <a:p>
             <a:pPr algn="l">
@@ -12734,8 +12733,25 @@
                 <a:effectLst/>
                 <a:latin typeface="-apple-system"/>
               </a:rPr>
-              <a:t>Total hours estimated: 1d 2h 30m</a:t>
-            </a:r>
+              <a:t>Total hours estimated: </a:t>
+            </a:r>
+            <a:r>
+              <a:rPr lang="en-US" b="0" i="0" dirty="0">
+                <a:solidFill>
+                  <a:srgbClr val="D4D4D4"/>
+                </a:solidFill>
+                <a:effectLst/>
+                <a:latin typeface="-apple-system"/>
+              </a:rPr>
+              <a:t>8h (1h per story) - included inside each story</a:t>
+            </a:r>
+            <a:endParaRPr lang="en-US" b="0" i="0" dirty="0">
+              <a:solidFill>
+                <a:srgbClr val="C9D1D9"/>
+              </a:solidFill>
+              <a:effectLst/>
+              <a:latin typeface="-apple-system"/>
+            </a:endParaRPr>
           </a:p>
           <a:p>
             <a:pPr algn="l">
@@ -12750,153 +12766,15 @@
                 <a:effectLst/>
                 <a:latin typeface="-apple-system"/>
               </a:rPr>
-              <a:t>Total hours spent: 1d</a:t>
-            </a:r>
-          </a:p>
-          <a:p>
-            <a:pPr algn="l">
-              <a:buFont typeface="Arial" panose="020B0604020202020204" pitchFamily="34" charset="0"/>
-              <a:buChar char="•"/>
-            </a:pPr>
-            <a:r>
-              <a:rPr lang="en-US" b="0" i="0" dirty="0">
-                <a:solidFill>
-                  <a:srgbClr val="FF0000"/>
-                </a:solidFill>
-                <a:effectLst/>
-                <a:latin typeface="-apple-system"/>
-              </a:rPr>
-              <a:t>Hours estimated for remediation by SonarQube: 3h (only in Maintainability - fixing code smells)</a:t>
-            </a:r>
-          </a:p>
-          <a:p>
-            <a:r>
-              <a:rPr lang="en-US" b="0" i="0" dirty="0">
-                <a:solidFill>
-                  <a:srgbClr val="FF0000"/>
-                </a:solidFill>
-                <a:effectLst/>
-                <a:latin typeface="-apple-system"/>
-              </a:rPr>
-              <a:t>Hours estimated for remediation by SonarQube only for the selected and planned issues: 3h (only in Maintainability - fixing code smells) </a:t>
-            </a:r>
-          </a:p>
-          <a:p>
-            <a:r>
-              <a:rPr lang="en-US" b="0" i="0" dirty="0">
-                <a:effectLst/>
-                <a:latin typeface="-apple-system"/>
-              </a:rPr>
-              <a:t>Hours spent on remediation: 1d 2h 30m</a:t>
-            </a:r>
-          </a:p>
-          <a:p>
-            <a:pPr algn="l">
-              <a:buFont typeface="Arial" panose="020B0604020202020204" pitchFamily="34" charset="0"/>
-              <a:buChar char="•"/>
-            </a:pPr>
-            <a:r>
-              <a:rPr lang="en-US" b="0" i="0" dirty="0">
-                <a:solidFill>
-                  <a:srgbClr val="C9D1D9"/>
-                </a:solidFill>
-                <a:effectLst/>
-                <a:latin typeface="-apple-system"/>
-              </a:rPr>
-              <a:t>debt ratio (as reported by SonarQube under "Measures-Maintainability"): 0.3%</a:t>
-            </a:r>
-            <a:endParaRPr lang="en-US" b="1" i="0" dirty="0">
-              <a:solidFill>
-                <a:srgbClr val="FF0000"/>
-              </a:solidFill>
-              <a:effectLst/>
-              <a:latin typeface="-apple-system"/>
-            </a:endParaRPr>
-          </a:p>
-          <a:p>
-            <a:pPr algn="l">
-              <a:buFont typeface="Arial" panose="020B0604020202020204" pitchFamily="34" charset="0"/>
-              <a:buChar char="•"/>
-            </a:pPr>
-            <a:r>
-              <a:rPr lang="en-US" b="0" i="0" dirty="0">
-                <a:solidFill>
-                  <a:srgbClr val="C9D1D9"/>
-                </a:solidFill>
-                <a:effectLst/>
-                <a:latin typeface="-apple-system"/>
-              </a:rPr>
-              <a:t>rating for each quality characteristic reported in SonarQube under "Measures" (namely reliability, security, maintainability): </a:t>
-            </a:r>
-          </a:p>
-          <a:p>
-            <a:pPr lvl="1"/>
-            <a:r>
-              <a:rPr lang="en-US" dirty="0">
-                <a:solidFill>
-                  <a:srgbClr val="C9D1D9"/>
-                </a:solidFill>
-                <a:latin typeface="-apple-system"/>
-              </a:rPr>
-              <a:t>Reliability		</a:t>
-            </a:r>
-            <a:r>
-              <a:rPr lang="en-US" sz="2000" dirty="0"/>
-              <a:t>→	A</a:t>
-            </a:r>
-          </a:p>
-          <a:p>
-            <a:pPr lvl="1"/>
-            <a:r>
-              <a:rPr lang="en-US" b="0" i="0" dirty="0">
-                <a:solidFill>
-                  <a:srgbClr val="C9D1D9"/>
-                </a:solidFill>
-                <a:effectLst/>
-                <a:latin typeface="-apple-system"/>
-              </a:rPr>
-              <a:t>Security	</a:t>
-            </a:r>
-            <a:r>
-              <a:rPr lang="en-US" sz="2000" dirty="0"/>
-              <a:t> 	→	</a:t>
-            </a:r>
-            <a:r>
-              <a:rPr lang="en-US" dirty="0"/>
-              <a:t>A</a:t>
-            </a:r>
-            <a:endParaRPr lang="en-US" sz="2000" dirty="0"/>
-          </a:p>
-          <a:p>
-            <a:pPr lvl="1"/>
-            <a:r>
-              <a:rPr lang="en-US" b="0" i="0" dirty="0">
-                <a:solidFill>
-                  <a:srgbClr val="C9D1D9"/>
-                </a:solidFill>
-                <a:effectLst/>
-                <a:latin typeface="-apple-system"/>
-              </a:rPr>
-              <a:t>Maintainability	</a:t>
-            </a:r>
-            <a:r>
-              <a:rPr lang="en-US" sz="2000" dirty="0"/>
-              <a:t>→	A</a:t>
-            </a:r>
-            <a:endParaRPr lang="en-US" b="0" i="0" dirty="0">
-              <a:solidFill>
-                <a:srgbClr val="C9D1D9"/>
-              </a:solidFill>
-              <a:effectLst/>
-              <a:latin typeface="-apple-system"/>
-            </a:endParaRPr>
+              <a:t>Total hours spent: 8h</a:t>
+            </a:r>
           </a:p>
         </p:txBody>
       </p:sp>
     </p:spTree>
     <p:extLst>
       <p:ext uri="{BB962C8B-B14F-4D97-AF65-F5344CB8AC3E}">
-        <p14:creationId xmlns:p14="http://schemas.microsoft.com/office/powerpoint/2010/main" val="195844049"/>
+        <p14:creationId xmlns:p14="http://schemas.microsoft.com/office/powerpoint/2010/main" val="1472056932"/>
       </p:ext>
     </p:extLst>
   </p:cSld>
@@ -12947,7 +12825,7 @@
         </p:spPr>
         <p:txBody>
           <a:bodyPr>
-            <a:normAutofit/>
+            <a:normAutofit fontScale="90000"/>
           </a:bodyPr>
           <a:lstStyle/>
           <a:p>
@@ -12959,7 +12837,20 @@
                 <a:effectLst/>
                 <a:latin typeface="-apple-system"/>
               </a:rPr>
-              <a:t>Assessment</a:t>
+              <a:t>QUALITY MEASURES</a:t>
+            </a:r>
+            <a:br>
+              <a:rPr lang="en-US" b="1" i="0" dirty="0">
+                <a:solidFill>
+                  <a:srgbClr val="C9D1D9"/>
+                </a:solidFill>
+                <a:effectLst/>
+                <a:latin typeface="-apple-system"/>
+              </a:rPr>
+            </a:br>
+            <a:r>
+              <a:rPr lang="en-US" sz="2800" dirty="0"/>
+              <a:t>Technical debt management</a:t>
             </a:r>
             <a:endParaRPr lang="en-US" dirty="0"/>
           </a:p>
@@ -12984,12 +12875,12 @@
         <p:spPr>
           <a:xfrm>
             <a:off x="1141412" y="1748118"/>
-            <a:ext cx="9905999" cy="4043083"/>
+            <a:ext cx="9905999" cy="4924145"/>
           </a:xfrm>
         </p:spPr>
         <p:txBody>
           <a:bodyPr>
-            <a:normAutofit/>
+            <a:normAutofit fontScale="85000" lnSpcReduction="20000"/>
           </a:bodyPr>
           <a:lstStyle/>
           <a:p>
@@ -13005,31 +12896,201 @@
                 <a:effectLst/>
                 <a:latin typeface="-apple-system"/>
               </a:rPr>
-              <a:t>What caused your errors in estimation (if any)?</a:t>
-            </a:r>
-          </a:p>
-          <a:p>
-            <a:pPr marL="457200" indent="-457200" algn="l">
-              <a:buFont typeface="+mj-lt"/>
-              <a:buAutoNum type="arabicPeriod"/>
+              <a:t>Total hours estimated: 1d 2h 30m</a:t>
+            </a:r>
+          </a:p>
+          <a:p>
+            <a:pPr algn="l">
+              <a:buFont typeface="Arial" panose="020B0604020202020204" pitchFamily="34" charset="0"/>
+              <a:buChar char="•"/>
             </a:pPr>
             <a:r>
-              <a:rPr lang="en-US" sz="2000" b="0" i="0" dirty="0">
+              <a:rPr lang="en-US" b="0" i="0" dirty="0">
                 <a:solidFill>
                   <a:srgbClr val="C9D1D9"/>
                 </a:solidFill>
                 <a:effectLst/>
                 <a:latin typeface="-apple-system"/>
               </a:rPr>
-              <a:t>Reviewing globally the app and controlling that every story is correctly connected to the others</a:t>
-            </a:r>
+              <a:t>Total hours spent: 1d</a:t>
+            </a:r>
+          </a:p>
+          <a:p>
+            <a:pPr algn="l">
+              <a:buFont typeface="Arial" panose="020B0604020202020204" pitchFamily="34" charset="0"/>
+              <a:buChar char="•"/>
+            </a:pPr>
+            <a:r>
+              <a:rPr lang="en-US" b="0" i="0" dirty="0">
+                <a:solidFill>
+                  <a:schemeClr val="tx1">
+                    <a:lumMod val="85000"/>
+                  </a:schemeClr>
+                </a:solidFill>
+                <a:effectLst/>
+                <a:latin typeface="-apple-system"/>
+              </a:rPr>
+              <a:t>Hours estimated for remediation by SonarQube: </a:t>
+            </a:r>
+            <a:r>
+              <a:rPr lang="en-US" dirty="0">
+                <a:solidFill>
+                  <a:schemeClr val="tx1">
+                    <a:lumMod val="85000"/>
+                  </a:schemeClr>
+                </a:solidFill>
+                <a:latin typeface="-apple-system"/>
+              </a:rPr>
+              <a:t>2d</a:t>
+            </a:r>
+            <a:r>
+              <a:rPr lang="en-US" b="0" i="0" dirty="0">
+                <a:solidFill>
+                  <a:schemeClr val="tx1">
+                    <a:lumMod val="85000"/>
+                  </a:schemeClr>
+                </a:solidFill>
+                <a:effectLst/>
+                <a:latin typeface="-apple-system"/>
+              </a:rPr>
+              <a:t> (only in Maintainability - fixing code smells)</a:t>
+            </a:r>
+          </a:p>
+          <a:p>
+            <a:r>
+              <a:rPr lang="en-US" b="0" i="0" dirty="0">
+                <a:solidFill>
+                  <a:schemeClr val="tx1">
+                    <a:lumMod val="85000"/>
+                  </a:schemeClr>
+                </a:solidFill>
+                <a:effectLst/>
+                <a:latin typeface="-apple-system"/>
+              </a:rPr>
+              <a:t>Hours estimated for remediation by SonarQube only for the selected and planned issues: 1d7h (only in New Code - Maintainability  - fixing code smells) </a:t>
+            </a:r>
+          </a:p>
+          <a:p>
+            <a:r>
+              <a:rPr lang="en-US" b="0" i="0" dirty="0">
+                <a:solidFill>
+                  <a:schemeClr val="tx1">
+                    <a:lumMod val="85000"/>
+                  </a:schemeClr>
+                </a:solidFill>
+                <a:effectLst/>
+                <a:latin typeface="-apple-system"/>
+              </a:rPr>
+              <a:t>Hours spent on remediation: 1d 2h 30m</a:t>
+            </a:r>
+          </a:p>
+          <a:p>
+            <a:pPr algn="l">
+              <a:buFont typeface="Arial" panose="020B0604020202020204" pitchFamily="34" charset="0"/>
+              <a:buChar char="•"/>
+            </a:pPr>
+            <a:r>
+              <a:rPr lang="en-US" b="0" i="0" dirty="0">
+                <a:solidFill>
+                  <a:srgbClr val="C9D1D9"/>
+                </a:solidFill>
+                <a:effectLst/>
+                <a:latin typeface="-apple-system"/>
+              </a:rPr>
+              <a:t>debt ratio (as reported by SonarQube under "Measures-Maintainability"): 0.3%</a:t>
+            </a:r>
+            <a:endParaRPr lang="en-US" b="1" i="0" dirty="0">
+              <a:solidFill>
+                <a:srgbClr val="FF0000"/>
+              </a:solidFill>
+              <a:effectLst/>
+              <a:latin typeface="-apple-system"/>
+            </a:endParaRPr>
+          </a:p>
+          <a:p>
+            <a:pPr algn="l">
+              <a:buFont typeface="Arial" panose="020B0604020202020204" pitchFamily="34" charset="0"/>
+              <a:buChar char="•"/>
+            </a:pPr>
+            <a:r>
+              <a:rPr lang="en-US" b="0" i="0" dirty="0">
+                <a:solidFill>
+                  <a:srgbClr val="C9D1D9"/>
+                </a:solidFill>
+                <a:effectLst/>
+                <a:latin typeface="-apple-system"/>
+              </a:rPr>
+              <a:t>rating for each quality characteristic reported in SonarQube under "Measures" (namely reliability, security, maintainability): </a:t>
+            </a:r>
+          </a:p>
+          <a:p>
+            <a:pPr lvl="1"/>
+            <a:r>
+              <a:rPr lang="en-US" dirty="0">
+                <a:solidFill>
+                  <a:srgbClr val="C9D1D9"/>
+                </a:solidFill>
+                <a:latin typeface="-apple-system"/>
+              </a:rPr>
+              <a:t>Reliability		</a:t>
+            </a:r>
+            <a:r>
+              <a:rPr lang="en-US" sz="2000" dirty="0"/>
+              <a:t>→	A</a:t>
+            </a:r>
+          </a:p>
+          <a:p>
+            <a:pPr lvl="1"/>
+            <a:r>
+              <a:rPr lang="en-US" b="0" i="0" dirty="0">
+                <a:solidFill>
+                  <a:srgbClr val="C9D1D9"/>
+                </a:solidFill>
+                <a:effectLst/>
+                <a:latin typeface="-apple-system"/>
+              </a:rPr>
+              <a:t>Security	</a:t>
+            </a:r>
+            <a:r>
+              <a:rPr lang="en-US" sz="2000" dirty="0"/>
+              <a:t> 	→	</a:t>
+            </a:r>
+            <a:r>
+              <a:rPr lang="en-US" dirty="0"/>
+              <a:t>A</a:t>
+            </a:r>
+            <a:endParaRPr lang="en-US" sz="2000" dirty="0"/>
+          </a:p>
+          <a:p>
+            <a:pPr lvl="1"/>
+            <a:r>
+              <a:rPr lang="en-US" b="0" i="0" dirty="0">
+                <a:solidFill>
+                  <a:srgbClr val="C9D1D9"/>
+                </a:solidFill>
+                <a:effectLst/>
+                <a:latin typeface="-apple-system"/>
+              </a:rPr>
+              <a:t>Maintainability	</a:t>
+            </a:r>
+            <a:r>
+              <a:rPr lang="en-US" sz="2000" dirty="0"/>
+              <a:t>→	A</a:t>
+            </a:r>
+            <a:endParaRPr lang="en-US" b="0" i="0" dirty="0">
+              <a:solidFill>
+                <a:srgbClr val="C9D1D9"/>
+              </a:solidFill>
+              <a:effectLst/>
+              <a:latin typeface="-apple-system"/>
+            </a:endParaRPr>
           </a:p>
         </p:txBody>
       </p:sp>
     </p:spTree>
     <p:extLst>
       <p:ext uri="{BB962C8B-B14F-4D97-AF65-F5344CB8AC3E}">
-        <p14:creationId xmlns:p14="http://schemas.microsoft.com/office/powerpoint/2010/main" val="2971441923"/>
+        <p14:creationId xmlns:p14="http://schemas.microsoft.com/office/powerpoint/2010/main" val="195844049"/>
       </p:ext>
     </p:extLst>
   </p:cSld>
@@ -13138,11 +13199,28 @@
                 <a:effectLst/>
                 <a:latin typeface="-apple-system"/>
               </a:rPr>
-              <a:t>What lessons did you learn (both positive and negative) in this sprint?</a:t>
+              <a:t>What caused your errors in estimation (if any)?</a:t>
             </a:r>
           </a:p>
           <a:p>
             <a:pPr marL="457200" indent="-457200" algn="l">
+              <a:buFont typeface="+mj-lt"/>
+              <a:buAutoNum type="arabicPeriod"/>
+            </a:pPr>
+            <a:r>
+              <a:rPr lang="en-US" sz="2000" b="0" i="0" dirty="0">
+                <a:solidFill>
+                  <a:srgbClr val="C9D1D9"/>
+                </a:solidFill>
+                <a:effectLst/>
+                <a:latin typeface="-apple-system"/>
+              </a:rPr>
+              <a:t>Reviewing globally the app and controlling that every story is correctly connected to the others</a:t>
+            </a:r>
+          </a:p>
+          <a:p>
+            <a:pPr marL="457200" indent="-457200" algn="l">
+              <a:buFont typeface="+mj-lt"/>
               <a:buAutoNum type="arabicPeriod"/>
             </a:pPr>
             <a:r>
@@ -13152,43 +13230,22 @@
                 </a:solidFill>
                 <a:latin typeface="-apple-system"/>
               </a:rPr>
-              <a:t>Comment more our code to let the other group mates understand what we did.</a:t>
-            </a:r>
-          </a:p>
-          <a:p>
-            <a:pPr marL="457200" indent="-457200" algn="l">
-              <a:buAutoNum type="arabicPeriod"/>
-            </a:pPr>
-            <a:r>
-              <a:rPr lang="en-US" sz="2000" dirty="0">
-                <a:solidFill>
-                  <a:srgbClr val="C9D1D9"/>
-                </a:solidFill>
-                <a:latin typeface="-apple-system"/>
-              </a:rPr>
-              <a:t>Write a general documentation in the readme file (for example write the users credentials).</a:t>
-            </a:r>
-          </a:p>
-          <a:p>
-            <a:pPr marL="457200" indent="-457200" algn="l">
-              <a:buAutoNum type="arabicPeriod"/>
-            </a:pPr>
-            <a:r>
-              <a:rPr lang="en-US" sz="2000" dirty="0">
-                <a:solidFill>
-                  <a:srgbClr val="C9D1D9"/>
-                </a:solidFill>
-                <a:latin typeface="-apple-system"/>
-              </a:rPr>
-              <a:t>A good FE needs more development time allocated.</a:t>
-            </a:r>
+              <a:t>Making well-designed and responsive pages is not always a straight-forward process</a:t>
+            </a:r>
+            <a:endParaRPr lang="en-US" sz="2000" b="0" i="0" dirty="0">
+              <a:solidFill>
+                <a:srgbClr val="C9D1D9"/>
+              </a:solidFill>
+              <a:effectLst/>
+              <a:latin typeface="-apple-system"/>
+            </a:endParaRPr>
           </a:p>
         </p:txBody>
       </p:sp>
     </p:spTree>
     <p:extLst>
       <p:ext uri="{BB962C8B-B14F-4D97-AF65-F5344CB8AC3E}">
-        <p14:creationId xmlns:p14="http://schemas.microsoft.com/office/powerpoint/2010/main" val="3085898245"/>
+        <p14:creationId xmlns:p14="http://schemas.microsoft.com/office/powerpoint/2010/main" val="2971441923"/>
       </p:ext>
     </p:extLst>
   </p:cSld>
@@ -13297,7 +13354,7 @@
                 <a:effectLst/>
                 <a:latin typeface="-apple-system"/>
               </a:rPr>
-              <a:t>Which improvement goals set in the previous retrospective were you able to achieve?</a:t>
+              <a:t>What lessons did you learn (both positive and negative) in this sprint?</a:t>
             </a:r>
           </a:p>
           <a:p>
@@ -13305,14 +13362,13 @@
               <a:buAutoNum type="arabicPeriod"/>
             </a:pPr>
             <a:r>
-              <a:rPr lang="en-US" sz="2000" b="0" i="0" dirty="0">
+              <a:rPr lang="en-US" sz="2000" dirty="0">
                 <a:solidFill>
-                  <a:srgbClr val="C9D1D9"/>
+                  <a:srgbClr val="FF0000"/>
                 </a:solidFill>
-                <a:effectLst/>
                 <a:latin typeface="-apple-system"/>
               </a:rPr>
-              <a:t>We have cured more the design of our application and made all the pages responsive</a:t>
+              <a:t>Comment more our code to let the other group mates understand what we did.</a:t>
             </a:r>
           </a:p>
           <a:p>
@@ -13322,44 +13378,25 @@
             <a:r>
               <a:rPr lang="en-US" sz="2000" dirty="0">
                 <a:solidFill>
-                  <a:srgbClr val="C9D1D9"/>
+                  <a:srgbClr val="FF0000"/>
                 </a:solidFill>
                 <a:latin typeface="-apple-system"/>
               </a:rPr>
-              <a:t>We have added to the read.me file </a:t>
-            </a:r>
-            <a:r>
-              <a:rPr lang="en-US" sz="2000" dirty="0" err="1">
+              <a:t>Write a general documentation in the readme file (for example write the users credentials).</a:t>
+            </a:r>
+          </a:p>
+          <a:p>
+            <a:pPr marL="457200" indent="-457200" algn="l">
+              <a:buAutoNum type="arabicPeriod"/>
+            </a:pPr>
+            <a:r>
+              <a:rPr lang="en-US" sz="2000" dirty="0">
                 <a:solidFill>
-                  <a:srgbClr val="C9D1D9"/>
+                  <a:srgbClr val="FF0000"/>
                 </a:solidFill>
                 <a:latin typeface="-apple-system"/>
               </a:rPr>
-              <a:t>api</a:t>
-            </a:r>
-            <a:r>
-              <a:rPr lang="en-US" sz="2000" dirty="0">
-                <a:solidFill>
-                  <a:srgbClr val="C9D1D9"/>
-                </a:solidFill>
-                <a:latin typeface="-apple-system"/>
-              </a:rPr>
-              <a:t> calls explanations </a:t>
-            </a:r>
-          </a:p>
-          <a:p>
-            <a:pPr marL="457200" indent="-457200" algn="l">
-              <a:buAutoNum type="arabicPeriod"/>
-            </a:pPr>
-            <a:r>
-              <a:rPr lang="en-US" sz="2000" b="0" i="0" dirty="0">
-                <a:solidFill>
-                  <a:srgbClr val="C9D1D9"/>
-                </a:solidFill>
-                <a:effectLst/>
-                <a:latin typeface="-apple-system"/>
-              </a:rPr>
-              <a:t>We have fixed all the past and new issues and the stories left from previous sprint</a:t>
+              <a:t>A good FE needs more development time allocated.</a:t>
             </a:r>
           </a:p>
         </p:txBody>
@@ -13367,7 +13404,7 @@
     </p:spTree>
     <p:extLst>
       <p:ext uri="{BB962C8B-B14F-4D97-AF65-F5344CB8AC3E}">
-        <p14:creationId xmlns:p14="http://schemas.microsoft.com/office/powerpoint/2010/main" val="2466056969"/>
+        <p14:creationId xmlns:p14="http://schemas.microsoft.com/office/powerpoint/2010/main" val="3085898245"/>
       </p:ext>
     </p:extLst>
   </p:cSld>
@@ -13476,7 +13513,22 @@
                 <a:effectLst/>
                 <a:latin typeface="-apple-system"/>
               </a:rPr>
-              <a:t>Which ones you were not able to achieve? Why?</a:t>
+              <a:t>Which improvement goals set in the previous retrospective were you able to achieve?</a:t>
+            </a:r>
+          </a:p>
+          <a:p>
+            <a:pPr marL="457200" indent="-457200" algn="l">
+              <a:buAutoNum type="arabicPeriod"/>
+            </a:pPr>
+            <a:r>
+              <a:rPr lang="en-US" sz="2000" b="0" i="0" dirty="0">
+                <a:solidFill>
+                  <a:srgbClr val="C9D1D9"/>
+                </a:solidFill>
+                <a:effectLst/>
+                <a:latin typeface="-apple-system"/>
+              </a:rPr>
+              <a:t>We have cured more the design of our application and made all the pages responsive</a:t>
             </a:r>
           </a:p>
           <a:p>
@@ -13490,22 +13542,30 @@
                 </a:solidFill>
                 <a:latin typeface="-apple-system"/>
               </a:rPr>
-              <a:t>We achieved all of the goals set in the previous retrospective.</a:t>
-            </a:r>
-            <a:endParaRPr lang="en-US" sz="2000" b="0" i="0" dirty="0">
-              <a:solidFill>
-                <a:srgbClr val="C9D1D9"/>
-              </a:solidFill>
-              <a:effectLst/>
-              <a:latin typeface="-apple-system"/>
-            </a:endParaRPr>
+              <a:t>We have added to the readme file all the API calls and the corresponding explanations </a:t>
+            </a:r>
+          </a:p>
+          <a:p>
+            <a:pPr marL="457200" indent="-457200" algn="l">
+              <a:buAutoNum type="arabicPeriod"/>
+            </a:pPr>
+            <a:r>
+              <a:rPr lang="en-US" sz="2000" b="0" i="0" dirty="0">
+                <a:solidFill>
+                  <a:srgbClr val="C9D1D9"/>
+                </a:solidFill>
+                <a:effectLst/>
+                <a:latin typeface="-apple-system"/>
+              </a:rPr>
+              <a:t>We have fixed most of the past and new issues and we have completed all the stories left from previous sprint</a:t>
+            </a:r>
           </a:p>
         </p:txBody>
       </p:sp>
     </p:spTree>
     <p:extLst>
       <p:ext uri="{BB962C8B-B14F-4D97-AF65-F5344CB8AC3E}">
-        <p14:creationId xmlns:p14="http://schemas.microsoft.com/office/powerpoint/2010/main" val="2509141718"/>
+        <p14:creationId xmlns:p14="http://schemas.microsoft.com/office/powerpoint/2010/main" val="2466056969"/>
       </p:ext>
     </p:extLst>
   </p:cSld>
@@ -13614,7 +13674,7 @@
                 <a:effectLst/>
                 <a:latin typeface="-apple-system"/>
               </a:rPr>
-              <a:t>Improvement goals for the next sprint and how to achieve them (technical tasks, team coordination, etc.)</a:t>
+              <a:t>Which ones you were not able to achieve? Why?</a:t>
             </a:r>
           </a:p>
           <a:p>
@@ -13628,27 +13688,165 @@
                 </a:solidFill>
                 <a:latin typeface="-apple-system"/>
               </a:rPr>
-              <a:t>We need to increase the technical debt remediation time and to increase the number of technical tasks needed to refactor our code and make the UI responsive.</a:t>
-            </a:r>
-          </a:p>
-          <a:p>
-            <a:pPr marL="457200" indent="-457200" algn="l">
-              <a:buAutoNum type="arabicPeriod"/>
-            </a:pPr>
-            <a:r>
-              <a:rPr lang="en-US" sz="2000" b="0" i="0" dirty="0">
+              <a:t>We achieved all of the goals set in the previous retrospective.</a:t>
+            </a:r>
+            <a:endParaRPr lang="en-US" sz="2000" b="0" i="0" dirty="0">
+              <a:solidFill>
+                <a:srgbClr val="C9D1D9"/>
+              </a:solidFill>
+              <a:effectLst/>
+              <a:latin typeface="-apple-system"/>
+            </a:endParaRPr>
+          </a:p>
+        </p:txBody>
+      </p:sp>
+    </p:spTree>
+    <p:extLst>
+      <p:ext uri="{BB962C8B-B14F-4D97-AF65-F5344CB8AC3E}">
+        <p14:creationId xmlns:p14="http://schemas.microsoft.com/office/powerpoint/2010/main" val="2509141718"/>
+      </p:ext>
+    </p:extLst>
+  </p:cSld>
+  <p:clrMapOvr>
+    <a:masterClrMapping/>
+  </p:clrMapOvr>
+</p:sld>
+</file>
+
+<file path=ppt/slides/slide17.xml><?xml version="1.0" encoding="utf-8"?>
+<p:sld xmlns:a="http://schemas.openxmlformats.org/drawingml/2006/main" xmlns:r="http://schemas.openxmlformats.org/officeDocument/2006/relationships" xmlns:p="http://schemas.openxmlformats.org/presentationml/2006/main">
+  <p:cSld>
+    <p:spTree>
+      <p:nvGrpSpPr>
+        <p:cNvPr id="1" name=""/>
+        <p:cNvGrpSpPr/>
+        <p:nvPr/>
+      </p:nvGrpSpPr>
+      <p:grpSpPr>
+        <a:xfrm>
+          <a:off x="0" y="0"/>
+          <a:ext cx="0" cy="0"/>
+          <a:chOff x="0" y="0"/>
+          <a:chExt cx="0" cy="0"/>
+        </a:xfrm>
+      </p:grpSpPr>
+      <p:sp>
+        <p:nvSpPr>
+          <p:cNvPr id="2" name="Title 1">
+            <a:extLst>
+              <a:ext uri="{FF2B5EF4-FFF2-40B4-BE49-F238E27FC236}">
+                <a16:creationId xmlns:a16="http://schemas.microsoft.com/office/drawing/2014/main" id="{754F743E-B7A9-4184-B8F4-7285A75460A9}"/>
+              </a:ext>
+            </a:extLst>
+          </p:cNvPr>
+          <p:cNvSpPr>
+            <a:spLocks noGrp="1"/>
+          </p:cNvSpPr>
+          <p:nvPr>
+            <p:ph type="title"/>
+          </p:nvPr>
+        </p:nvSpPr>
+        <p:spPr>
+          <a:xfrm>
+            <a:off x="1141413" y="618518"/>
+            <a:ext cx="9905998" cy="727682"/>
+          </a:xfrm>
+        </p:spPr>
+        <p:txBody>
+          <a:bodyPr>
+            <a:normAutofit/>
+          </a:bodyPr>
+          <a:lstStyle/>
+          <a:p>
+            <a:r>
+              <a:rPr lang="en-US" b="1" i="0" dirty="0">
                 <a:solidFill>
                   <a:srgbClr val="C9D1D9"/>
                 </a:solidFill>
                 <a:effectLst/>
                 <a:latin typeface="-apple-system"/>
               </a:rPr>
-              <a:t>W</a:t>
-            </a:r>
+              <a:t>Assessment</a:t>
+            </a:r>
+            <a:endParaRPr lang="en-US" dirty="0"/>
+          </a:p>
+        </p:txBody>
+      </p:sp>
+      <p:sp>
+        <p:nvSpPr>
+          <p:cNvPr id="3" name="Content Placeholder 2">
+            <a:extLst>
+              <a:ext uri="{FF2B5EF4-FFF2-40B4-BE49-F238E27FC236}">
+                <a16:creationId xmlns:a16="http://schemas.microsoft.com/office/drawing/2014/main" id="{7145EA6D-059F-4443-BE7C-3460F7560894}"/>
+              </a:ext>
+            </a:extLst>
+          </p:cNvPr>
+          <p:cNvSpPr>
+            <a:spLocks noGrp="1"/>
+          </p:cNvSpPr>
+          <p:nvPr>
+            <p:ph idx="1"/>
+          </p:nvPr>
+        </p:nvSpPr>
+        <p:spPr>
+          <a:xfrm>
+            <a:off x="1141412" y="1748118"/>
+            <a:ext cx="9905999" cy="4043083"/>
+          </a:xfrm>
+        </p:spPr>
+        <p:txBody>
+          <a:bodyPr>
+            <a:normAutofit/>
+          </a:bodyPr>
+          <a:lstStyle/>
+          <a:p>
+            <a:pPr algn="l">
+              <a:buFont typeface="Arial" panose="020B0604020202020204" pitchFamily="34" charset="0"/>
+              <a:buChar char="•"/>
+            </a:pPr>
+            <a:r>
+              <a:rPr lang="en-US" b="0" i="0" dirty="0">
+                <a:solidFill>
+                  <a:srgbClr val="C9D1D9"/>
+                </a:solidFill>
+                <a:effectLst/>
+                <a:latin typeface="-apple-system"/>
+              </a:rPr>
+              <a:t>Improvement goals for the next sprint and how to achieve them (technical tasks, team coordination, etc.)</a:t>
+            </a:r>
+          </a:p>
+          <a:p>
+            <a:pPr marL="457200" indent="-457200" algn="l">
+              <a:buAutoNum type="arabicPeriod"/>
+            </a:pPr>
             <a:r>
               <a:rPr lang="en-US" sz="2000" dirty="0">
                 <a:solidFill>
-                  <a:srgbClr val="C9D1D9"/>
+                  <a:srgbClr val="FF0000"/>
+                </a:solidFill>
+                <a:latin typeface="-apple-system"/>
+              </a:rPr>
+              <a:t>We need to increase the technical debt remediation time and to increase the number of technical tasks needed to refactor our code and make the UI responsive.</a:t>
+            </a:r>
+          </a:p>
+          <a:p>
+            <a:pPr marL="457200" indent="-457200" algn="l">
+              <a:buAutoNum type="arabicPeriod"/>
+            </a:pPr>
+            <a:r>
+              <a:rPr lang="en-US" sz="2000" b="0" i="0" dirty="0">
+                <a:solidFill>
+                  <a:srgbClr val="FF0000"/>
+                </a:solidFill>
+                <a:effectLst/>
+                <a:latin typeface="-apple-system"/>
+              </a:rPr>
+              <a:t>W</a:t>
+            </a:r>
+            <a:r>
+              <a:rPr lang="en-US" sz="2000" dirty="0">
+                <a:solidFill>
+                  <a:srgbClr val="FF0000"/>
                 </a:solidFill>
                 <a:latin typeface="-apple-system"/>
               </a:rPr>
@@ -13656,7 +13854,7 @@
             </a:r>
             <a:endParaRPr lang="en-US" b="0" i="0" dirty="0">
               <a:solidFill>
-                <a:srgbClr val="C9D1D9"/>
+                <a:srgbClr val="FF0000"/>
               </a:solidFill>
               <a:effectLst/>
               <a:latin typeface="-apple-system"/>
@@ -13677,7 +13875,7 @@
 </p:sld>
 </file>
 
-<file path=ppt/slides/slide17.xml><?xml version="1.0" encoding="utf-8"?>
+<file path=ppt/slides/slide18.xml><?xml version="1.0" encoding="utf-8"?>
 <p:sld xmlns:a="http://schemas.openxmlformats.org/drawingml/2006/main" xmlns:r="http://schemas.openxmlformats.org/officeDocument/2006/relationships" xmlns:p="http://schemas.openxmlformats.org/presentationml/2006/main">
   <p:cSld>
     <p:spTree>
@@ -15117,7 +15315,7 @@
         </p:spPr>
         <p:txBody>
           <a:bodyPr>
-            <a:normAutofit/>
+            <a:normAutofit fontScale="90000"/>
           </a:bodyPr>
           <a:lstStyle/>
           <a:p>
@@ -15129,15 +15327,22 @@
                 <a:effectLst/>
                 <a:latin typeface="-apple-system"/>
               </a:rPr>
-              <a:t>Detailed Statistics</a:t>
-            </a:r>
-            <a:endParaRPr lang="en-US" dirty="0">
-              <a:solidFill>
-                <a:schemeClr val="tx1">
-                  <a:lumMod val="85000"/>
-                </a:schemeClr>
-              </a:solidFill>
-            </a:endParaRPr>
+              <a:t>PROCESS MEASURES</a:t>
+            </a:r>
+            <a:br>
+              <a:rPr lang="en-US" b="1" i="0" dirty="0">
+                <a:solidFill>
+                  <a:srgbClr val="C9D1D9"/>
+                </a:solidFill>
+                <a:effectLst/>
+                <a:latin typeface="-apple-system"/>
+              </a:rPr>
+            </a:br>
+            <a:r>
+              <a:rPr lang="en-US" sz="2800" dirty="0"/>
+              <a:t>detailed statistics - 5</a:t>
+            </a:r>
+            <a:endParaRPr lang="en-US" dirty="0"/>
           </a:p>
         </p:txBody>
       </p:sp>
@@ -15159,8 +15364,8 @@
         </p:nvSpPr>
         <p:spPr>
           <a:xfrm>
-            <a:off x="1141412" y="2286000"/>
-            <a:ext cx="10476847" cy="3953482"/>
+            <a:off x="1141412" y="1625600"/>
+            <a:ext cx="10476847" cy="4613882"/>
           </a:xfrm>
         </p:spPr>
         <p:txBody>
@@ -15169,52 +15374,45 @@
           </a:bodyPr>
           <a:lstStyle/>
           <a:p>
-            <a:pPr marL="860425" indent="-457200">
-              <a:lnSpc>
-                <a:spcPct val="100000"/>
-              </a:lnSpc>
+            <a:r>
+              <a:rPr lang="en-US" dirty="0"/>
+              <a:t>Fixed Git issues in this Sprint:</a:t>
+            </a:r>
+          </a:p>
+          <a:p>
+            <a:pPr marL="457200" indent="-457200">
+              <a:buFont typeface="+mj-lt"/>
+              <a:buAutoNum type="arabicPeriod"/>
             </a:pPr>
             <a:r>
-              <a:rPr lang="en-US" sz="2800" dirty="0"/>
-              <a:t>Average Hour per task : 100.8(hours)/ 26(#tasks) = 3.87 hours</a:t>
-            </a:r>
-          </a:p>
-          <a:p>
-            <a:pPr marL="860425" indent="-457200">
-              <a:lnSpc>
-                <a:spcPct val="100000"/>
-              </a:lnSpc>
+              <a:rPr lang="en-US" sz="2000" dirty="0"/>
+              <a:t>Navbar color contrast issue </a:t>
+            </a:r>
+            <a:r>
+              <a:rPr lang="en-US" sz="2000" dirty="0">
+                <a:sym typeface="Wingdings" panose="05000000000000000000" pitchFamily="2" charset="2"/>
+              </a:rPr>
+              <a:t> Navbar was completely redesigned</a:t>
+            </a:r>
+          </a:p>
+          <a:p>
+            <a:pPr marL="457200" indent="-457200">
+              <a:buFont typeface="+mj-lt"/>
+              <a:buAutoNum type="arabicPeriod"/>
             </a:pPr>
             <a:r>
-              <a:rPr lang="en-US" sz="2800" dirty="0"/>
-              <a:t>Standard deviation: 0.54</a:t>
-            </a:r>
-          </a:p>
-          <a:p>
-            <a:pPr marL="860425" indent="-457200">
-              <a:lnSpc>
-                <a:spcPct val="100000"/>
-              </a:lnSpc>
-            </a:pPr>
-            <a:r>
-              <a:rPr lang="en-US" sz="2800" dirty="0"/>
-              <a:t>Total task estimation error ratio: 0.972</a:t>
-            </a:r>
-          </a:p>
-          <a:p>
-            <a:pPr marL="403225" indent="0">
-              <a:lnSpc>
-                <a:spcPct val="100000"/>
-              </a:lnSpc>
-              <a:buNone/>
-            </a:pPr>
-            <a:endParaRPr lang="en-US" sz="2800" dirty="0"/>
-          </a:p>
-          <a:p>
-            <a:pPr marL="403225" indent="0">
-              <a:lnSpc>
-                <a:spcPct val="100000"/>
-              </a:lnSpc>
+              <a:rPr lang="en-US" sz="2000" dirty="0">
+                <a:sym typeface="Wingdings" panose="05000000000000000000" pitchFamily="2" charset="2"/>
+              </a:rPr>
+              <a:t>Shopping cart not allowing floating point values  shopping cart now increments the quantity by 0.5 units instead of 1 unit</a:t>
+            </a:r>
+            <a:r>
+              <a:rPr lang="en-US" sz="2000" dirty="0"/>
+              <a:t> </a:t>
+            </a:r>
+          </a:p>
+          <a:p>
+            <a:pPr marL="0" indent="0">
               <a:buNone/>
             </a:pPr>
             <a:endParaRPr lang="en-US" sz="2000" dirty="0"/>
@@ -15233,7 +15431,7 @@
     </p:spTree>
     <p:extLst>
       <p:ext uri="{BB962C8B-B14F-4D97-AF65-F5344CB8AC3E}">
-        <p14:creationId xmlns:p14="http://schemas.microsoft.com/office/powerpoint/2010/main" val="1305819393"/>
+        <p14:creationId xmlns:p14="http://schemas.microsoft.com/office/powerpoint/2010/main" val="690800676"/>
       </p:ext>
     </p:extLst>
   </p:cSld>
@@ -15284,7 +15482,7 @@
         </p:spPr>
         <p:txBody>
           <a:bodyPr>
-            <a:normAutofit fontScale="90000"/>
+            <a:normAutofit/>
           </a:bodyPr>
           <a:lstStyle/>
           <a:p>
@@ -15296,22 +15494,15 @@
                 <a:effectLst/>
                 <a:latin typeface="-apple-system"/>
               </a:rPr>
-              <a:t>QUALITY MEASURES</a:t>
-            </a:r>
-            <a:br>
-              <a:rPr lang="en-US" b="1" i="0" dirty="0">
-                <a:solidFill>
-                  <a:srgbClr val="C9D1D9"/>
-                </a:solidFill>
-                <a:effectLst/>
-                <a:latin typeface="-apple-system"/>
-              </a:rPr>
-            </a:br>
-            <a:r>
-              <a:rPr lang="en-US" sz="2800" dirty="0"/>
-              <a:t>UNIT TESTING</a:t>
-            </a:r>
-            <a:endParaRPr lang="en-US" dirty="0"/>
+              <a:t>Detailed Statistics</a:t>
+            </a:r>
+            <a:endParaRPr lang="en-US" dirty="0">
+              <a:solidFill>
+                <a:schemeClr val="tx1">
+                  <a:lumMod val="85000"/>
+                </a:schemeClr>
+              </a:solidFill>
+            </a:endParaRPr>
           </a:p>
         </p:txBody>
       </p:sp>
@@ -15333,129 +15524,81 @@
         </p:nvSpPr>
         <p:spPr>
           <a:xfrm>
-            <a:off x="1141412" y="2413000"/>
-            <a:ext cx="9905999" cy="3378201"/>
+            <a:off x="1141412" y="2286000"/>
+            <a:ext cx="10476847" cy="3953482"/>
           </a:xfrm>
         </p:spPr>
         <p:txBody>
-          <a:bodyPr/>
+          <a:bodyPr>
+            <a:normAutofit/>
+          </a:bodyPr>
           <a:lstStyle/>
           <a:p>
-            <a:r>
-              <a:rPr lang="en-US" b="0" i="0" dirty="0">
-                <a:solidFill>
-                  <a:srgbClr val="C9D1D9"/>
-                </a:solidFill>
-                <a:effectLst/>
-                <a:latin typeface="-apple-system"/>
-              </a:rPr>
-              <a:t>Total hours estimated: 3d 6h (for implementing tests)</a:t>
-            </a:r>
-          </a:p>
-          <a:p>
-            <a:r>
-              <a:rPr lang="en-US" b="0" i="0" dirty="0">
-                <a:solidFill>
-                  <a:srgbClr val="C9D1D9"/>
-                </a:solidFill>
-                <a:effectLst/>
-                <a:latin typeface="-apple-system"/>
-              </a:rPr>
-              <a:t>Total hours spent: 1d 5h (of testing)</a:t>
-            </a:r>
-          </a:p>
-          <a:p>
-            <a:r>
-              <a:rPr lang="en-US" b="0" i="0" dirty="0">
-                <a:solidFill>
-                  <a:srgbClr val="C9D1D9"/>
-                </a:solidFill>
-                <a:effectLst/>
-                <a:latin typeface="-apple-system"/>
-              </a:rPr>
-              <a:t>Nr of automated unit test cases: </a:t>
-            </a:r>
-            <a:r>
-              <a:rPr lang="en-US" b="0" i="0" dirty="0">
-                <a:solidFill>
-                  <a:srgbClr val="FF0000"/>
-                </a:solidFill>
-                <a:effectLst/>
-                <a:latin typeface="-apple-system"/>
-              </a:rPr>
-              <a:t>-----modify---- </a:t>
-            </a:r>
-            <a:r>
-              <a:rPr lang="en-US" b="0" i="0" dirty="0">
-                <a:solidFill>
-                  <a:srgbClr val="C9D1D9"/>
-                </a:solidFill>
-                <a:effectLst/>
-                <a:latin typeface="-apple-system"/>
-              </a:rPr>
-              <a:t>for BE +  for FE</a:t>
-            </a:r>
-            <a:r>
-              <a:rPr lang="en-US" b="0" i="0" dirty="0">
-                <a:effectLst/>
-                <a:latin typeface="-apple-system"/>
-              </a:rPr>
-              <a:t> = </a:t>
-            </a:r>
-            <a:r>
-              <a:rPr lang="en-US" b="0" i="0" dirty="0">
-                <a:solidFill>
-                  <a:srgbClr val="C9D1D9"/>
-                </a:solidFill>
-                <a:effectLst/>
-                <a:latin typeface="-apple-system"/>
-              </a:rPr>
-              <a:t> unit test cases</a:t>
-            </a:r>
-          </a:p>
-          <a:p>
-            <a:r>
-              <a:rPr lang="en-US" b="0" i="0" dirty="0">
-                <a:solidFill>
-                  <a:srgbClr val="C9D1D9"/>
-                </a:solidFill>
-                <a:effectLst/>
-                <a:latin typeface="-apple-system"/>
-              </a:rPr>
-              <a:t>Coverage: 0% </a:t>
-            </a:r>
-            <a:r>
-              <a:rPr lang="en-US" b="1" i="0" dirty="0">
-                <a:solidFill>
-                  <a:srgbClr val="FF0000"/>
-                </a:solidFill>
-                <a:effectLst/>
-                <a:latin typeface="-apple-system"/>
-              </a:rPr>
-              <a:t>(Could not get SonarCloud to read the coverage – we estimated it to be around 22% based on the outputs of the testing)</a:t>
-            </a:r>
-          </a:p>
-          <a:p>
-            <a:pPr marL="0" indent="0">
-              <a:buNone/>
+            <a:pPr marL="860425" indent="-457200">
+              <a:lnSpc>
+                <a:spcPct val="100000"/>
+              </a:lnSpc>
             </a:pPr>
-            <a:endParaRPr lang="en-US" b="0" i="0" dirty="0">
-              <a:solidFill>
-                <a:srgbClr val="C9D1D9"/>
-              </a:solidFill>
-              <a:effectLst/>
-              <a:latin typeface="-apple-system"/>
-            </a:endParaRPr>
-          </a:p>
-          <a:p>
-            <a:endParaRPr lang="en-US" dirty="0"/>
+            <a:r>
+              <a:rPr lang="en-US" sz="2800" dirty="0"/>
+              <a:t>Average Hour per task : 100.8(hours)/ 26(#tasks) = 3.87 hours</a:t>
+            </a:r>
+          </a:p>
+          <a:p>
+            <a:pPr marL="860425" indent="-457200">
+              <a:lnSpc>
+                <a:spcPct val="100000"/>
+              </a:lnSpc>
+            </a:pPr>
+            <a:r>
+              <a:rPr lang="en-US" sz="2800" dirty="0"/>
+              <a:t>Standard deviation: 0.54</a:t>
+            </a:r>
+          </a:p>
+          <a:p>
+            <a:pPr marL="860425" indent="-457200">
+              <a:lnSpc>
+                <a:spcPct val="100000"/>
+              </a:lnSpc>
+            </a:pPr>
+            <a:r>
+              <a:rPr lang="en-US" sz="2800" dirty="0"/>
+              <a:t>Total task estimation error ratio: 0.972</a:t>
+            </a:r>
+          </a:p>
+          <a:p>
+            <a:pPr marL="403225" indent="0">
+              <a:lnSpc>
+                <a:spcPct val="100000"/>
+              </a:lnSpc>
+              <a:buNone/>
+            </a:pPr>
+            <a:endParaRPr lang="en-US" sz="2800" dirty="0"/>
+          </a:p>
+          <a:p>
+            <a:pPr marL="403225" indent="0">
+              <a:lnSpc>
+                <a:spcPct val="100000"/>
+              </a:lnSpc>
+              <a:buNone/>
+            </a:pPr>
+            <a:endParaRPr lang="en-US" sz="2000" dirty="0"/>
+          </a:p>
+          <a:p>
+            <a:pPr marL="403225" indent="0">
+              <a:lnSpc>
+                <a:spcPct val="100000"/>
+              </a:lnSpc>
+              <a:buNone/>
+            </a:pPr>
+            <a:endParaRPr lang="en-US" sz="2000" dirty="0"/>
           </a:p>
         </p:txBody>
       </p:sp>
     </p:spTree>
     <p:extLst>
       <p:ext uri="{BB962C8B-B14F-4D97-AF65-F5344CB8AC3E}">
-        <p14:creationId xmlns:p14="http://schemas.microsoft.com/office/powerpoint/2010/main" val="3081897414"/>
+        <p14:creationId xmlns:p14="http://schemas.microsoft.com/office/powerpoint/2010/main" val="1305819393"/>
       </p:ext>
     </p:extLst>
   </p:cSld>
@@ -15531,7 +15674,7 @@
             </a:br>
             <a:r>
               <a:rPr lang="en-US" sz="2800" dirty="0"/>
-              <a:t>E2e testing</a:t>
+              <a:t>UNIT TESTING</a:t>
             </a:r>
             <a:endParaRPr lang="en-US" dirty="0"/>
           </a:p>
@@ -15563,10 +15706,6 @@
           <a:bodyPr/>
           <a:lstStyle/>
           <a:p>
-            <a:pPr algn="l">
-              <a:buFont typeface="Arial" panose="020B0604020202020204" pitchFamily="34" charset="0"/>
-              <a:buChar char="•"/>
-            </a:pPr>
             <a:r>
               <a:rPr lang="en-US" b="0" i="0" dirty="0">
                 <a:solidFill>
@@ -15575,18 +15714,126 @@
                 <a:effectLst/>
                 <a:latin typeface="-apple-system"/>
               </a:rPr>
-              <a:t>Total hours estimated: </a:t>
-            </a:r>
+              <a:t>Total hours estimated: 3d 6h (for implementing tests)</a:t>
+            </a:r>
+          </a:p>
+          <a:p>
             <a:r>
               <a:rPr lang="en-US" b="0" i="0" dirty="0">
                 <a:solidFill>
-                  <a:srgbClr val="D4D4D4"/>
+                  <a:srgbClr val="C9D1D9"/>
                 </a:solidFill>
                 <a:effectLst/>
                 <a:latin typeface="-apple-system"/>
               </a:rPr>
-              <a:t>8h (1h per story) - included inside each story</a:t>
-            </a:r>
+              <a:t>Total hours spent: 1d 5h (of testing)</a:t>
+            </a:r>
+          </a:p>
+          <a:p>
+            <a:r>
+              <a:rPr lang="en-US" b="0" i="0" dirty="0">
+                <a:solidFill>
+                  <a:srgbClr val="C9D1D9"/>
+                </a:solidFill>
+                <a:effectLst/>
+                <a:latin typeface="-apple-system"/>
+              </a:rPr>
+              <a:t>Nr of automated unit test cases: </a:t>
+            </a:r>
+            <a:r>
+              <a:rPr lang="en-US" dirty="0">
+                <a:solidFill>
+                  <a:schemeClr val="tx1">
+                    <a:lumMod val="85000"/>
+                  </a:schemeClr>
+                </a:solidFill>
+                <a:latin typeface="-apple-system"/>
+              </a:rPr>
+              <a:t>46</a:t>
+            </a:r>
+            <a:r>
+              <a:rPr lang="en-US" b="0" i="0" dirty="0">
+                <a:solidFill>
+                  <a:srgbClr val="FF0000"/>
+                </a:solidFill>
+                <a:effectLst/>
+                <a:latin typeface="-apple-system"/>
+              </a:rPr>
+              <a:t> </a:t>
+            </a:r>
+            <a:r>
+              <a:rPr lang="en-US" b="0" i="0" dirty="0">
+                <a:solidFill>
+                  <a:srgbClr val="C9D1D9"/>
+                </a:solidFill>
+                <a:effectLst/>
+                <a:latin typeface="-apple-system"/>
+              </a:rPr>
+              <a:t>for BE + </a:t>
+            </a:r>
+            <a:r>
+              <a:rPr lang="en-US" dirty="0">
+                <a:solidFill>
+                  <a:srgbClr val="C9D1D9"/>
+                </a:solidFill>
+                <a:latin typeface="-apple-system"/>
+              </a:rPr>
+              <a:t>47</a:t>
+            </a:r>
+            <a:r>
+              <a:rPr lang="en-US" b="0" i="0" dirty="0">
+                <a:solidFill>
+                  <a:srgbClr val="C9D1D9"/>
+                </a:solidFill>
+                <a:effectLst/>
+                <a:latin typeface="-apple-system"/>
+              </a:rPr>
+              <a:t> for FE</a:t>
+            </a:r>
+            <a:r>
+              <a:rPr lang="en-US" b="0" i="0" dirty="0">
+                <a:effectLst/>
+                <a:latin typeface="-apple-system"/>
+              </a:rPr>
+              <a:t> = </a:t>
+            </a:r>
+            <a:r>
+              <a:rPr lang="en-US" b="0" i="0" dirty="0">
+                <a:solidFill>
+                  <a:srgbClr val="C9D1D9"/>
+                </a:solidFill>
+                <a:effectLst/>
+                <a:latin typeface="-apple-system"/>
+              </a:rPr>
+              <a:t>93 unit test cases</a:t>
+            </a:r>
+          </a:p>
+          <a:p>
+            <a:r>
+              <a:rPr lang="en-US" b="0" i="0" dirty="0">
+                <a:solidFill>
+                  <a:srgbClr val="C9D1D9"/>
+                </a:solidFill>
+                <a:effectLst/>
+                <a:latin typeface="-apple-system"/>
+              </a:rPr>
+              <a:t>Coverage: 60% </a:t>
+            </a:r>
+            <a:r>
+              <a:rPr lang="en-US" b="1" i="0" dirty="0">
+                <a:solidFill>
+                  <a:srgbClr val="FF0000"/>
+                </a:solidFill>
+                <a:effectLst/>
+                <a:latin typeface="-apple-system"/>
+              </a:rPr>
+              <a:t>(Could not get SonarCloud to read the coverage – we estimated it to be around 60% based on the outputs of the testing)</a:t>
+            </a:r>
+          </a:p>
+          <a:p>
+            <a:pPr marL="0" indent="0">
+              <a:buNone/>
+            </a:pPr>
             <a:endParaRPr lang="en-US" b="0" i="0" dirty="0">
               <a:solidFill>
                 <a:srgbClr val="C9D1D9"/>
@@ -15596,27 +15843,14 @@
             </a:endParaRPr>
           </a:p>
           <a:p>
-            <a:pPr algn="l">
-              <a:buFont typeface="Arial" panose="020B0604020202020204" pitchFamily="34" charset="0"/>
-              <a:buChar char="•"/>
-            </a:pPr>
-            <a:r>
-              <a:rPr lang="en-US" b="0" i="0" dirty="0">
-                <a:solidFill>
-                  <a:srgbClr val="C9D1D9"/>
-                </a:solidFill>
-                <a:effectLst/>
-                <a:latin typeface="-apple-system"/>
-              </a:rPr>
-              <a:t>Total hours spent: 8h</a:t>
-            </a:r>
+            <a:endParaRPr lang="en-US" dirty="0"/>
           </a:p>
         </p:txBody>
       </p:sp>
     </p:spTree>
     <p:extLst>
       <p:ext uri="{BB962C8B-B14F-4D97-AF65-F5344CB8AC3E}">
-        <p14:creationId xmlns:p14="http://schemas.microsoft.com/office/powerpoint/2010/main" val="3411864294"/>
+        <p14:creationId xmlns:p14="http://schemas.microsoft.com/office/powerpoint/2010/main" val="3081897414"/>
       </p:ext>
     </p:extLst>
   </p:cSld>

--- a/Retrospective/Sprint 3 - Retrospective.pptx
+++ b/Retrospective/Sprint 3 - Retrospective.pptx
@@ -186,7 +186,7 @@
           <a:noFill/>
           <a:extLst>
             <a:ext uri="{909E8E84-426E-40dd-AFC4-6F175D3DCCD1}">
-              <a14:hiddenFill xmlns:a14="http://schemas.microsoft.com/office/drawing/2010/main" xmlns="">
+              <a14:hiddenFill xmlns="" xmlns:a14="http://schemas.microsoft.com/office/drawing/2010/main">
                 <a:solidFill>
                   <a:srgbClr val="FFFFFF"/>
                 </a:solidFill>
@@ -245,7 +245,7 @@
             </a:ln>
             <a:extLst>
               <a:ext uri="{91240B29-F687-4f45-9708-019B960494DF}">
-                <a14:hiddenLine xmlns:a14="http://schemas.microsoft.com/office/drawing/2010/main" xmlns="" w="9525">
+                <a14:hiddenLine xmlns="" xmlns:a14="http://schemas.microsoft.com/office/drawing/2010/main" w="9525">
                   <a:solidFill>
                     <a:srgbClr val="000000"/>
                   </a:solidFill>
@@ -335,7 +335,7 @@
             </a:ln>
             <a:extLst>
               <a:ext uri="{91240B29-F687-4f45-9708-019B960494DF}">
-                <a14:hiddenLine xmlns:a14="http://schemas.microsoft.com/office/drawing/2010/main" xmlns="" w="9525">
+                <a14:hiddenLine xmlns="" xmlns:a14="http://schemas.microsoft.com/office/drawing/2010/main" w="9525">
                   <a:solidFill>
                     <a:srgbClr val="000000"/>
                   </a:solidFill>
@@ -425,7 +425,7 @@
             </a:ln>
             <a:extLst>
               <a:ext uri="{91240B29-F687-4f45-9708-019B960494DF}">
-                <a14:hiddenLine xmlns:a14="http://schemas.microsoft.com/office/drawing/2010/main" xmlns="" w="9525">
+                <a14:hiddenLine xmlns="" xmlns:a14="http://schemas.microsoft.com/office/drawing/2010/main" w="9525">
                   <a:solidFill>
                     <a:srgbClr val="000000"/>
                   </a:solidFill>
@@ -459,7 +459,7 @@
             </a:ln>
             <a:extLst>
               <a:ext uri="{91240B29-F687-4f45-9708-019B960494DF}">
-                <a14:hiddenLine xmlns:a14="http://schemas.microsoft.com/office/drawing/2010/main" xmlns="" w="9525">
+                <a14:hiddenLine xmlns="" xmlns:a14="http://schemas.microsoft.com/office/drawing/2010/main" w="9525">
                   <a:solidFill>
                     <a:srgbClr val="000000"/>
                   </a:solidFill>
@@ -549,7 +549,7 @@
             </a:ln>
             <a:extLst>
               <a:ext uri="{91240B29-F687-4f45-9708-019B960494DF}">
-                <a14:hiddenLine xmlns:a14="http://schemas.microsoft.com/office/drawing/2010/main" xmlns="" w="9525">
+                <a14:hiddenLine xmlns="" xmlns:a14="http://schemas.microsoft.com/office/drawing/2010/main" w="9525">
                   <a:solidFill>
                     <a:srgbClr val="000000"/>
                   </a:solidFill>
@@ -611,7 +611,7 @@
             </a:ln>
             <a:extLst>
               <a:ext uri="{91240B29-F687-4f45-9708-019B960494DF}">
-                <a14:hiddenLine xmlns:a14="http://schemas.microsoft.com/office/drawing/2010/main" xmlns="" w="9525">
+                <a14:hiddenLine xmlns="" xmlns:a14="http://schemas.microsoft.com/office/drawing/2010/main" w="9525">
                   <a:solidFill>
                     <a:srgbClr val="000000"/>
                   </a:solidFill>
@@ -673,7 +673,7 @@
             </a:ln>
             <a:extLst>
               <a:ext uri="{91240B29-F687-4f45-9708-019B960494DF}">
-                <a14:hiddenLine xmlns:a14="http://schemas.microsoft.com/office/drawing/2010/main" xmlns="" w="9525">
+                <a14:hiddenLine xmlns="" xmlns:a14="http://schemas.microsoft.com/office/drawing/2010/main" w="9525">
                   <a:solidFill>
                     <a:srgbClr val="000000"/>
                   </a:solidFill>
@@ -763,7 +763,7 @@
             </a:ln>
             <a:extLst>
               <a:ext uri="{91240B29-F687-4f45-9708-019B960494DF}">
-                <a14:hiddenLine xmlns:a14="http://schemas.microsoft.com/office/drawing/2010/main" xmlns="" w="9525">
+                <a14:hiddenLine xmlns="" xmlns:a14="http://schemas.microsoft.com/office/drawing/2010/main" w="9525">
                   <a:solidFill>
                     <a:srgbClr val="000000"/>
                   </a:solidFill>
@@ -825,7 +825,7 @@
             </a:ln>
             <a:extLst>
               <a:ext uri="{91240B29-F687-4f45-9708-019B960494DF}">
-                <a14:hiddenLine xmlns:a14="http://schemas.microsoft.com/office/drawing/2010/main" xmlns="" w="9525">
+                <a14:hiddenLine xmlns="" xmlns:a14="http://schemas.microsoft.com/office/drawing/2010/main" w="9525">
                   <a:solidFill>
                     <a:srgbClr val="000000"/>
                   </a:solidFill>
@@ -887,7 +887,7 @@
             </a:ln>
             <a:extLst>
               <a:ext uri="{91240B29-F687-4f45-9708-019B960494DF}">
-                <a14:hiddenLine xmlns:a14="http://schemas.microsoft.com/office/drawing/2010/main" xmlns="" w="9525">
+                <a14:hiddenLine xmlns="" xmlns:a14="http://schemas.microsoft.com/office/drawing/2010/main" w="9525">
                   <a:solidFill>
                     <a:srgbClr val="000000"/>
                   </a:solidFill>
@@ -977,7 +977,7 @@
             </a:ln>
             <a:extLst>
               <a:ext uri="{91240B29-F687-4f45-9708-019B960494DF}">
-                <a14:hiddenLine xmlns:a14="http://schemas.microsoft.com/office/drawing/2010/main" xmlns="" w="9525">
+                <a14:hiddenLine xmlns="" xmlns:a14="http://schemas.microsoft.com/office/drawing/2010/main" w="9525">
                   <a:solidFill>
                     <a:srgbClr val="000000"/>
                   </a:solidFill>
@@ -1067,7 +1067,7 @@
             </a:ln>
             <a:extLst>
               <a:ext uri="{91240B29-F687-4f45-9708-019B960494DF}">
-                <a14:hiddenLine xmlns:a14="http://schemas.microsoft.com/office/drawing/2010/main" xmlns="" w="9525">
+                <a14:hiddenLine xmlns="" xmlns:a14="http://schemas.microsoft.com/office/drawing/2010/main" w="9525">
                   <a:solidFill>
                     <a:srgbClr val="000000"/>
                   </a:solidFill>
@@ -1129,7 +1129,7 @@
             </a:ln>
             <a:extLst>
               <a:ext uri="{91240B29-F687-4f45-9708-019B960494DF}">
-                <a14:hiddenLine xmlns:a14="http://schemas.microsoft.com/office/drawing/2010/main" xmlns="" w="9525">
+                <a14:hiddenLine xmlns="" xmlns:a14="http://schemas.microsoft.com/office/drawing/2010/main" w="9525">
                   <a:solidFill>
                     <a:srgbClr val="000000"/>
                   </a:solidFill>
@@ -1239,7 +1239,7 @@
             </a:ln>
             <a:extLst>
               <a:ext uri="{91240B29-F687-4f45-9708-019B960494DF}">
-                <a14:hiddenLine xmlns:a14="http://schemas.microsoft.com/office/drawing/2010/main" xmlns="" w="9525">
+                <a14:hiddenLine xmlns="" xmlns:a14="http://schemas.microsoft.com/office/drawing/2010/main" w="9525">
                   <a:solidFill>
                     <a:srgbClr val="000000"/>
                   </a:solidFill>
@@ -1301,7 +1301,7 @@
             </a:ln>
             <a:extLst>
               <a:ext uri="{91240B29-F687-4f45-9708-019B960494DF}">
-                <a14:hiddenLine xmlns:a14="http://schemas.microsoft.com/office/drawing/2010/main" xmlns="" w="9525">
+                <a14:hiddenLine xmlns="" xmlns:a14="http://schemas.microsoft.com/office/drawing/2010/main" w="9525">
                   <a:solidFill>
                     <a:srgbClr val="000000"/>
                   </a:solidFill>
@@ -1391,7 +1391,7 @@
             </a:ln>
             <a:extLst>
               <a:ext uri="{91240B29-F687-4f45-9708-019B960494DF}">
-                <a14:hiddenLine xmlns:a14="http://schemas.microsoft.com/office/drawing/2010/main" xmlns="" w="9525">
+                <a14:hiddenLine xmlns="" xmlns:a14="http://schemas.microsoft.com/office/drawing/2010/main" w="9525">
                   <a:solidFill>
                     <a:srgbClr val="000000"/>
                   </a:solidFill>
@@ -1481,7 +1481,7 @@
             </a:ln>
             <a:extLst>
               <a:ext uri="{91240B29-F687-4f45-9708-019B960494DF}">
-                <a14:hiddenLine xmlns:a14="http://schemas.microsoft.com/office/drawing/2010/main" xmlns="" w="9525">
+                <a14:hiddenLine xmlns="" xmlns:a14="http://schemas.microsoft.com/office/drawing/2010/main" w="9525">
                   <a:solidFill>
                     <a:srgbClr val="000000"/>
                   </a:solidFill>
@@ -1543,7 +1543,7 @@
             </a:ln>
             <a:extLst>
               <a:ext uri="{91240B29-F687-4f45-9708-019B960494DF}">
-                <a14:hiddenLine xmlns:a14="http://schemas.microsoft.com/office/drawing/2010/main" xmlns="" w="9525">
+                <a14:hiddenLine xmlns="" xmlns:a14="http://schemas.microsoft.com/office/drawing/2010/main" w="9525">
                   <a:solidFill>
                     <a:srgbClr val="000000"/>
                   </a:solidFill>
@@ -1633,7 +1633,7 @@
             </a:ln>
             <a:extLst>
               <a:ext uri="{91240B29-F687-4f45-9708-019B960494DF}">
-                <a14:hiddenLine xmlns:a14="http://schemas.microsoft.com/office/drawing/2010/main" xmlns="" w="9525">
+                <a14:hiddenLine xmlns="" xmlns:a14="http://schemas.microsoft.com/office/drawing/2010/main" w="9525">
                   <a:solidFill>
                     <a:srgbClr val="000000"/>
                   </a:solidFill>
@@ -1723,7 +1723,7 @@
             </a:ln>
             <a:extLst>
               <a:ext uri="{91240B29-F687-4f45-9708-019B960494DF}">
-                <a14:hiddenLine xmlns:a14="http://schemas.microsoft.com/office/drawing/2010/main" xmlns="" w="9525">
+                <a14:hiddenLine xmlns="" xmlns:a14="http://schemas.microsoft.com/office/drawing/2010/main" w="9525">
                   <a:solidFill>
                     <a:srgbClr val="000000"/>
                   </a:solidFill>
@@ -1779,7 +1779,7 @@
             </a:ln>
             <a:extLst>
               <a:ext uri="{91240B29-F687-4f45-9708-019B960494DF}">
-                <a14:hiddenLine xmlns:a14="http://schemas.microsoft.com/office/drawing/2010/main" xmlns="" w="9525">
+                <a14:hiddenLine xmlns="" xmlns:a14="http://schemas.microsoft.com/office/drawing/2010/main" w="9525">
                   <a:solidFill>
                     <a:srgbClr val="000000"/>
                   </a:solidFill>
@@ -1869,7 +1869,7 @@
             </a:ln>
             <a:extLst>
               <a:ext uri="{91240B29-F687-4f45-9708-019B960494DF}">
-                <a14:hiddenLine xmlns:a14="http://schemas.microsoft.com/office/drawing/2010/main" xmlns="" w="9525">
+                <a14:hiddenLine xmlns="" xmlns:a14="http://schemas.microsoft.com/office/drawing/2010/main" w="9525">
                   <a:solidFill>
                     <a:srgbClr val="000000"/>
                   </a:solidFill>
@@ -1925,7 +1925,7 @@
             </a:ln>
             <a:extLst>
               <a:ext uri="{91240B29-F687-4f45-9708-019B960494DF}">
-                <a14:hiddenLine xmlns:a14="http://schemas.microsoft.com/office/drawing/2010/main" xmlns="" w="9525">
+                <a14:hiddenLine xmlns="" xmlns:a14="http://schemas.microsoft.com/office/drawing/2010/main" w="9525">
                   <a:solidFill>
                     <a:srgbClr val="000000"/>
                   </a:solidFill>
@@ -2015,7 +2015,7 @@
             </a:ln>
             <a:extLst>
               <a:ext uri="{91240B29-F687-4f45-9708-019B960494DF}">
-                <a14:hiddenLine xmlns:a14="http://schemas.microsoft.com/office/drawing/2010/main" xmlns="" w="9525">
+                <a14:hiddenLine xmlns="" xmlns:a14="http://schemas.microsoft.com/office/drawing/2010/main" w="9525">
                   <a:solidFill>
                     <a:srgbClr val="000000"/>
                   </a:solidFill>
@@ -2083,7 +2083,7 @@
             </a:ln>
             <a:extLst>
               <a:ext uri="{91240B29-F687-4f45-9708-019B960494DF}">
-                <a14:hiddenLine xmlns:a14="http://schemas.microsoft.com/office/drawing/2010/main" xmlns="" w="9525">
+                <a14:hiddenLine xmlns="" xmlns:a14="http://schemas.microsoft.com/office/drawing/2010/main" w="9525">
                   <a:solidFill>
                     <a:srgbClr val="000000"/>
                   </a:solidFill>
@@ -2173,7 +2173,7 @@
             </a:ln>
             <a:extLst>
               <a:ext uri="{91240B29-F687-4f45-9708-019B960494DF}">
-                <a14:hiddenLine xmlns:a14="http://schemas.microsoft.com/office/drawing/2010/main" xmlns="" w="9525">
+                <a14:hiddenLine xmlns="" xmlns:a14="http://schemas.microsoft.com/office/drawing/2010/main" w="9525">
                   <a:solidFill>
                     <a:srgbClr val="000000"/>
                   </a:solidFill>
@@ -2241,7 +2241,7 @@
             </a:ln>
             <a:extLst>
               <a:ext uri="{91240B29-F687-4f45-9708-019B960494DF}">
-                <a14:hiddenLine xmlns:a14="http://schemas.microsoft.com/office/drawing/2010/main" xmlns="" w="9525">
+                <a14:hiddenLine xmlns="" xmlns:a14="http://schemas.microsoft.com/office/drawing/2010/main" w="9525">
                   <a:solidFill>
                     <a:srgbClr val="000000"/>
                   </a:solidFill>
@@ -2331,7 +2331,7 @@
             </a:ln>
             <a:extLst>
               <a:ext uri="{91240B29-F687-4f45-9708-019B960494DF}">
-                <a14:hiddenLine xmlns:a14="http://schemas.microsoft.com/office/drawing/2010/main" xmlns="" w="9525">
+                <a14:hiddenLine xmlns="" xmlns:a14="http://schemas.microsoft.com/office/drawing/2010/main" w="9525">
                   <a:solidFill>
                     <a:srgbClr val="000000"/>
                   </a:solidFill>
@@ -2365,7 +2365,7 @@
             </a:ln>
             <a:extLst>
               <a:ext uri="{91240B29-F687-4f45-9708-019B960494DF}">
-                <a14:hiddenLine xmlns:a14="http://schemas.microsoft.com/office/drawing/2010/main" xmlns="" w="9525">
+                <a14:hiddenLine xmlns="" xmlns:a14="http://schemas.microsoft.com/office/drawing/2010/main" w="9525">
                   <a:solidFill>
                     <a:srgbClr val="000000"/>
                   </a:solidFill>
@@ -2455,7 +2455,7 @@
             </a:ln>
             <a:extLst>
               <a:ext uri="{91240B29-F687-4f45-9708-019B960494DF}">
-                <a14:hiddenLine xmlns:a14="http://schemas.microsoft.com/office/drawing/2010/main" xmlns="" w="9525">
+                <a14:hiddenLine xmlns="" xmlns:a14="http://schemas.microsoft.com/office/drawing/2010/main" w="9525">
                   <a:solidFill>
                     <a:srgbClr val="000000"/>
                   </a:solidFill>
@@ -2517,7 +2517,7 @@
             </a:ln>
             <a:extLst>
               <a:ext uri="{91240B29-F687-4f45-9708-019B960494DF}">
-                <a14:hiddenLine xmlns:a14="http://schemas.microsoft.com/office/drawing/2010/main" xmlns="" w="9525">
+                <a14:hiddenLine xmlns="" xmlns:a14="http://schemas.microsoft.com/office/drawing/2010/main" w="9525">
                   <a:solidFill>
                     <a:srgbClr val="000000"/>
                   </a:solidFill>
@@ -2579,7 +2579,7 @@
             </a:ln>
             <a:extLst>
               <a:ext uri="{91240B29-F687-4f45-9708-019B960494DF}">
-                <a14:hiddenLine xmlns:a14="http://schemas.microsoft.com/office/drawing/2010/main" xmlns="" w="9525">
+                <a14:hiddenLine xmlns="" xmlns:a14="http://schemas.microsoft.com/office/drawing/2010/main" w="9525">
                   <a:solidFill>
                     <a:srgbClr val="000000"/>
                   </a:solidFill>
@@ -2669,7 +2669,7 @@
             </a:ln>
             <a:extLst>
               <a:ext uri="{91240B29-F687-4f45-9708-019B960494DF}">
-                <a14:hiddenLine xmlns:a14="http://schemas.microsoft.com/office/drawing/2010/main" xmlns="" w="9525">
+                <a14:hiddenLine xmlns="" xmlns:a14="http://schemas.microsoft.com/office/drawing/2010/main" w="9525">
                   <a:solidFill>
                     <a:srgbClr val="000000"/>
                   </a:solidFill>
@@ -2737,7 +2737,7 @@
             </a:ln>
             <a:extLst>
               <a:ext uri="{91240B29-F687-4f45-9708-019B960494DF}">
-                <a14:hiddenLine xmlns:a14="http://schemas.microsoft.com/office/drawing/2010/main" xmlns="" w="9525">
+                <a14:hiddenLine xmlns="" xmlns:a14="http://schemas.microsoft.com/office/drawing/2010/main" w="9525">
                   <a:solidFill>
                     <a:srgbClr val="000000"/>
                   </a:solidFill>
@@ -2799,7 +2799,7 @@
             </a:ln>
             <a:extLst>
               <a:ext uri="{91240B29-F687-4f45-9708-019B960494DF}">
-                <a14:hiddenLine xmlns:a14="http://schemas.microsoft.com/office/drawing/2010/main" xmlns="" w="9525">
+                <a14:hiddenLine xmlns="" xmlns:a14="http://schemas.microsoft.com/office/drawing/2010/main" w="9525">
                   <a:solidFill>
                     <a:srgbClr val="000000"/>
                   </a:solidFill>
@@ -2889,7 +2889,7 @@
             </a:ln>
             <a:extLst>
               <a:ext uri="{91240B29-F687-4f45-9708-019B960494DF}">
-                <a14:hiddenLine xmlns:a14="http://schemas.microsoft.com/office/drawing/2010/main" xmlns="" w="9525">
+                <a14:hiddenLine xmlns="" xmlns:a14="http://schemas.microsoft.com/office/drawing/2010/main" w="9525">
                   <a:solidFill>
                     <a:srgbClr val="000000"/>
                   </a:solidFill>
@@ -2951,7 +2951,7 @@
             </a:ln>
             <a:extLst>
               <a:ext uri="{91240B29-F687-4f45-9708-019B960494DF}">
-                <a14:hiddenLine xmlns:a14="http://schemas.microsoft.com/office/drawing/2010/main" xmlns="" w="9525">
+                <a14:hiddenLine xmlns="" xmlns:a14="http://schemas.microsoft.com/office/drawing/2010/main" w="9525">
                   <a:solidFill>
                     <a:srgbClr val="000000"/>
                   </a:solidFill>
@@ -3041,7 +3041,7 @@
             </a:ln>
             <a:extLst>
               <a:ext uri="{91240B29-F687-4f45-9708-019B960494DF}">
-                <a14:hiddenLine xmlns:a14="http://schemas.microsoft.com/office/drawing/2010/main" xmlns="" w="9525">
+                <a14:hiddenLine xmlns="" xmlns:a14="http://schemas.microsoft.com/office/drawing/2010/main" w="9525">
                   <a:solidFill>
                     <a:srgbClr val="000000"/>
                   </a:solidFill>
@@ -3103,7 +3103,7 @@
             </a:ln>
             <a:extLst>
               <a:ext uri="{91240B29-F687-4f45-9708-019B960494DF}">
-                <a14:hiddenLine xmlns:a14="http://schemas.microsoft.com/office/drawing/2010/main" xmlns="" w="9525">
+                <a14:hiddenLine xmlns="" xmlns:a14="http://schemas.microsoft.com/office/drawing/2010/main" w="9525">
                   <a:solidFill>
                     <a:srgbClr val="000000"/>
                   </a:solidFill>
@@ -3193,7 +3193,7 @@
             </a:ln>
             <a:extLst>
               <a:ext uri="{91240B29-F687-4f45-9708-019B960494DF}">
-                <a14:hiddenLine xmlns:a14="http://schemas.microsoft.com/office/drawing/2010/main" xmlns="" w="9525">
+                <a14:hiddenLine xmlns="" xmlns:a14="http://schemas.microsoft.com/office/drawing/2010/main" w="9525">
                   <a:solidFill>
                     <a:srgbClr val="000000"/>
                   </a:solidFill>
@@ -3227,7 +3227,7 @@
             </a:ln>
             <a:extLst>
               <a:ext uri="{91240B29-F687-4f45-9708-019B960494DF}">
-                <a14:hiddenLine xmlns:a14="http://schemas.microsoft.com/office/drawing/2010/main" xmlns="" w="9525">
+                <a14:hiddenLine xmlns="" xmlns:a14="http://schemas.microsoft.com/office/drawing/2010/main" w="9525">
                   <a:solidFill>
                     <a:srgbClr val="000000"/>
                   </a:solidFill>
@@ -3292,7 +3292,7 @@
             </a:ln>
             <a:extLst>
               <a:ext uri="{91240B29-F687-4f45-9708-019B960494DF}">
-                <a14:hiddenLine xmlns:a14="http://schemas.microsoft.com/office/drawing/2010/main" xmlns="" w="9525">
+                <a14:hiddenLine xmlns="" xmlns:a14="http://schemas.microsoft.com/office/drawing/2010/main" w="9525">
                   <a:solidFill>
                     <a:srgbClr val="000000"/>
                   </a:solidFill>
@@ -3382,7 +3382,7 @@
             </a:ln>
             <a:extLst>
               <a:ext uri="{91240B29-F687-4f45-9708-019B960494DF}">
-                <a14:hiddenLine xmlns:a14="http://schemas.microsoft.com/office/drawing/2010/main" xmlns="" w="9525">
+                <a14:hiddenLine xmlns="" xmlns:a14="http://schemas.microsoft.com/office/drawing/2010/main" w="9525">
                   <a:solidFill>
                     <a:srgbClr val="000000"/>
                   </a:solidFill>
@@ -3444,7 +3444,7 @@
             </a:ln>
             <a:extLst>
               <a:ext uri="{91240B29-F687-4f45-9708-019B960494DF}">
-                <a14:hiddenLine xmlns:a14="http://schemas.microsoft.com/office/drawing/2010/main" xmlns="" w="9525">
+                <a14:hiddenLine xmlns="" xmlns:a14="http://schemas.microsoft.com/office/drawing/2010/main" w="9525">
                   <a:solidFill>
                     <a:srgbClr val="000000"/>
                   </a:solidFill>
@@ -3534,7 +3534,7 @@
             </a:ln>
             <a:extLst>
               <a:ext uri="{91240B29-F687-4f45-9708-019B960494DF}">
-                <a14:hiddenLine xmlns:a14="http://schemas.microsoft.com/office/drawing/2010/main" xmlns="" w="9525">
+                <a14:hiddenLine xmlns="" xmlns:a14="http://schemas.microsoft.com/office/drawing/2010/main" w="9525">
                   <a:solidFill>
                     <a:srgbClr val="000000"/>
                   </a:solidFill>
@@ -3624,7 +3624,7 @@
             </a:ln>
             <a:extLst>
               <a:ext uri="{91240B29-F687-4f45-9708-019B960494DF}">
-                <a14:hiddenLine xmlns:a14="http://schemas.microsoft.com/office/drawing/2010/main" xmlns="" w="9525">
+                <a14:hiddenLine xmlns="" xmlns:a14="http://schemas.microsoft.com/office/drawing/2010/main" w="9525">
                   <a:solidFill>
                     <a:srgbClr val="000000"/>
                   </a:solidFill>
@@ -3689,7 +3689,7 @@
             </a:ln>
             <a:extLst>
               <a:ext uri="{91240B29-F687-4f45-9708-019B960494DF}">
-                <a14:hiddenLine xmlns:a14="http://schemas.microsoft.com/office/drawing/2010/main" xmlns="" w="9525">
+                <a14:hiddenLine xmlns="" xmlns:a14="http://schemas.microsoft.com/office/drawing/2010/main" w="9525">
                   <a:solidFill>
                     <a:srgbClr val="000000"/>
                   </a:solidFill>
@@ -3751,7 +3751,7 @@
             </a:ln>
             <a:extLst>
               <a:ext uri="{91240B29-F687-4f45-9708-019B960494DF}">
-                <a14:hiddenLine xmlns:a14="http://schemas.microsoft.com/office/drawing/2010/main" xmlns="" w="9525">
+                <a14:hiddenLine xmlns="" xmlns:a14="http://schemas.microsoft.com/office/drawing/2010/main" w="9525">
                   <a:solidFill>
                     <a:srgbClr val="000000"/>
                   </a:solidFill>
@@ -3841,7 +3841,7 @@
             </a:ln>
             <a:extLst>
               <a:ext uri="{91240B29-F687-4f45-9708-019B960494DF}">
-                <a14:hiddenLine xmlns:a14="http://schemas.microsoft.com/office/drawing/2010/main" xmlns="" w="9525">
+                <a14:hiddenLine xmlns="" xmlns:a14="http://schemas.microsoft.com/office/drawing/2010/main" w="9525">
                   <a:solidFill>
                     <a:srgbClr val="000000"/>
                   </a:solidFill>
@@ -3931,7 +3931,7 @@
             </a:ln>
             <a:extLst>
               <a:ext uri="{91240B29-F687-4f45-9708-019B960494DF}">
-                <a14:hiddenLine xmlns:a14="http://schemas.microsoft.com/office/drawing/2010/main" xmlns="" w="9525">
+                <a14:hiddenLine xmlns="" xmlns:a14="http://schemas.microsoft.com/office/drawing/2010/main" w="9525">
                   <a:solidFill>
                     <a:srgbClr val="000000"/>
                   </a:solidFill>
@@ -3993,7 +3993,7 @@
             </a:ln>
             <a:extLst>
               <a:ext uri="{91240B29-F687-4f45-9708-019B960494DF}">
-                <a14:hiddenLine xmlns:a14="http://schemas.microsoft.com/office/drawing/2010/main" xmlns="" w="9525">
+                <a14:hiddenLine xmlns="" xmlns:a14="http://schemas.microsoft.com/office/drawing/2010/main" w="9525">
                   <a:solidFill>
                     <a:srgbClr val="000000"/>
                   </a:solidFill>
@@ -4113,7 +4113,7 @@
             </a:ln>
             <a:extLst>
               <a:ext uri="{91240B29-F687-4f45-9708-019B960494DF}">
-                <a14:hiddenLine xmlns:a14="http://schemas.microsoft.com/office/drawing/2010/main" xmlns="" w="9525">
+                <a14:hiddenLine xmlns="" xmlns:a14="http://schemas.microsoft.com/office/drawing/2010/main" w="9525">
                   <a:solidFill>
                     <a:srgbClr val="000000"/>
                   </a:solidFill>
@@ -4181,7 +4181,7 @@
             </a:ln>
             <a:extLst>
               <a:ext uri="{91240B29-F687-4f45-9708-019B960494DF}">
-                <a14:hiddenLine xmlns:a14="http://schemas.microsoft.com/office/drawing/2010/main" xmlns="" w="9525">
+                <a14:hiddenLine xmlns="" xmlns:a14="http://schemas.microsoft.com/office/drawing/2010/main" w="9525">
                   <a:solidFill>
                     <a:srgbClr val="000000"/>
                   </a:solidFill>
@@ -4271,7 +4271,7 @@
             </a:ln>
             <a:extLst>
               <a:ext uri="{91240B29-F687-4f45-9708-019B960494DF}">
-                <a14:hiddenLine xmlns:a14="http://schemas.microsoft.com/office/drawing/2010/main" xmlns="" w="9525">
+                <a14:hiddenLine xmlns="" xmlns:a14="http://schemas.microsoft.com/office/drawing/2010/main" w="9525">
                   <a:solidFill>
                     <a:srgbClr val="000000"/>
                   </a:solidFill>
@@ -9000,7 +9000,7 @@
           <a:noFill/>
           <a:extLst>
             <a:ext uri="{909E8E84-426E-40dd-AFC4-6F175D3DCCD1}">
-              <a14:hiddenFill xmlns:a14="http://schemas.microsoft.com/office/drawing/2010/main" xmlns="">
+              <a14:hiddenFill xmlns="" xmlns:a14="http://schemas.microsoft.com/office/drawing/2010/main">
                 <a:solidFill>
                   <a:srgbClr val="FFFFFF"/>
                 </a:solidFill>
@@ -9074,7 +9074,7 @@
               </a:ln>
               <a:extLst>
                 <a:ext uri="{91240B29-F687-4f45-9708-019B960494DF}">
-                  <a14:hiddenLine xmlns:a14="http://schemas.microsoft.com/office/drawing/2010/main" xmlns="" w="9525">
+                  <a14:hiddenLine xmlns="" xmlns:a14="http://schemas.microsoft.com/office/drawing/2010/main" w="9525">
                     <a:solidFill>
                       <a:srgbClr val="000000"/>
                     </a:solidFill>
@@ -9164,7 +9164,7 @@
               </a:ln>
               <a:extLst>
                 <a:ext uri="{91240B29-F687-4f45-9708-019B960494DF}">
-                  <a14:hiddenLine xmlns:a14="http://schemas.microsoft.com/office/drawing/2010/main" xmlns="" w="9525">
+                  <a14:hiddenLine xmlns="" xmlns:a14="http://schemas.microsoft.com/office/drawing/2010/main" w="9525">
                     <a:solidFill>
                       <a:srgbClr val="000000"/>
                     </a:solidFill>
@@ -9254,7 +9254,7 @@
               </a:ln>
               <a:extLst>
                 <a:ext uri="{91240B29-F687-4f45-9708-019B960494DF}">
-                  <a14:hiddenLine xmlns:a14="http://schemas.microsoft.com/office/drawing/2010/main" xmlns="" w="9525">
+                  <a14:hiddenLine xmlns="" xmlns:a14="http://schemas.microsoft.com/office/drawing/2010/main" w="9525">
                     <a:solidFill>
                       <a:srgbClr val="000000"/>
                     </a:solidFill>
@@ -9316,7 +9316,7 @@
               </a:ln>
               <a:extLst>
                 <a:ext uri="{91240B29-F687-4f45-9708-019B960494DF}">
-                  <a14:hiddenLine xmlns:a14="http://schemas.microsoft.com/office/drawing/2010/main" xmlns="" w="9525">
+                  <a14:hiddenLine xmlns="" xmlns:a14="http://schemas.microsoft.com/office/drawing/2010/main" w="9525">
                     <a:solidFill>
                       <a:srgbClr val="000000"/>
                     </a:solidFill>
@@ -9406,7 +9406,7 @@
               </a:ln>
               <a:extLst>
                 <a:ext uri="{91240B29-F687-4f45-9708-019B960494DF}">
-                  <a14:hiddenLine xmlns:a14="http://schemas.microsoft.com/office/drawing/2010/main" xmlns="" w="9525">
+                  <a14:hiddenLine xmlns="" xmlns:a14="http://schemas.microsoft.com/office/drawing/2010/main" w="9525">
                     <a:solidFill>
                       <a:srgbClr val="000000"/>
                     </a:solidFill>
@@ -9468,7 +9468,7 @@
               </a:ln>
               <a:extLst>
                 <a:ext uri="{91240B29-F687-4f45-9708-019B960494DF}">
-                  <a14:hiddenLine xmlns:a14="http://schemas.microsoft.com/office/drawing/2010/main" xmlns="" w="9525">
+                  <a14:hiddenLine xmlns="" xmlns:a14="http://schemas.microsoft.com/office/drawing/2010/main" w="9525">
                     <a:solidFill>
                       <a:srgbClr val="000000"/>
                     </a:solidFill>
@@ -9530,7 +9530,7 @@
               </a:ln>
               <a:extLst>
                 <a:ext uri="{91240B29-F687-4f45-9708-019B960494DF}">
-                  <a14:hiddenLine xmlns:a14="http://schemas.microsoft.com/office/drawing/2010/main" xmlns="" w="9525">
+                  <a14:hiddenLine xmlns="" xmlns:a14="http://schemas.microsoft.com/office/drawing/2010/main" w="9525">
                     <a:solidFill>
                       <a:srgbClr val="000000"/>
                     </a:solidFill>
@@ -9620,7 +9620,7 @@
               </a:ln>
               <a:extLst>
                 <a:ext uri="{91240B29-F687-4f45-9708-019B960494DF}">
-                  <a14:hiddenLine xmlns:a14="http://schemas.microsoft.com/office/drawing/2010/main" xmlns="" w="9525">
+                  <a14:hiddenLine xmlns="" xmlns:a14="http://schemas.microsoft.com/office/drawing/2010/main" w="9525">
                     <a:solidFill>
                       <a:srgbClr val="000000"/>
                     </a:solidFill>
@@ -9710,7 +9710,7 @@
               </a:ln>
               <a:extLst>
                 <a:ext uri="{91240B29-F687-4f45-9708-019B960494DF}">
-                  <a14:hiddenLine xmlns:a14="http://schemas.microsoft.com/office/drawing/2010/main" xmlns="" w="9525">
+                  <a14:hiddenLine xmlns="" xmlns:a14="http://schemas.microsoft.com/office/drawing/2010/main" w="9525">
                     <a:solidFill>
                       <a:srgbClr val="000000"/>
                     </a:solidFill>
@@ -9772,7 +9772,7 @@
               </a:ln>
               <a:extLst>
                 <a:ext uri="{91240B29-F687-4f45-9708-019B960494DF}">
-                  <a14:hiddenLine xmlns:a14="http://schemas.microsoft.com/office/drawing/2010/main" xmlns="" w="9525">
+                  <a14:hiddenLine xmlns="" xmlns:a14="http://schemas.microsoft.com/office/drawing/2010/main" w="9525">
                     <a:solidFill>
                       <a:srgbClr val="000000"/>
                     </a:solidFill>
@@ -9882,7 +9882,7 @@
               </a:ln>
               <a:extLst>
                 <a:ext uri="{91240B29-F687-4f45-9708-019B960494DF}">
-                  <a14:hiddenLine xmlns:a14="http://schemas.microsoft.com/office/drawing/2010/main" xmlns="" w="9525">
+                  <a14:hiddenLine xmlns="" xmlns:a14="http://schemas.microsoft.com/office/drawing/2010/main" w="9525">
                     <a:solidFill>
                       <a:srgbClr val="000000"/>
                     </a:solidFill>
@@ -9966,7 +9966,7 @@
               </a:ln>
               <a:extLst>
                 <a:ext uri="{91240B29-F687-4f45-9708-019B960494DF}">
-                  <a14:hiddenLine xmlns:a14="http://schemas.microsoft.com/office/drawing/2010/main" xmlns="" w="9525">
+                  <a14:hiddenLine xmlns="" xmlns:a14="http://schemas.microsoft.com/office/drawing/2010/main" w="9525">
                     <a:solidFill>
                       <a:srgbClr val="000000"/>
                     </a:solidFill>
@@ -10028,7 +10028,7 @@
               </a:ln>
               <a:extLst>
                 <a:ext uri="{91240B29-F687-4f45-9708-019B960494DF}">
-                  <a14:hiddenLine xmlns:a14="http://schemas.microsoft.com/office/drawing/2010/main" xmlns="" w="9525">
+                  <a14:hiddenLine xmlns="" xmlns:a14="http://schemas.microsoft.com/office/drawing/2010/main" w="9525">
                     <a:solidFill>
                       <a:srgbClr val="000000"/>
                     </a:solidFill>
@@ -10090,7 +10090,7 @@
               </a:ln>
               <a:extLst>
                 <a:ext uri="{91240B29-F687-4f45-9708-019B960494DF}">
-                  <a14:hiddenLine xmlns:a14="http://schemas.microsoft.com/office/drawing/2010/main" xmlns="" w="9525">
+                  <a14:hiddenLine xmlns="" xmlns:a14="http://schemas.microsoft.com/office/drawing/2010/main" w="9525">
                     <a:solidFill>
                       <a:srgbClr val="000000"/>
                     </a:solidFill>
@@ -10180,7 +10180,7 @@
               </a:ln>
               <a:extLst>
                 <a:ext uri="{91240B29-F687-4f45-9708-019B960494DF}">
-                  <a14:hiddenLine xmlns:a14="http://schemas.microsoft.com/office/drawing/2010/main" xmlns="" w="9525">
+                  <a14:hiddenLine xmlns="" xmlns:a14="http://schemas.microsoft.com/office/drawing/2010/main" w="9525">
                     <a:solidFill>
                       <a:srgbClr val="000000"/>
                     </a:solidFill>
@@ -10214,7 +10214,7 @@
               </a:ln>
               <a:extLst>
                 <a:ext uri="{91240B29-F687-4f45-9708-019B960494DF}">
-                  <a14:hiddenLine xmlns:a14="http://schemas.microsoft.com/office/drawing/2010/main" xmlns="" w="9525">
+                  <a14:hiddenLine xmlns="" xmlns:a14="http://schemas.microsoft.com/office/drawing/2010/main" w="9525">
                     <a:solidFill>
                       <a:srgbClr val="000000"/>
                     </a:solidFill>
@@ -10279,7 +10279,7 @@
               </a:ln>
               <a:extLst>
                 <a:ext uri="{91240B29-F687-4f45-9708-019B960494DF}">
-                  <a14:hiddenLine xmlns:a14="http://schemas.microsoft.com/office/drawing/2010/main" xmlns="" w="9525">
+                  <a14:hiddenLine xmlns="" xmlns:a14="http://schemas.microsoft.com/office/drawing/2010/main" w="9525">
                     <a:solidFill>
                       <a:srgbClr val="000000"/>
                     </a:solidFill>
@@ -10369,7 +10369,7 @@
               </a:ln>
               <a:extLst>
                 <a:ext uri="{91240B29-F687-4f45-9708-019B960494DF}">
-                  <a14:hiddenLine xmlns:a14="http://schemas.microsoft.com/office/drawing/2010/main" xmlns="" w="9525">
+                  <a14:hiddenLine xmlns="" xmlns:a14="http://schemas.microsoft.com/office/drawing/2010/main" w="9525">
                     <a:solidFill>
                       <a:srgbClr val="000000"/>
                     </a:solidFill>
@@ -10431,7 +10431,7 @@
               </a:ln>
               <a:extLst>
                 <a:ext uri="{91240B29-F687-4f45-9708-019B960494DF}">
-                  <a14:hiddenLine xmlns:a14="http://schemas.microsoft.com/office/drawing/2010/main" xmlns="" w="9525">
+                  <a14:hiddenLine xmlns="" xmlns:a14="http://schemas.microsoft.com/office/drawing/2010/main" w="9525">
                     <a:solidFill>
                       <a:srgbClr val="000000"/>
                     </a:solidFill>
@@ -10521,7 +10521,7 @@
               </a:ln>
               <a:extLst>
                 <a:ext uri="{91240B29-F687-4f45-9708-019B960494DF}">
-                  <a14:hiddenLine xmlns:a14="http://schemas.microsoft.com/office/drawing/2010/main" xmlns="" w="9525">
+                  <a14:hiddenLine xmlns="" xmlns:a14="http://schemas.microsoft.com/office/drawing/2010/main" w="9525">
                     <a:solidFill>
                       <a:srgbClr val="000000"/>
                     </a:solidFill>
@@ -10586,7 +10586,7 @@
               </a:ln>
               <a:extLst>
                 <a:ext uri="{91240B29-F687-4f45-9708-019B960494DF}">
-                  <a14:hiddenLine xmlns:a14="http://schemas.microsoft.com/office/drawing/2010/main" xmlns="" w="9525">
+                  <a14:hiddenLine xmlns="" xmlns:a14="http://schemas.microsoft.com/office/drawing/2010/main" w="9525">
                     <a:solidFill>
                       <a:srgbClr val="000000"/>
                     </a:solidFill>
@@ -10648,7 +10648,7 @@
               </a:ln>
               <a:extLst>
                 <a:ext uri="{91240B29-F687-4f45-9708-019B960494DF}">
-                  <a14:hiddenLine xmlns:a14="http://schemas.microsoft.com/office/drawing/2010/main" xmlns="" w="9525">
+                  <a14:hiddenLine xmlns="" xmlns:a14="http://schemas.microsoft.com/office/drawing/2010/main" w="9525">
                     <a:solidFill>
                       <a:srgbClr val="000000"/>
                     </a:solidFill>
@@ -10738,7 +10738,7 @@
               </a:ln>
               <a:extLst>
                 <a:ext uri="{91240B29-F687-4f45-9708-019B960494DF}">
-                  <a14:hiddenLine xmlns:a14="http://schemas.microsoft.com/office/drawing/2010/main" xmlns="" w="9525">
+                  <a14:hiddenLine xmlns="" xmlns:a14="http://schemas.microsoft.com/office/drawing/2010/main" w="9525">
                     <a:solidFill>
                       <a:srgbClr val="000000"/>
                     </a:solidFill>
@@ -10828,7 +10828,7 @@
               </a:ln>
               <a:extLst>
                 <a:ext uri="{91240B29-F687-4f45-9708-019B960494DF}">
-                  <a14:hiddenLine xmlns:a14="http://schemas.microsoft.com/office/drawing/2010/main" xmlns="" w="9525">
+                  <a14:hiddenLine xmlns="" xmlns:a14="http://schemas.microsoft.com/office/drawing/2010/main" w="9525">
                     <a:solidFill>
                       <a:srgbClr val="000000"/>
                     </a:solidFill>
@@ -10893,7 +10893,7 @@
               </a:ln>
               <a:extLst>
                 <a:ext uri="{91240B29-F687-4f45-9708-019B960494DF}">
-                  <a14:hiddenLine xmlns:a14="http://schemas.microsoft.com/office/drawing/2010/main" xmlns="" w="9525">
+                  <a14:hiddenLine xmlns="" xmlns:a14="http://schemas.microsoft.com/office/drawing/2010/main" w="9525">
                     <a:solidFill>
                       <a:srgbClr val="000000"/>
                     </a:solidFill>
@@ -11013,7 +11013,7 @@
               </a:ln>
               <a:extLst>
                 <a:ext uri="{91240B29-F687-4f45-9708-019B960494DF}">
-                  <a14:hiddenLine xmlns:a14="http://schemas.microsoft.com/office/drawing/2010/main" xmlns="" w="9525">
+                  <a14:hiddenLine xmlns="" xmlns:a14="http://schemas.microsoft.com/office/drawing/2010/main" w="9525">
                     <a:solidFill>
                       <a:srgbClr val="000000"/>
                     </a:solidFill>
@@ -11094,7 +11094,7 @@
               </a:ln>
               <a:extLst>
                 <a:ext uri="{91240B29-F687-4f45-9708-019B960494DF}">
-                  <a14:hiddenLine xmlns:a14="http://schemas.microsoft.com/office/drawing/2010/main" xmlns="" w="9525">
+                  <a14:hiddenLine xmlns="" xmlns:a14="http://schemas.microsoft.com/office/drawing/2010/main" w="9525">
                     <a:solidFill>
                       <a:srgbClr val="000000"/>
                     </a:solidFill>
@@ -11209,7 +11209,7 @@
               </a:ln>
               <a:extLst>
                 <a:ext uri="{91240B29-F687-4f45-9708-019B960494DF}">
-                  <a14:hiddenLine xmlns:a14="http://schemas.microsoft.com/office/drawing/2010/main" xmlns="" w="9525">
+                  <a14:hiddenLine xmlns="" xmlns:a14="http://schemas.microsoft.com/office/drawing/2010/main" w="9525">
                     <a:solidFill>
                       <a:srgbClr val="000000"/>
                     </a:solidFill>
@@ -11299,7 +11299,7 @@
               </a:ln>
               <a:extLst>
                 <a:ext uri="{91240B29-F687-4f45-9708-019B960494DF}">
-                  <a14:hiddenLine xmlns:a14="http://schemas.microsoft.com/office/drawing/2010/main" xmlns="" w="9525">
+                  <a14:hiddenLine xmlns="" xmlns:a14="http://schemas.microsoft.com/office/drawing/2010/main" w="9525">
                     <a:solidFill>
                       <a:srgbClr val="000000"/>
                     </a:solidFill>
@@ -11364,7 +11364,7 @@
               </a:ln>
               <a:extLst>
                 <a:ext uri="{91240B29-F687-4f45-9708-019B960494DF}">
-                  <a14:hiddenLine xmlns:a14="http://schemas.microsoft.com/office/drawing/2010/main" xmlns="" w="9525">
+                  <a14:hiddenLine xmlns="" xmlns:a14="http://schemas.microsoft.com/office/drawing/2010/main" w="9525">
                     <a:solidFill>
                       <a:srgbClr val="000000"/>
                     </a:solidFill>
@@ -11454,7 +11454,7 @@
               </a:ln>
               <a:extLst>
                 <a:ext uri="{91240B29-F687-4f45-9708-019B960494DF}">
-                  <a14:hiddenLine xmlns:a14="http://schemas.microsoft.com/office/drawing/2010/main" xmlns="" w="9525">
+                  <a14:hiddenLine xmlns="" xmlns:a14="http://schemas.microsoft.com/office/drawing/2010/main" w="9525">
                     <a:solidFill>
                       <a:srgbClr val="000000"/>
                     </a:solidFill>
@@ -11522,7 +11522,7 @@
               </a:ln>
               <a:extLst>
                 <a:ext uri="{91240B29-F687-4f45-9708-019B960494DF}">
-                  <a14:hiddenLine xmlns:a14="http://schemas.microsoft.com/office/drawing/2010/main" xmlns="" w="9525">
+                  <a14:hiddenLine xmlns="" xmlns:a14="http://schemas.microsoft.com/office/drawing/2010/main" w="9525">
                     <a:solidFill>
                       <a:srgbClr val="000000"/>
                     </a:solidFill>
@@ -11612,7 +11612,7 @@
               </a:ln>
               <a:extLst>
                 <a:ext uri="{91240B29-F687-4f45-9708-019B960494DF}">
-                  <a14:hiddenLine xmlns:a14="http://schemas.microsoft.com/office/drawing/2010/main" xmlns="" w="9525">
+                  <a14:hiddenLine xmlns="" xmlns:a14="http://schemas.microsoft.com/office/drawing/2010/main" w="9525">
                     <a:solidFill>
                       <a:srgbClr val="000000"/>
                     </a:solidFill>
@@ -11680,7 +11680,7 @@
               </a:ln>
               <a:extLst>
                 <a:ext uri="{91240B29-F687-4f45-9708-019B960494DF}">
-                  <a14:hiddenLine xmlns:a14="http://schemas.microsoft.com/office/drawing/2010/main" xmlns="" w="9525">
+                  <a14:hiddenLine xmlns="" xmlns:a14="http://schemas.microsoft.com/office/drawing/2010/main" w="9525">
                     <a:solidFill>
                       <a:srgbClr val="000000"/>
                     </a:solidFill>
@@ -11770,7 +11770,7 @@
               </a:ln>
               <a:extLst>
                 <a:ext uri="{91240B29-F687-4f45-9708-019B960494DF}">
-                  <a14:hiddenLine xmlns:a14="http://schemas.microsoft.com/office/drawing/2010/main" xmlns="" w="9525">
+                  <a14:hiddenLine xmlns="" xmlns:a14="http://schemas.microsoft.com/office/drawing/2010/main" w="9525">
                     <a:solidFill>
                       <a:srgbClr val="000000"/>
                     </a:solidFill>
@@ -11804,7 +11804,7 @@
               </a:ln>
               <a:extLst>
                 <a:ext uri="{91240B29-F687-4f45-9708-019B960494DF}">
-                  <a14:hiddenLine xmlns:a14="http://schemas.microsoft.com/office/drawing/2010/main" xmlns="" w="9525">
+                  <a14:hiddenLine xmlns="" xmlns:a14="http://schemas.microsoft.com/office/drawing/2010/main" w="9525">
                     <a:solidFill>
                       <a:srgbClr val="000000"/>
                     </a:solidFill>
@@ -12444,7 +12444,7 @@
             <a:pPr algn="ctr"/>
             <a:r>
               <a:rPr lang="en-US" dirty="0"/>
-              <a:t>SE2 – SPG Sprint 2</a:t>
+              <a:t>SE2 – SPG Sprint 3</a:t>
             </a:r>
           </a:p>
         </p:txBody>
@@ -12981,14 +12981,19 @@
                 <a:effectLst/>
                 <a:latin typeface="-apple-system"/>
               </a:rPr>
-              <a:t>Hours spent on remediation: 1d 2h 30m</a:t>
-            </a:r>
-          </a:p>
-          <a:p>
-            <a:pPr algn="l">
-              <a:buFont typeface="Arial" panose="020B0604020202020204" pitchFamily="34" charset="0"/>
-              <a:buChar char="•"/>
-            </a:pPr>
+              <a:t>Hours spent on remediation: 1d </a:t>
+            </a:r>
+          </a:p>
+          <a:p>
+            <a:r>
+              <a:rPr lang="en-US" dirty="0">
+                <a:solidFill>
+                  <a:srgbClr val="C9D1D9"/>
+                </a:solidFill>
+                <a:latin typeface="-apple-system"/>
+              </a:rPr>
+              <a:t>D</a:t>
+            </a:r>
             <a:r>
               <a:rPr lang="en-US" b="0" i="0" dirty="0">
                 <a:solidFill>
@@ -12997,7 +13002,7 @@
                 <a:effectLst/>
                 <a:latin typeface="-apple-system"/>
               </a:rPr>
-              <a:t>debt ratio (as reported by SonarQube under "Measures-Maintainability"): 0.3%</a:t>
+              <a:t>ebt ratio (as reported by SonarQube under "Measures-Maintainability"): 0.3%</a:t>
             </a:r>
             <a:endParaRPr lang="en-US" b="1" i="0" dirty="0">
               <a:solidFill>
@@ -13013,6 +13018,15 @@
               <a:buChar char="•"/>
             </a:pPr>
             <a:r>
+              <a:rPr lang="en-US" dirty="0">
+                <a:solidFill>
+                  <a:srgbClr val="C9D1D9"/>
+                </a:solidFill>
+                <a:latin typeface="-apple-system"/>
+              </a:rPr>
+              <a:t>R</a:t>
+            </a:r>
+            <a:r>
               <a:rPr lang="en-US" b="0" i="0" dirty="0">
                 <a:solidFill>
                   <a:srgbClr val="C9D1D9"/>
@@ -13020,7 +13034,7 @@
                 <a:effectLst/>
                 <a:latin typeface="-apple-system"/>
               </a:rPr>
-              <a:t>rating for each quality characteristic reported in SonarQube under "Measures" (namely reliability, security, maintainability): </a:t>
+              <a:t>ating for each quality characteristic reported in SonarQube under "Measures" (namely reliability, security, maintainability): </a:t>
             </a:r>
           </a:p>
           <a:p>
@@ -13364,11 +13378,13 @@
             <a:r>
               <a:rPr lang="en-US" sz="2000" dirty="0">
                 <a:solidFill>
-                  <a:srgbClr val="FF0000"/>
+                  <a:schemeClr val="tx1">
+                    <a:lumMod val="85000"/>
+                  </a:schemeClr>
                 </a:solidFill>
                 <a:latin typeface="-apple-system"/>
               </a:rPr>
-              <a:t>Comment more our code to let the other group mates understand what we did.</a:t>
+              <a:t>Story integration was not as swift as we expected. We faced some initial difficulty on integrating our previously implemented stories with the new ones</a:t>
             </a:r>
           </a:p>
           <a:p>
@@ -13378,11 +13394,13 @@
             <a:r>
               <a:rPr lang="en-US" sz="2000" dirty="0">
                 <a:solidFill>
-                  <a:srgbClr val="FF0000"/>
+                  <a:schemeClr val="tx1">
+                    <a:lumMod val="85000"/>
+                  </a:schemeClr>
                 </a:solidFill>
                 <a:latin typeface="-apple-system"/>
               </a:rPr>
-              <a:t>Write a general documentation in the readme file (for example write the users credentials).</a:t>
+              <a:t>Documentation (the Git readme) proved to be very helpful and we often used it as a “manual” to quickly search and get the information we needed</a:t>
             </a:r>
           </a:p>
           <a:p>
@@ -13392,11 +13410,13 @@
             <a:r>
               <a:rPr lang="en-US" sz="2000" dirty="0">
                 <a:solidFill>
-                  <a:srgbClr val="FF0000"/>
+                  <a:schemeClr val="tx1">
+                    <a:lumMod val="85000"/>
+                  </a:schemeClr>
                 </a:solidFill>
                 <a:latin typeface="-apple-system"/>
               </a:rPr>
-              <a:t>A good FE needs more development time allocated.</a:t>
+              <a:t>At the end of this sprint we were able to deliver a much better looking and much more responsive app. This step helped us better understand the effects of a better design on the stakeholders feedback and “happiness”</a:t>
             </a:r>
           </a:p>
         </p:txBody>
@@ -13688,7 +13708,7 @@
                 </a:solidFill>
                 <a:latin typeface="-apple-system"/>
               </a:rPr>
-              <a:t>We achieved all of the goals set in the previous retrospective.</a:t>
+              <a:t>We achieved all of the goals set in the previous retrospective</a:t>
             </a:r>
             <a:endParaRPr lang="en-US" sz="2000" b="0" i="0" dirty="0">
               <a:solidFill>
@@ -13822,11 +13842,13 @@
             <a:r>
               <a:rPr lang="en-US" sz="2000" dirty="0">
                 <a:solidFill>
-                  <a:srgbClr val="FF0000"/>
+                  <a:schemeClr val="tx1">
+                    <a:lumMod val="85000"/>
+                  </a:schemeClr>
                 </a:solidFill>
                 <a:latin typeface="-apple-system"/>
               </a:rPr>
-              <a:t>We need to increase the technical debt remediation time and to increase the number of technical tasks needed to refactor our code and make the UI responsive.</a:t>
+              <a:t>We need to further improve the design and the usability of our application</a:t>
             </a:r>
           </a:p>
           <a:p>
@@ -13834,9 +13856,27 @@
               <a:buAutoNum type="arabicPeriod"/>
             </a:pPr>
             <a:r>
+              <a:rPr lang="en-US" sz="2000" dirty="0">
+                <a:solidFill>
+                  <a:schemeClr val="tx1">
+                    <a:lumMod val="85000"/>
+                  </a:schemeClr>
+                </a:solidFill>
+                <a:latin typeface="-apple-system"/>
+              </a:rPr>
+              <a:t>We need to better show the state of our system by showing more meaningful alerts and messages to the user</a:t>
+            </a:r>
+          </a:p>
+          <a:p>
+            <a:pPr marL="457200" indent="-457200" algn="l">
+              <a:buAutoNum type="arabicPeriod"/>
+            </a:pPr>
+            <a:r>
               <a:rPr lang="en-US" sz="2000" b="0" i="0" dirty="0">
                 <a:solidFill>
-                  <a:srgbClr val="FF0000"/>
+                  <a:schemeClr val="tx1">
+                    <a:lumMod val="85000"/>
+                  </a:schemeClr>
                 </a:solidFill>
                 <a:effectLst/>
                 <a:latin typeface="-apple-system"/>
@@ -13846,15 +13886,19 @@
             <a:r>
               <a:rPr lang="en-US" sz="2000" dirty="0">
                 <a:solidFill>
-                  <a:srgbClr val="FF0000"/>
+                  <a:schemeClr val="tx1">
+                    <a:lumMod val="85000"/>
+                  </a:schemeClr>
                 </a:solidFill>
                 <a:latin typeface="-apple-system"/>
               </a:rPr>
-              <a:t>e plan to develop less stories and focus more on the currently open issues and app visual improvements.</a:t>
+              <a:t>e plan to increase the amount and granularity of our test suites to achieve a higher coverage and to discover bugs quicker</a:t>
             </a:r>
             <a:endParaRPr lang="en-US" b="0" i="0" dirty="0">
               <a:solidFill>
-                <a:srgbClr val="FF0000"/>
+                <a:schemeClr val="tx1">
+                  <a:lumMod val="85000"/>
+                </a:schemeClr>
               </a:solidFill>
               <a:effectLst/>
               <a:latin typeface="-apple-system"/>
@@ -13989,7 +14033,7 @@
                 <a:effectLst/>
                 <a:latin typeface="-apple-system"/>
               </a:rPr>
-              <a:t>We supported each other on any difficulty that appeared.</a:t>
+              <a:t>Teamwork, as it was also the case in the previous two sprints, was awesome. We helped each other in solving problems and reviewing code from previously implemented stories</a:t>
             </a:r>
           </a:p>
           <a:p>
